--- a/组会3.18GNN.pptx
+++ b/组会3.18GNN.pptx
@@ -5,7 +5,7 @@
     <p:sldMasterId id="2147483648" r:id="rId1"/>
   </p:sldMasterIdLst>
   <p:notesMasterIdLst>
-    <p:notesMasterId r:id="rId22"/>
+    <p:notesMasterId r:id="rId23"/>
   </p:notesMasterIdLst>
   <p:sldIdLst>
     <p:sldId id="256" r:id="rId2"/>
@@ -24,10 +24,11 @@
     <p:sldId id="369" r:id="rId15"/>
     <p:sldId id="366" r:id="rId16"/>
     <p:sldId id="364" r:id="rId17"/>
-    <p:sldId id="367" r:id="rId18"/>
-    <p:sldId id="361" r:id="rId19"/>
-    <p:sldId id="354" r:id="rId20"/>
-    <p:sldId id="321" r:id="rId21"/>
+    <p:sldId id="370" r:id="rId18"/>
+    <p:sldId id="367" r:id="rId19"/>
+    <p:sldId id="361" r:id="rId20"/>
+    <p:sldId id="354" r:id="rId21"/>
+    <p:sldId id="321" r:id="rId22"/>
   </p:sldIdLst>
   <p:sldSz cx="12192000" cy="6858000"/>
   <p:notesSz cx="6858000" cy="9144000"/>
@@ -227,7 +228,7 @@
           <a:p>
             <a:fld id="{5F273A26-202E-431B-AD76-A5F023416F0D}" type="datetimeFigureOut">
               <a:rPr lang="zh-CN" altLang="en-US" smtClean="0"/>
-              <a:t>2022/3/15</a:t>
+              <a:t>2022/3/16</a:t>
             </a:fld>
             <a:endParaRPr lang="zh-CN" altLang="en-US"/>
           </a:p>
@@ -635,6 +636,72 @@
     </p:spTree>
     <p:extLst>
       <p:ext uri="{BB962C8B-B14F-4D97-AF65-F5344CB8AC3E}">
+        <p14:creationId xmlns:p14="http://schemas.microsoft.com/office/powerpoint/2010/main" val="2333868179"/>
+      </p:ext>
+    </p:extLst>
+  </p:cSld>
+  <p:clrMapOvr>
+    <a:masterClrMapping/>
+  </p:clrMapOvr>
+</p:notes>
+</file>
+
+<file path=ppt/notesSlides/notesSlide11.xml><?xml version="1.0" encoding="utf-8"?>
+<p:notes xmlns:a="http://schemas.openxmlformats.org/drawingml/2006/main" xmlns:r="http://schemas.openxmlformats.org/officeDocument/2006/relationships" xmlns:p="http://schemas.openxmlformats.org/presentationml/2006/main">
+  <p:cSld>
+    <p:spTree>
+      <p:nvGrpSpPr>
+        <p:cNvPr id="1" name=""/>
+        <p:cNvGrpSpPr/>
+        <p:nvPr/>
+      </p:nvGrpSpPr>
+      <p:grpSpPr>
+        <a:xfrm>
+          <a:off x="0" y="0"/>
+          <a:ext cx="0" cy="0"/>
+          <a:chOff x="0" y="0"/>
+          <a:chExt cx="0" cy="0"/>
+        </a:xfrm>
+      </p:grpSpPr>
+      <p:sp>
+        <p:nvSpPr>
+          <p:cNvPr id="2" name="幻灯片图像占位符 1"/>
+          <p:cNvSpPr>
+            <a:spLocks noGrp="1" noRot="1" noChangeAspect="1"/>
+          </p:cNvSpPr>
+          <p:nvPr>
+            <p:ph type="sldImg" idx="2"/>
+          </p:nvPr>
+        </p:nvSpPr>
+        <p:spPr>
+          <a:xfrm>
+            <a:off x="685800" y="1143000"/>
+            <a:ext cx="5486400" cy="3086100"/>
+          </a:xfrm>
+        </p:spPr>
+      </p:sp>
+      <p:sp>
+        <p:nvSpPr>
+          <p:cNvPr id="3" name="文本占位符 2"/>
+          <p:cNvSpPr>
+            <a:spLocks noGrp="1"/>
+          </p:cNvSpPr>
+          <p:nvPr>
+            <p:ph type="body" idx="3"/>
+          </p:nvPr>
+        </p:nvSpPr>
+        <p:spPr/>
+        <p:txBody>
+          <a:bodyPr/>
+          <a:lstStyle/>
+          <a:p>
+            <a:endParaRPr lang="zh-CN" altLang="en-US" dirty="0"/>
+          </a:p>
+        </p:txBody>
+      </p:sp>
+    </p:spTree>
+    <p:extLst>
+      <p:ext uri="{BB962C8B-B14F-4D97-AF65-F5344CB8AC3E}">
         <p14:creationId xmlns:p14="http://schemas.microsoft.com/office/powerpoint/2010/main" val="2728591707"/>
       </p:ext>
     </p:extLst>
@@ -645,7 +712,7 @@
 </p:notes>
 </file>
 
-<file path=ppt/notesSlides/notesSlide11.xml><?xml version="1.0" encoding="utf-8"?>
+<file path=ppt/notesSlides/notesSlide12.xml><?xml version="1.0" encoding="utf-8"?>
 <p:notes xmlns:a="http://schemas.openxmlformats.org/drawingml/2006/main" xmlns:r="http://schemas.openxmlformats.org/officeDocument/2006/relationships" xmlns:p="http://schemas.openxmlformats.org/presentationml/2006/main">
   <p:cSld>
     <p:spTree>
@@ -1370,7 +1437,7 @@
           <a:p>
             <a:fld id="{D2DA14B7-EFA4-4552-9A35-108FC461037B}" type="datetime1">
               <a:rPr lang="zh-CN" altLang="en-US" smtClean="0"/>
-              <a:t>2022/3/15</a:t>
+              <a:t>2022/3/16</a:t>
             </a:fld>
             <a:endParaRPr lang="zh-CN" altLang="en-US"/>
           </a:p>
@@ -1542,7 +1609,7 @@
           <a:p>
             <a:fld id="{7B2AF473-7D85-46E5-818E-5B009CB9D0E2}" type="datetime1">
               <a:rPr lang="zh-CN" altLang="en-US" smtClean="0"/>
-              <a:t>2022/3/15</a:t>
+              <a:t>2022/3/16</a:t>
             </a:fld>
             <a:endParaRPr lang="zh-CN" altLang="en-US"/>
           </a:p>
@@ -1717,7 +1784,7 @@
           <a:p>
             <a:fld id="{3C4D3159-4E25-4F06-B17A-E551EA2A014F}" type="datetime1">
               <a:rPr lang="zh-CN" altLang="en-US" smtClean="0"/>
-              <a:t>2022/3/15</a:t>
+              <a:t>2022/3/16</a:t>
             </a:fld>
             <a:endParaRPr lang="zh-CN" altLang="en-US"/>
           </a:p>
@@ -1935,7 +2002,7 @@
           <a:p>
             <a:fld id="{25ED9F82-50BF-416A-84C5-BEBB50BB99AF}" type="datetime1">
               <a:rPr lang="zh-CN" altLang="en-US" smtClean="0"/>
-              <a:t>2022/3/15</a:t>
+              <a:t>2022/3/16</a:t>
             </a:fld>
             <a:endParaRPr lang="zh-CN" altLang="en-US"/>
           </a:p>
@@ -2318,7 +2385,7 @@
           <a:p>
             <a:fld id="{FE43C476-6102-4371-9CDB-C438C8C363FD}" type="datetime1">
               <a:rPr lang="zh-CN" altLang="en-US" smtClean="0"/>
-              <a:t>2022/3/15</a:t>
+              <a:t>2022/3/16</a:t>
             </a:fld>
             <a:endParaRPr lang="zh-CN" altLang="en-US"/>
           </a:p>
@@ -2552,7 +2619,7 @@
           <a:p>
             <a:fld id="{4F38462B-42B2-454F-A088-DB5E8117633F}" type="datetime1">
               <a:rPr lang="zh-CN" altLang="en-US" smtClean="0"/>
-              <a:t>2022/3/15</a:t>
+              <a:t>2022/3/16</a:t>
             </a:fld>
             <a:endParaRPr lang="zh-CN" altLang="en-US"/>
           </a:p>
@@ -2921,7 +2988,7 @@
           <a:p>
             <a:fld id="{189FC360-3D03-4AEF-8660-10EB205FCE15}" type="datetime1">
               <a:rPr lang="zh-CN" altLang="en-US" smtClean="0"/>
-              <a:t>2022/3/15</a:t>
+              <a:t>2022/3/16</a:t>
             </a:fld>
             <a:endParaRPr lang="zh-CN" altLang="en-US"/>
           </a:p>
@@ -3034,7 +3101,7 @@
           <a:p>
             <a:fld id="{858C2E6C-0097-4171-A137-E6260F915C38}" type="datetime1">
               <a:rPr lang="zh-CN" altLang="en-US" smtClean="0"/>
-              <a:t>2022/3/15</a:t>
+              <a:t>2022/3/16</a:t>
             </a:fld>
             <a:endParaRPr lang="zh-CN" altLang="en-US"/>
           </a:p>
@@ -3124,7 +3191,7 @@
           <a:p>
             <a:fld id="{7AFE4A2B-517A-41F3-86E1-CC0FE98B087F}" type="datetime1">
               <a:rPr lang="zh-CN" altLang="en-US" smtClean="0"/>
-              <a:t>2022/3/15</a:t>
+              <a:t>2022/3/16</a:t>
             </a:fld>
             <a:endParaRPr lang="zh-CN" altLang="en-US"/>
           </a:p>
@@ -3396,7 +3463,7 @@
           <a:p>
             <a:fld id="{6BC4A481-D110-4405-8D29-7F4C8B8C5605}" type="datetime1">
               <a:rPr lang="zh-CN" altLang="en-US" smtClean="0"/>
-              <a:t>2022/3/15</a:t>
+              <a:t>2022/3/16</a:t>
             </a:fld>
             <a:endParaRPr lang="zh-CN" altLang="en-US"/>
           </a:p>
@@ -3644,7 +3711,7 @@
           <a:p>
             <a:fld id="{DE264D7F-A3B6-4CE8-9A1A-A86D617CC5CF}" type="datetime1">
               <a:rPr lang="zh-CN" altLang="en-US" smtClean="0"/>
-              <a:t>2022/3/15</a:t>
+              <a:t>2022/3/16</a:t>
             </a:fld>
             <a:endParaRPr lang="zh-CN" altLang="en-US"/>
           </a:p>
@@ -3852,7 +3919,7 @@
           <a:p>
             <a:fld id="{C399469A-CC65-4820-8272-D84B923EF7A4}" type="datetime1">
               <a:rPr lang="zh-CN" altLang="en-US" smtClean="0"/>
-              <a:t>2022/3/15</a:t>
+              <a:t>2022/3/16</a:t>
             </a:fld>
             <a:endParaRPr lang="zh-CN" altLang="en-US"/>
           </a:p>
@@ -4421,14 +4488,14 @@
                 <a:gridCol w="2518189">
                   <a:extLst>
                     <a:ext uri="{9D8B030D-6E8A-4147-A177-3AD203B41FA5}">
-                      <a16:colId xmlns:a16="http://schemas.microsoft.com/office/drawing/2014/main" xmlns="" val="20000"/>
+                      <a16:colId xmlns="" xmlns:a16="http://schemas.microsoft.com/office/drawing/2014/main" val="20000"/>
                     </a:ext>
                   </a:extLst>
                 </a:gridCol>
                 <a:gridCol w="5972258">
                   <a:extLst>
                     <a:ext uri="{9D8B030D-6E8A-4147-A177-3AD203B41FA5}">
-                      <a16:colId xmlns:a16="http://schemas.microsoft.com/office/drawing/2014/main" xmlns="" val="20001"/>
+                      <a16:colId xmlns="" xmlns:a16="http://schemas.microsoft.com/office/drawing/2014/main" val="20001"/>
                     </a:ext>
                   </a:extLst>
                 </a:gridCol>
@@ -4575,7 +4642,7 @@
                 </a:tc>
                 <a:extLst>
                   <a:ext uri="{0D108BD9-81ED-4DB2-BD59-A6C34878D82A}">
-                    <a16:rowId xmlns:a16="http://schemas.microsoft.com/office/drawing/2014/main" xmlns="" val="10000"/>
+                    <a16:rowId xmlns="" xmlns:a16="http://schemas.microsoft.com/office/drawing/2014/main" val="10000"/>
                   </a:ext>
                 </a:extLst>
               </a:tr>
@@ -4711,7 +4778,7 @@
                 </a:tc>
                 <a:extLst>
                   <a:ext uri="{0D108BD9-81ED-4DB2-BD59-A6C34878D82A}">
-                    <a16:rowId xmlns:a16="http://schemas.microsoft.com/office/drawing/2014/main" xmlns="" val="10001"/>
+                    <a16:rowId xmlns="" xmlns:a16="http://schemas.microsoft.com/office/drawing/2014/main" val="10001"/>
                   </a:ext>
                 </a:extLst>
               </a:tr>
@@ -4854,7 +4921,7 @@
                 </a:tc>
                 <a:extLst>
                   <a:ext uri="{0D108BD9-81ED-4DB2-BD59-A6C34878D82A}">
-                    <a16:rowId xmlns:a16="http://schemas.microsoft.com/office/drawing/2014/main" xmlns="" val="10002"/>
+                    <a16:rowId xmlns="" xmlns:a16="http://schemas.microsoft.com/office/drawing/2014/main" val="10002"/>
                   </a:ext>
                 </a:extLst>
               </a:tr>
@@ -4981,7 +5048,7 @@
                 </a:tc>
                 <a:extLst>
                   <a:ext uri="{0D108BD9-81ED-4DB2-BD59-A6C34878D82A}">
-                    <a16:rowId xmlns:a16="http://schemas.microsoft.com/office/drawing/2014/main" xmlns="" val="10003"/>
+                    <a16:rowId xmlns="" xmlns:a16="http://schemas.microsoft.com/office/drawing/2014/main" val="10003"/>
                   </a:ext>
                 </a:extLst>
               </a:tr>
@@ -6136,7 +6203,7 @@
           <a:blip r:embed="rId4">
             <a:extLst>
               <a:ext uri="{96DAC541-7B7A-43D3-8B79-37D633B846F1}">
-                <asvg:svgBlip xmlns="" xmlns:asvg="http://schemas.microsoft.com/office/drawing/2016/SVG/main" r:embed="rId5"/>
+                <asvg:svgBlip xmlns:asvg="http://schemas.microsoft.com/office/drawing/2016/SVG/main" xmlns="" r:embed="rId5"/>
               </a:ext>
             </a:extLst>
           </a:blip>
@@ -6166,7 +6233,7 @@
           <a:blip r:embed="rId4">
             <a:extLst>
               <a:ext uri="{96DAC541-7B7A-43D3-8B79-37D633B846F1}">
-                <asvg:svgBlip xmlns="" xmlns:asvg="http://schemas.microsoft.com/office/drawing/2016/SVG/main" r:embed="rId5"/>
+                <asvg:svgBlip xmlns:asvg="http://schemas.microsoft.com/office/drawing/2016/SVG/main" xmlns="" r:embed="rId5"/>
               </a:ext>
             </a:extLst>
           </a:blip>
@@ -7486,7 +7553,7 @@
           <a:blip r:embed="rId4">
             <a:extLst>
               <a:ext uri="{96DAC541-7B7A-43D3-8B79-37D633B846F1}">
-                <asvg:svgBlip xmlns="" xmlns:asvg="http://schemas.microsoft.com/office/drawing/2016/SVG/main" r:embed="rId5"/>
+                <asvg:svgBlip xmlns:asvg="http://schemas.microsoft.com/office/drawing/2016/SVG/main" xmlns="" r:embed="rId5"/>
               </a:ext>
             </a:extLst>
           </a:blip>
@@ -7516,7 +7583,7 @@
           <a:blip r:embed="rId4">
             <a:extLst>
               <a:ext uri="{96DAC541-7B7A-43D3-8B79-37D633B846F1}">
-                <asvg:svgBlip xmlns="" xmlns:asvg="http://schemas.microsoft.com/office/drawing/2016/SVG/main" r:embed="rId5"/>
+                <asvg:svgBlip xmlns:asvg="http://schemas.microsoft.com/office/drawing/2016/SVG/main" xmlns="" r:embed="rId5"/>
               </a:ext>
             </a:extLst>
           </a:blip>
@@ -7546,7 +7613,7 @@
           <a:blip r:embed="rId4">
             <a:extLst>
               <a:ext uri="{96DAC541-7B7A-43D3-8B79-37D633B846F1}">
-                <asvg:svgBlip xmlns="" xmlns:asvg="http://schemas.microsoft.com/office/drawing/2016/SVG/main" r:embed="rId5"/>
+                <asvg:svgBlip xmlns:asvg="http://schemas.microsoft.com/office/drawing/2016/SVG/main" xmlns="" r:embed="rId5"/>
               </a:ext>
             </a:extLst>
           </a:blip>
@@ -7569,7 +7636,7 @@
           <p:cNvPr id="13" name="矩形 12">
             <a:extLst>
               <a:ext uri="{FF2B5EF4-FFF2-40B4-BE49-F238E27FC236}">
-                <a16:creationId xmlns:a16="http://schemas.microsoft.com/office/drawing/2014/main" xmlns="" id="{FE6CE1C5-47F9-4C6E-AD3F-D63883C9C6D1}"/>
+                <a16:creationId xmlns="" xmlns:a16="http://schemas.microsoft.com/office/drawing/2014/main" id="{FE6CE1C5-47F9-4C6E-AD3F-D63883C9C6D1}"/>
               </a:ext>
             </a:extLst>
           </p:cNvPr>
@@ -7613,7 +7680,7 @@
           <p:cNvPr id="14" name="椭圆 13">
             <a:extLst>
               <a:ext uri="{FF2B5EF4-FFF2-40B4-BE49-F238E27FC236}">
-                <a16:creationId xmlns:a16="http://schemas.microsoft.com/office/drawing/2014/main" xmlns="" id="{E7603584-2625-48C8-8AE6-25BBFB217C07}"/>
+                <a16:creationId xmlns="" xmlns:a16="http://schemas.microsoft.com/office/drawing/2014/main" id="{E7603584-2625-48C8-8AE6-25BBFB217C07}"/>
               </a:ext>
             </a:extLst>
           </p:cNvPr>
@@ -7672,7 +7739,7 @@
           <p:cNvPr id="15" name="矩形 14">
             <a:extLst>
               <a:ext uri="{FF2B5EF4-FFF2-40B4-BE49-F238E27FC236}">
-                <a16:creationId xmlns:a16="http://schemas.microsoft.com/office/drawing/2014/main" xmlns="" id="{FE6CE1C5-47F9-4C6E-AD3F-D63883C9C6D1}"/>
+                <a16:creationId xmlns="" xmlns:a16="http://schemas.microsoft.com/office/drawing/2014/main" id="{FE6CE1C5-47F9-4C6E-AD3F-D63883C9C6D1}"/>
               </a:ext>
             </a:extLst>
           </p:cNvPr>
@@ -7717,7 +7784,7 @@
           <p:cNvPr id="16" name="椭圆 15">
             <a:extLst>
               <a:ext uri="{FF2B5EF4-FFF2-40B4-BE49-F238E27FC236}">
-                <a16:creationId xmlns:a16="http://schemas.microsoft.com/office/drawing/2014/main" xmlns="" id="{E7603584-2625-48C8-8AE6-25BBFB217C07}"/>
+                <a16:creationId xmlns="" xmlns:a16="http://schemas.microsoft.com/office/drawing/2014/main" id="{E7603584-2625-48C8-8AE6-25BBFB217C07}"/>
               </a:ext>
             </a:extLst>
           </p:cNvPr>
@@ -7776,7 +7843,7 @@
           <p:cNvPr id="17" name="椭圆 16">
             <a:extLst>
               <a:ext uri="{FF2B5EF4-FFF2-40B4-BE49-F238E27FC236}">
-                <a16:creationId xmlns:a16="http://schemas.microsoft.com/office/drawing/2014/main" xmlns="" id="{E7603584-2625-48C8-8AE6-25BBFB217C07}"/>
+                <a16:creationId xmlns="" xmlns:a16="http://schemas.microsoft.com/office/drawing/2014/main" id="{E7603584-2625-48C8-8AE6-25BBFB217C07}"/>
               </a:ext>
             </a:extLst>
           </p:cNvPr>
@@ -7835,7 +7902,7 @@
           <p:cNvPr id="18" name="矩形 17">
             <a:extLst>
               <a:ext uri="{FF2B5EF4-FFF2-40B4-BE49-F238E27FC236}">
-                <a16:creationId xmlns:a16="http://schemas.microsoft.com/office/drawing/2014/main" xmlns="" id="{FE6CE1C5-47F9-4C6E-AD3F-D63883C9C6D1}"/>
+                <a16:creationId xmlns="" xmlns:a16="http://schemas.microsoft.com/office/drawing/2014/main" id="{FE6CE1C5-47F9-4C6E-AD3F-D63883C9C6D1}"/>
               </a:ext>
             </a:extLst>
           </p:cNvPr>
@@ -7885,7 +7952,7 @@
           <p:cNvPr id="19" name="矩形 18">
             <a:extLst>
               <a:ext uri="{FF2B5EF4-FFF2-40B4-BE49-F238E27FC236}">
-                <a16:creationId xmlns:a16="http://schemas.microsoft.com/office/drawing/2014/main" xmlns="" id="{FE6CE1C5-47F9-4C6E-AD3F-D63883C9C6D1}"/>
+                <a16:creationId xmlns="" xmlns:a16="http://schemas.microsoft.com/office/drawing/2014/main" id="{FE6CE1C5-47F9-4C6E-AD3F-D63883C9C6D1}"/>
               </a:ext>
             </a:extLst>
           </p:cNvPr>
@@ -7935,7 +8002,7 @@
           <p:cNvPr id="20" name="矩形 19">
             <a:extLst>
               <a:ext uri="{FF2B5EF4-FFF2-40B4-BE49-F238E27FC236}">
-                <a16:creationId xmlns:a16="http://schemas.microsoft.com/office/drawing/2014/main" xmlns="" id="{FE6CE1C5-47F9-4C6E-AD3F-D63883C9C6D1}"/>
+                <a16:creationId xmlns="" xmlns:a16="http://schemas.microsoft.com/office/drawing/2014/main" id="{FE6CE1C5-47F9-4C6E-AD3F-D63883C9C6D1}"/>
               </a:ext>
             </a:extLst>
           </p:cNvPr>
@@ -7979,7 +8046,7 @@
           <p:cNvPr id="21" name="椭圆 20">
             <a:extLst>
               <a:ext uri="{FF2B5EF4-FFF2-40B4-BE49-F238E27FC236}">
-                <a16:creationId xmlns:a16="http://schemas.microsoft.com/office/drawing/2014/main" xmlns="" id="{E7603584-2625-48C8-8AE6-25BBFB217C07}"/>
+                <a16:creationId xmlns="" xmlns:a16="http://schemas.microsoft.com/office/drawing/2014/main" id="{E7603584-2625-48C8-8AE6-25BBFB217C07}"/>
               </a:ext>
             </a:extLst>
           </p:cNvPr>
@@ -8038,7 +8105,7 @@
           <p:cNvPr id="22" name="椭圆 21">
             <a:extLst>
               <a:ext uri="{FF2B5EF4-FFF2-40B4-BE49-F238E27FC236}">
-                <a16:creationId xmlns:a16="http://schemas.microsoft.com/office/drawing/2014/main" xmlns="" id="{E7603584-2625-48C8-8AE6-25BBFB217C07}"/>
+                <a16:creationId xmlns="" xmlns:a16="http://schemas.microsoft.com/office/drawing/2014/main" id="{E7603584-2625-48C8-8AE6-25BBFB217C07}"/>
               </a:ext>
             </a:extLst>
           </p:cNvPr>
@@ -8097,7 +8164,7 @@
           <p:cNvPr id="23" name="椭圆 22">
             <a:extLst>
               <a:ext uri="{FF2B5EF4-FFF2-40B4-BE49-F238E27FC236}">
-                <a16:creationId xmlns:a16="http://schemas.microsoft.com/office/drawing/2014/main" xmlns="" id="{E7603584-2625-48C8-8AE6-25BBFB217C07}"/>
+                <a16:creationId xmlns="" xmlns:a16="http://schemas.microsoft.com/office/drawing/2014/main" id="{E7603584-2625-48C8-8AE6-25BBFB217C07}"/>
               </a:ext>
             </a:extLst>
           </p:cNvPr>
@@ -8156,7 +8223,7 @@
           <p:cNvPr id="24" name="矩形 23">
             <a:extLst>
               <a:ext uri="{FF2B5EF4-FFF2-40B4-BE49-F238E27FC236}">
-                <a16:creationId xmlns:a16="http://schemas.microsoft.com/office/drawing/2014/main" xmlns="" id="{FE6CE1C5-47F9-4C6E-AD3F-D63883C9C6D1}"/>
+                <a16:creationId xmlns="" xmlns:a16="http://schemas.microsoft.com/office/drawing/2014/main" id="{FE6CE1C5-47F9-4C6E-AD3F-D63883C9C6D1}"/>
               </a:ext>
             </a:extLst>
           </p:cNvPr>
@@ -8209,7 +8276,7 @@
           <p:cNvPr id="25" name="矩形 24">
             <a:extLst>
               <a:ext uri="{FF2B5EF4-FFF2-40B4-BE49-F238E27FC236}">
-                <a16:creationId xmlns:a16="http://schemas.microsoft.com/office/drawing/2014/main" xmlns="" id="{FE6CE1C5-47F9-4C6E-AD3F-D63883C9C6D1}"/>
+                <a16:creationId xmlns="" xmlns:a16="http://schemas.microsoft.com/office/drawing/2014/main" id="{FE6CE1C5-47F9-4C6E-AD3F-D63883C9C6D1}"/>
               </a:ext>
             </a:extLst>
           </p:cNvPr>
@@ -8262,7 +8329,7 @@
           <p:cNvPr id="26" name="矩形 25">
             <a:extLst>
               <a:ext uri="{FF2B5EF4-FFF2-40B4-BE49-F238E27FC236}">
-                <a16:creationId xmlns:a16="http://schemas.microsoft.com/office/drawing/2014/main" xmlns="" id="{FE6CE1C5-47F9-4C6E-AD3F-D63883C9C6D1}"/>
+                <a16:creationId xmlns="" xmlns:a16="http://schemas.microsoft.com/office/drawing/2014/main" id="{FE6CE1C5-47F9-4C6E-AD3F-D63883C9C6D1}"/>
               </a:ext>
             </a:extLst>
           </p:cNvPr>
@@ -8315,7 +8382,7 @@
           <p:cNvPr id="27" name="矩形 26">
             <a:extLst>
               <a:ext uri="{FF2B5EF4-FFF2-40B4-BE49-F238E27FC236}">
-                <a16:creationId xmlns:a16="http://schemas.microsoft.com/office/drawing/2014/main" xmlns="" id="{FE6CE1C5-47F9-4C6E-AD3F-D63883C9C6D1}"/>
+                <a16:creationId xmlns="" xmlns:a16="http://schemas.microsoft.com/office/drawing/2014/main" id="{FE6CE1C5-47F9-4C6E-AD3F-D63883C9C6D1}"/>
               </a:ext>
             </a:extLst>
           </p:cNvPr>
@@ -8763,7 +8830,7 @@
           <p:cNvPr id="39" name="矩形 38">
             <a:extLst>
               <a:ext uri="{FF2B5EF4-FFF2-40B4-BE49-F238E27FC236}">
-                <a16:creationId xmlns:a16="http://schemas.microsoft.com/office/drawing/2014/main" xmlns="" id="{FE6CE1C5-47F9-4C6E-AD3F-D63883C9C6D1}"/>
+                <a16:creationId xmlns="" xmlns:a16="http://schemas.microsoft.com/office/drawing/2014/main" id="{FE6CE1C5-47F9-4C6E-AD3F-D63883C9C6D1}"/>
               </a:ext>
             </a:extLst>
           </p:cNvPr>
@@ -8816,7 +8883,7 @@
           <p:cNvPr id="40" name="矩形 39">
             <a:extLst>
               <a:ext uri="{FF2B5EF4-FFF2-40B4-BE49-F238E27FC236}">
-                <a16:creationId xmlns:a16="http://schemas.microsoft.com/office/drawing/2014/main" xmlns="" id="{FE6CE1C5-47F9-4C6E-AD3F-D63883C9C6D1}"/>
+                <a16:creationId xmlns="" xmlns:a16="http://schemas.microsoft.com/office/drawing/2014/main" id="{FE6CE1C5-47F9-4C6E-AD3F-D63883C9C6D1}"/>
               </a:ext>
             </a:extLst>
           </p:cNvPr>
@@ -9021,7 +9088,7 @@
           <p:cNvPr id="45" name="矩形 44">
             <a:extLst>
               <a:ext uri="{FF2B5EF4-FFF2-40B4-BE49-F238E27FC236}">
-                <a16:creationId xmlns:a16="http://schemas.microsoft.com/office/drawing/2014/main" xmlns="" id="{FE6CE1C5-47F9-4C6E-AD3F-D63883C9C6D1}"/>
+                <a16:creationId xmlns="" xmlns:a16="http://schemas.microsoft.com/office/drawing/2014/main" id="{FE6CE1C5-47F9-4C6E-AD3F-D63883C9C6D1}"/>
               </a:ext>
             </a:extLst>
           </p:cNvPr>
@@ -9074,7 +9141,7 @@
           <p:cNvPr id="46" name="矩形 45">
             <a:extLst>
               <a:ext uri="{FF2B5EF4-FFF2-40B4-BE49-F238E27FC236}">
-                <a16:creationId xmlns:a16="http://schemas.microsoft.com/office/drawing/2014/main" xmlns="" id="{FE6CE1C5-47F9-4C6E-AD3F-D63883C9C6D1}"/>
+                <a16:creationId xmlns="" xmlns:a16="http://schemas.microsoft.com/office/drawing/2014/main" id="{FE6CE1C5-47F9-4C6E-AD3F-D63883C9C6D1}"/>
               </a:ext>
             </a:extLst>
           </p:cNvPr>
@@ -9273,8 +9340,8 @@
           <a:chExt cx="0" cy="0"/>
         </a:xfrm>
       </p:grpSpPr>
-      <mc:AlternateContent xmlns:mc="http://schemas.openxmlformats.org/markup-compatibility/2006" xmlns:a14="http://schemas.microsoft.com/office/drawing/2010/main">
-        <mc:Choice Requires="a14">
+      <mc:AlternateContent xmlns:mc="http://schemas.openxmlformats.org/markup-compatibility/2006">
+        <mc:Choice xmlns:a14="http://schemas.microsoft.com/office/drawing/2010/main" Requires="a14">
           <p:sp>
             <p:nvSpPr>
               <p:cNvPr id="7" name="内容占位符 2"/>
@@ -9293,7 +9360,7 @@
             </p:spPr>
             <p:txBody>
               <a:bodyPr>
-                <a:normAutofit fontScale="92500" lnSpcReduction="10000"/>
+                <a:normAutofit fontScale="92500" lnSpcReduction="20000"/>
               </a:bodyPr>
               <a:lstStyle/>
               <a:p>
@@ -9901,12 +9968,101 @@
                 <a14:m>
                   <m:oMath xmlns:m="http://schemas.openxmlformats.org/officeDocument/2006/math">
                     <m:r>
-                      <a:rPr lang="en-US" altLang="zh-CN" i="1">
+                      <a:rPr lang="en-US" altLang="zh-CN" b="0" i="1" smtClean="0">
                         <a:latin typeface="Cambria Math" panose="02040503050406030204" pitchFamily="18" charset="0"/>
                         <a:ea typeface="微软雅黑" panose="020B0503020204020204" pitchFamily="34" charset="-122"/>
                       </a:rPr>
                       <m:t>𝜖</m:t>
                     </m:r>
+                    <m:r>
+                      <a:rPr lang="en-US" altLang="zh-CN" b="0" i="1" smtClean="0">
+                        <a:latin typeface="Cambria Math" panose="02040503050406030204" pitchFamily="18" charset="0"/>
+                        <a:ea typeface="微软雅黑" panose="020B0503020204020204" pitchFamily="34" charset="-122"/>
+                      </a:rPr>
+                      <m:t>=</m:t>
+                    </m:r>
+                    <m:sSubSup>
+                      <m:sSubSupPr>
+                        <m:ctrlPr>
+                          <a:rPr lang="en-US" altLang="zh-CN" b="0" i="1" smtClean="0">
+                            <a:latin typeface="Cambria Math" panose="02040503050406030204" pitchFamily="18" charset="0"/>
+                            <a:ea typeface="微软雅黑" panose="020B0503020204020204" pitchFamily="34" charset="-122"/>
+                          </a:rPr>
+                        </m:ctrlPr>
+                      </m:sSubSupPr>
+                      <m:e>
+                        <m:r>
+                          <m:rPr>
+                            <m:sty m:val="p"/>
+                          </m:rPr>
+                          <a:rPr lang="en-US" altLang="zh-CN" b="0" i="0" smtClean="0">
+                            <a:latin typeface="Cambria Math" panose="02040503050406030204" pitchFamily="18" charset="0"/>
+                            <a:ea typeface="微软雅黑" panose="020B0503020204020204" pitchFamily="34" charset="-122"/>
+                          </a:rPr>
+                          <m:t>Σ</m:t>
+                        </m:r>
+                      </m:e>
+                      <m:sub>
+                        <m:r>
+                          <a:rPr lang="en-US" altLang="zh-CN" b="0" i="1" smtClean="0">
+                            <a:latin typeface="Cambria Math" panose="02040503050406030204" pitchFamily="18" charset="0"/>
+                            <a:ea typeface="微软雅黑" panose="020B0503020204020204" pitchFamily="34" charset="-122"/>
+                          </a:rPr>
+                          <m:t>𝑖</m:t>
+                        </m:r>
+                        <m:r>
+                          <a:rPr lang="en-US" altLang="zh-CN" b="0" i="1" smtClean="0">
+                            <a:latin typeface="Cambria Math" panose="02040503050406030204" pitchFamily="18" charset="0"/>
+                            <a:ea typeface="微软雅黑" panose="020B0503020204020204" pitchFamily="34" charset="-122"/>
+                          </a:rPr>
+                          <m:t>=1</m:t>
+                        </m:r>
+                      </m:sub>
+                      <m:sup>
+                        <m:r>
+                          <a:rPr lang="en-US" altLang="zh-CN" b="0" i="1" smtClean="0">
+                            <a:latin typeface="Cambria Math" panose="02040503050406030204" pitchFamily="18" charset="0"/>
+                            <a:ea typeface="微软雅黑" panose="020B0503020204020204" pitchFamily="34" charset="-122"/>
+                          </a:rPr>
+                          <m:t>𝐿</m:t>
+                        </m:r>
+                      </m:sup>
+                    </m:sSubSup>
+                    <m:r>
+                      <a:rPr lang="en-US" altLang="zh-CN" b="0" i="1" smtClean="0">
+                        <a:latin typeface="Cambria Math" panose="02040503050406030204" pitchFamily="18" charset="0"/>
+                        <a:ea typeface="微软雅黑" panose="020B0503020204020204" pitchFamily="34" charset="-122"/>
+                      </a:rPr>
+                      <m:t> </m:t>
+                    </m:r>
+                    <m:sSub>
+                      <m:sSubPr>
+                        <m:ctrlPr>
+                          <a:rPr lang="en-US" altLang="zh-CN" b="0" i="1" smtClean="0">
+                            <a:latin typeface="Cambria Math" panose="02040503050406030204" pitchFamily="18" charset="0"/>
+                            <a:ea typeface="微软雅黑" panose="020B0503020204020204" pitchFamily="34" charset="-122"/>
+                          </a:rPr>
+                        </m:ctrlPr>
+                      </m:sSubPr>
+                      <m:e>
+                        <m:r>
+                          <a:rPr lang="en-US" altLang="zh-CN" i="1">
+                            <a:latin typeface="Cambria Math" panose="02040503050406030204" pitchFamily="18" charset="0"/>
+                            <a:ea typeface="微软雅黑" panose="020B0503020204020204" pitchFamily="34" charset="-122"/>
+                          </a:rPr>
+                          <m:t>𝜖</m:t>
+                        </m:r>
+                      </m:e>
+                      <m:sub>
+                        <m:r>
+                          <a:rPr lang="en-US" altLang="zh-CN" b="0" i="1" smtClean="0">
+                            <a:latin typeface="Cambria Math" panose="02040503050406030204" pitchFamily="18" charset="0"/>
+                            <a:ea typeface="微软雅黑" panose="020B0503020204020204" pitchFamily="34" charset="-122"/>
+                          </a:rPr>
+                          <m:t>𝑖</m:t>
+                        </m:r>
+                      </m:sub>
+                    </m:sSub>
                     <m:r>
                       <a:rPr lang="en-US" altLang="zh-CN" i="1">
                         <a:latin typeface="Cambria Math" panose="02040503050406030204" pitchFamily="18" charset="0"/>
@@ -9914,16 +10070,121 @@
                       </a:rPr>
                       <m:t>=</m:t>
                     </m:r>
-                    <m:r>
-                      <m:rPr>
-                        <m:sty m:val="p"/>
-                      </m:rPr>
-                      <a:rPr lang="en-US" altLang="zh-CN">
-                        <a:latin typeface="Cambria Math" panose="02040503050406030204" pitchFamily="18" charset="0"/>
-                        <a:ea typeface="微软雅黑" panose="020B0503020204020204" pitchFamily="34" charset="-122"/>
-                      </a:rPr>
-                      <m:t>Σ</m:t>
-                    </m:r>
+                    <m:sSubSup>
+                      <m:sSubSupPr>
+                        <m:ctrlPr>
+                          <a:rPr lang="en-US" altLang="zh-CN" i="1">
+                            <a:latin typeface="Cambria Math" panose="02040503050406030204" pitchFamily="18" charset="0"/>
+                            <a:ea typeface="微软雅黑" panose="020B0503020204020204" pitchFamily="34" charset="-122"/>
+                          </a:rPr>
+                        </m:ctrlPr>
+                      </m:sSubSupPr>
+                      <m:e>
+                        <m:r>
+                          <m:rPr>
+                            <m:sty m:val="p"/>
+                          </m:rPr>
+                          <a:rPr lang="en-US" altLang="zh-CN">
+                            <a:latin typeface="Cambria Math" panose="02040503050406030204" pitchFamily="18" charset="0"/>
+                            <a:ea typeface="微软雅黑" panose="020B0503020204020204" pitchFamily="34" charset="-122"/>
+                          </a:rPr>
+                          <m:t>Σ</m:t>
+                        </m:r>
+                      </m:e>
+                      <m:sub>
+                        <m:r>
+                          <a:rPr lang="en-US" altLang="zh-CN" i="1">
+                            <a:latin typeface="Cambria Math" panose="02040503050406030204" pitchFamily="18" charset="0"/>
+                            <a:ea typeface="微软雅黑" panose="020B0503020204020204" pitchFamily="34" charset="-122"/>
+                          </a:rPr>
+                          <m:t>𝑖</m:t>
+                        </m:r>
+                        <m:r>
+                          <a:rPr lang="en-US" altLang="zh-CN" i="1">
+                            <a:latin typeface="Cambria Math" panose="02040503050406030204" pitchFamily="18" charset="0"/>
+                            <a:ea typeface="微软雅黑" panose="020B0503020204020204" pitchFamily="34" charset="-122"/>
+                          </a:rPr>
+                          <m:t>=1</m:t>
+                        </m:r>
+                      </m:sub>
+                      <m:sup>
+                        <m:r>
+                          <a:rPr lang="en-US" altLang="zh-CN" i="1">
+                            <a:latin typeface="Cambria Math" panose="02040503050406030204" pitchFamily="18" charset="0"/>
+                            <a:ea typeface="微软雅黑" panose="020B0503020204020204" pitchFamily="34" charset="-122"/>
+                          </a:rPr>
+                          <m:t>𝐿</m:t>
+                        </m:r>
+                      </m:sup>
+                    </m:sSubSup>
+                    <m:sSubSup>
+                      <m:sSubSupPr>
+                        <m:ctrlPr>
+                          <a:rPr lang="en-US" altLang="zh-CN" b="0" i="1" smtClean="0">
+                            <a:latin typeface="Cambria Math" panose="02040503050406030204" pitchFamily="18" charset="0"/>
+                            <a:ea typeface="微软雅黑" panose="020B0503020204020204" pitchFamily="34" charset="-122"/>
+                          </a:rPr>
+                        </m:ctrlPr>
+                      </m:sSubSupPr>
+                      <m:e>
+                        <m:r>
+                          <m:rPr>
+                            <m:sty m:val="p"/>
+                          </m:rPr>
+                          <a:rPr lang="en-US" altLang="zh-CN">
+                            <a:latin typeface="Cambria Math" panose="02040503050406030204" pitchFamily="18" charset="0"/>
+                            <a:ea typeface="微软雅黑" panose="020B0503020204020204" pitchFamily="34" charset="-122"/>
+                          </a:rPr>
+                          <m:t>Σ</m:t>
+                        </m:r>
+                      </m:e>
+                      <m:sub>
+                        <m:r>
+                          <a:rPr lang="en-US" altLang="zh-CN" b="0" i="1" smtClean="0">
+                            <a:latin typeface="Cambria Math" panose="02040503050406030204" pitchFamily="18" charset="0"/>
+                            <a:ea typeface="微软雅黑" panose="020B0503020204020204" pitchFamily="34" charset="-122"/>
+                          </a:rPr>
+                          <m:t>𝑗</m:t>
+                        </m:r>
+                        <m:r>
+                          <a:rPr lang="en-US" altLang="zh-CN" b="0" i="1" smtClean="0">
+                            <a:latin typeface="Cambria Math" panose="02040503050406030204" pitchFamily="18" charset="0"/>
+                            <a:ea typeface="微软雅黑" panose="020B0503020204020204" pitchFamily="34" charset="-122"/>
+                          </a:rPr>
+                          <m:t>=1</m:t>
+                        </m:r>
+                      </m:sub>
+                      <m:sup>
+                        <m:sSub>
+                          <m:sSubPr>
+                            <m:ctrlPr>
+                              <a:rPr lang="en-US" altLang="zh-CN" b="0" i="1" smtClean="0">
+                                <a:latin typeface="Cambria Math" panose="02040503050406030204" pitchFamily="18" charset="0"/>
+                                <a:ea typeface="微软雅黑" panose="020B0503020204020204" pitchFamily="34" charset="-122"/>
+                              </a:rPr>
+                            </m:ctrlPr>
+                          </m:sSubPr>
+                          <m:e>
+                            <m:r>
+                              <a:rPr lang="en-US" altLang="zh-CN" b="0" i="1" smtClean="0">
+                                <a:latin typeface="Cambria Math" panose="02040503050406030204" pitchFamily="18" charset="0"/>
+                                <a:ea typeface="微软雅黑" panose="020B0503020204020204" pitchFamily="34" charset="-122"/>
+                              </a:rPr>
+                              <m:t>𝑁</m:t>
+                            </m:r>
+                          </m:e>
+                          <m:sub>
+                            <m:r>
+                              <a:rPr lang="en-US" altLang="zh-CN" b="0" i="1" smtClean="0">
+                                <a:latin typeface="Cambria Math" panose="02040503050406030204" pitchFamily="18" charset="0"/>
+                                <a:ea typeface="微软雅黑" panose="020B0503020204020204" pitchFamily="34" charset="-122"/>
+                              </a:rPr>
+                              <m:t>𝑖</m:t>
+                            </m:r>
+                          </m:sub>
+                        </m:sSub>
+                      </m:sup>
+                    </m:sSubSup>
                     <m:sSub>
                       <m:sSubPr>
                         <m:ctrlPr>
@@ -9947,11 +10208,21 @@
                       </m:e>
                       <m:sub>
                         <m:r>
+                          <a:rPr lang="en-US" altLang="zh-CN" b="0" i="1" smtClean="0">
+                            <a:latin typeface="Cambria Math" panose="02040503050406030204" pitchFamily="18" charset="0"/>
+                            <a:ea typeface="微软雅黑" panose="020B0503020204020204" pitchFamily="34" charset="-122"/>
+                          </a:rPr>
+                          <m:t>𝑖</m:t>
+                        </m:r>
+                        <m:r>
+                          <m:rPr>
+                            <m:sty m:val="p"/>
+                          </m:rPr>
                           <a:rPr lang="en-US" altLang="zh-CN" i="1">
                             <a:latin typeface="Cambria Math" panose="02040503050406030204" pitchFamily="18" charset="0"/>
                             <a:ea typeface="微软雅黑" panose="020B0503020204020204" pitchFamily="34" charset="-122"/>
                           </a:rPr>
-                          <m:t>𝑖</m:t>
+                          <m:t>j</m:t>
                         </m:r>
                       </m:sub>
                     </m:sSub>
@@ -9982,16 +10253,58 @@
                       </m:e>
                       <m:sub>
                         <m:r>
-                          <a:rPr lang="en-US" altLang="zh-CN" i="1">
+                          <a:rPr lang="en-US" altLang="zh-CN" b="0" i="1" smtClean="0">
                             <a:latin typeface="Cambria Math" panose="02040503050406030204" pitchFamily="18" charset="0"/>
                             <a:ea typeface="微软雅黑" panose="020B0503020204020204" pitchFamily="34" charset="-122"/>
                           </a:rPr>
-                          <m:t>𝑖</m:t>
+                          <m:t>𝑖𝑗</m:t>
                         </m:r>
                       </m:sub>
                     </m:sSub>
                   </m:oMath>
                 </a14:m>
+                <a:r>
+                  <a:rPr lang="en-US" altLang="zh-CN" dirty="0" smtClean="0">
+                    <a:latin typeface="微软雅黑" panose="020B0503020204020204" pitchFamily="34" charset="-122"/>
+                    <a:ea typeface="微软雅黑" panose="020B0503020204020204" pitchFamily="34" charset="-122"/>
+                  </a:rPr>
+                  <a:t>, L</a:t>
+                </a:r>
+                <a:r>
+                  <a:rPr lang="zh-CN" altLang="en-US" dirty="0" smtClean="0">
+                    <a:latin typeface="微软雅黑" panose="020B0503020204020204" pitchFamily="34" charset="-122"/>
+                    <a:ea typeface="微软雅黑" panose="020B0503020204020204" pitchFamily="34" charset="-122"/>
+                  </a:rPr>
+                  <a:t>是层数，</a:t>
+                </a:r>
+                <a:r>
+                  <a:rPr lang="en-US" altLang="zh-CN" dirty="0" smtClean="0">
+                    <a:latin typeface="微软雅黑" panose="020B0503020204020204" pitchFamily="34" charset="-122"/>
+                    <a:ea typeface="微软雅黑" panose="020B0503020204020204" pitchFamily="34" charset="-122"/>
+                  </a:rPr>
+                  <a:t>Ni</a:t>
+                </a:r>
+                <a:r>
+                  <a:rPr lang="zh-CN" altLang="en-US" dirty="0" smtClean="0">
+                    <a:latin typeface="微软雅黑" panose="020B0503020204020204" pitchFamily="34" charset="-122"/>
+                    <a:ea typeface="微软雅黑" panose="020B0503020204020204" pitchFamily="34" charset="-122"/>
+                  </a:rPr>
+                  <a:t>是第</a:t>
+                </a:r>
+                <a:r>
+                  <a:rPr lang="en-US" altLang="zh-CN" dirty="0" err="1" smtClean="0">
+                    <a:latin typeface="微软雅黑" panose="020B0503020204020204" pitchFamily="34" charset="-122"/>
+                    <a:ea typeface="微软雅黑" panose="020B0503020204020204" pitchFamily="34" charset="-122"/>
+                  </a:rPr>
+                  <a:t>i</a:t>
+                </a:r>
+                <a:r>
+                  <a:rPr lang="zh-CN" altLang="en-US" dirty="0" smtClean="0">
+                    <a:latin typeface="微软雅黑" panose="020B0503020204020204" pitchFamily="34" charset="-122"/>
+                    <a:ea typeface="微软雅黑" panose="020B0503020204020204" pitchFamily="34" charset="-122"/>
+                  </a:rPr>
+                  <a:t>层的神经元个数</a:t>
+                </a:r>
                 <a:endParaRPr lang="en-US" altLang="zh-CN" dirty="0">
                   <a:latin typeface="微软雅黑" panose="020B0503020204020204" pitchFamily="34" charset="-122"/>
                   <a:ea typeface="微软雅黑" panose="020B0503020204020204" pitchFamily="34" charset="-122"/>
@@ -10089,25 +10402,44 @@
                         <m:sSub>
                           <m:sSubPr>
                             <m:ctrlPr>
-                              <a:rPr lang="en-US" altLang="zh-CN" i="1">
+                              <a:rPr lang="en-US" altLang="zh-CN" b="0" i="1" smtClean="0">
                                 <a:latin typeface="Cambria Math" panose="02040503050406030204" pitchFamily="18" charset="0"/>
                               </a:rPr>
                             </m:ctrlPr>
                           </m:sSubPr>
                           <m:e>
-                            <m:r>
-                              <a:rPr lang="en-US" altLang="zh-CN" i="1">
-                                <a:latin typeface="Cambria Math" panose="02040503050406030204" pitchFamily="18" charset="0"/>
-                              </a:rPr>
-                              <m:t>𝑠</m:t>
-                            </m:r>
+                            <m:sSub>
+                              <m:sSubPr>
+                                <m:ctrlPr>
+                                  <a:rPr lang="en-US" altLang="zh-CN" i="1">
+                                    <a:latin typeface="Cambria Math" panose="02040503050406030204" pitchFamily="18" charset="0"/>
+                                  </a:rPr>
+                                </m:ctrlPr>
+                              </m:sSubPr>
+                              <m:e>
+                                <m:r>
+                                  <a:rPr lang="en-US" altLang="zh-CN" i="1">
+                                    <a:latin typeface="Cambria Math" panose="02040503050406030204" pitchFamily="18" charset="0"/>
+                                  </a:rPr>
+                                  <m:t>𝑠</m:t>
+                                </m:r>
+                              </m:e>
+                              <m:sub>
+                                <m:r>
+                                  <a:rPr lang="en-US" altLang="zh-CN" i="1">
+                                    <a:latin typeface="Cambria Math" panose="02040503050406030204" pitchFamily="18" charset="0"/>
+                                  </a:rPr>
+                                  <m:t>𝑁</m:t>
+                                </m:r>
+                              </m:sub>
+                            </m:sSub>
                           </m:e>
                           <m:sub>
                             <m:r>
-                              <a:rPr lang="en-US" altLang="zh-CN" i="1">
+                              <a:rPr lang="en-US" altLang="zh-CN" b="0" i="1" smtClean="0">
                                 <a:latin typeface="Cambria Math" panose="02040503050406030204" pitchFamily="18" charset="0"/>
                               </a:rPr>
-                              <m:t>𝑁</m:t>
+                              <m:t>𝑖</m:t>
                             </m:r>
                           </m:sub>
                         </m:sSub>
@@ -10134,7 +10466,7 @@
                     <m:sSub>
                       <m:sSubPr>
                         <m:ctrlPr>
-                          <a:rPr lang="en-US" altLang="zh-CN" i="1">
+                          <a:rPr lang="en-US" altLang="zh-CN" i="1" smtClean="0">
                             <a:latin typeface="Cambria Math" panose="02040503050406030204" pitchFamily="18" charset="0"/>
                             <a:ea typeface="微软雅黑" panose="020B0503020204020204" pitchFamily="34" charset="-122"/>
                           </a:rPr>
@@ -10154,11 +10486,11 @@
                       </m:e>
                       <m:sub>
                         <m:r>
-                          <a:rPr lang="en-US" altLang="zh-CN" i="1">
+                          <a:rPr lang="en-US" altLang="zh-CN" b="0" i="1" smtClean="0">
                             <a:latin typeface="Cambria Math" panose="02040503050406030204" pitchFamily="18" charset="0"/>
                             <a:ea typeface="微软雅黑" panose="020B0503020204020204" pitchFamily="34" charset="-122"/>
                           </a:rPr>
-                          <m:t>𝑖</m:t>
+                          <m:t>𝑗</m:t>
                         </m:r>
                       </m:sub>
                     </m:sSub>
@@ -10611,7 +10943,7 @@
             </p:txBody>
           </p:sp>
         </mc:Choice>
-        <mc:Fallback xmlns="">
+        <mc:Fallback>
           <p:sp>
             <p:nvSpPr>
               <p:cNvPr id="7" name="内容占位符 2"/>
@@ -10630,7 +10962,7 @@
               <a:blipFill rotWithShape="0">
                 <a:blip r:embed="rId3"/>
                 <a:stretch>
-                  <a:fillRect l="-928" t="-2853" b="-259"/>
+                  <a:fillRect l="-928" t="-3502"/>
                 </a:stretch>
               </a:blipFill>
             </p:spPr>
@@ -10707,7 +11039,7 @@
           <a:blip r:embed="rId4">
             <a:extLst>
               <a:ext uri="{96DAC541-7B7A-43D3-8B79-37D633B846F1}">
-                <asvg:svgBlip xmlns="" xmlns:asvg="http://schemas.microsoft.com/office/drawing/2016/SVG/main" r:embed="rId5"/>
+                <asvg:svgBlip xmlns:asvg="http://schemas.microsoft.com/office/drawing/2016/SVG/main" xmlns="" r:embed="rId5"/>
               </a:ext>
             </a:extLst>
           </a:blip>
@@ -10737,7 +11069,7 @@
           <a:blip r:embed="rId4">
             <a:extLst>
               <a:ext uri="{96DAC541-7B7A-43D3-8B79-37D633B846F1}">
-                <asvg:svgBlip xmlns="" xmlns:asvg="http://schemas.microsoft.com/office/drawing/2016/SVG/main" r:embed="rId5"/>
+                <asvg:svgBlip xmlns:asvg="http://schemas.microsoft.com/office/drawing/2016/SVG/main" xmlns="" r:embed="rId5"/>
               </a:ext>
             </a:extLst>
           </a:blip>
@@ -10767,7 +11099,7 @@
           <a:blip r:embed="rId4">
             <a:extLst>
               <a:ext uri="{96DAC541-7B7A-43D3-8B79-37D633B846F1}">
-                <asvg:svgBlip xmlns="" xmlns:asvg="http://schemas.microsoft.com/office/drawing/2016/SVG/main" r:embed="rId5"/>
+                <asvg:svgBlip xmlns:asvg="http://schemas.microsoft.com/office/drawing/2016/SVG/main" xmlns="" r:embed="rId5"/>
               </a:ext>
             </a:extLst>
           </a:blip>
@@ -10862,14 +11194,21 @@
                     <a:latin typeface="微软雅黑" panose="020B0503020204020204" pitchFamily="34" charset="-122"/>
                     <a:ea typeface="微软雅黑" panose="020B0503020204020204" pitchFamily="34" charset="-122"/>
                   </a:rPr>
-                  <a:t>    </a:t>
+                  <a:t>  </a:t>
                 </a:r>
                 <a:r>
                   <a:rPr lang="en-US" altLang="zh-CN" dirty="0" smtClean="0">
                     <a:latin typeface="微软雅黑" panose="020B0503020204020204" pitchFamily="34" charset="-122"/>
                     <a:ea typeface="微软雅黑" panose="020B0503020204020204" pitchFamily="34" charset="-122"/>
                   </a:rPr>
-                  <a:t>Intra-chip data</a:t>
+                  <a:t>*Intra-chip </a:t>
+                </a:r>
+                <a:r>
+                  <a:rPr lang="en-US" altLang="zh-CN" dirty="0" smtClean="0">
+                    <a:latin typeface="微软雅黑" panose="020B0503020204020204" pitchFamily="34" charset="-122"/>
+                    <a:ea typeface="微软雅黑" panose="020B0503020204020204" pitchFamily="34" charset="-122"/>
+                  </a:rPr>
+                  <a:t>data</a:t>
                 </a:r>
               </a:p>
               <a:p>
@@ -10890,10 +11229,6 @@
                   </a:rPr>
                   <a:t> </a:t>
                 </a:r>
-                <a:endParaRPr lang="en-US" altLang="zh-CN" sz="2200" dirty="0" smtClean="0">
-                  <a:latin typeface="微软雅黑" panose="020B0503020204020204" pitchFamily="34" charset="-122"/>
-                  <a:ea typeface="微软雅黑" panose="020B0503020204020204" pitchFamily="34" charset="-122"/>
-                </a:endParaRPr>
               </a:p>
               <a:p>
                 <a:pPr lvl="1"/>
@@ -11316,7 +11651,7 @@
           <a:blip r:embed="rId4">
             <a:extLst>
               <a:ext uri="{96DAC541-7B7A-43D3-8B79-37D633B846F1}">
-                <asvg:svgBlip xmlns="" xmlns:asvg="http://schemas.microsoft.com/office/drawing/2016/SVG/main" r:embed="rId5"/>
+                <asvg:svgBlip xmlns:asvg="http://schemas.microsoft.com/office/drawing/2016/SVG/main" xmlns="" r:embed="rId5"/>
               </a:ext>
             </a:extLst>
           </a:blip>
@@ -11326,7 +11661,7 @@
         </p:blipFill>
         <p:spPr>
           <a:xfrm flipH="1">
-            <a:off x="676275" y="1247746"/>
+            <a:off x="676275" y="1780188"/>
             <a:ext cx="243205" cy="243205"/>
           </a:xfrm>
           <a:prstGeom prst="rect">
@@ -11346,7 +11681,7 @@
           <a:blip r:embed="rId4">
             <a:extLst>
               <a:ext uri="{96DAC541-7B7A-43D3-8B79-37D633B846F1}">
-                <asvg:svgBlip xmlns="" xmlns:asvg="http://schemas.microsoft.com/office/drawing/2016/SVG/main" r:embed="rId5"/>
+                <asvg:svgBlip xmlns:asvg="http://schemas.microsoft.com/office/drawing/2016/SVG/main" xmlns="" r:embed="rId5"/>
               </a:ext>
             </a:extLst>
           </a:blip>
@@ -11356,7 +11691,7 @@
         </p:blipFill>
         <p:spPr>
           <a:xfrm flipH="1">
-            <a:off x="676274" y="2941242"/>
+            <a:off x="676274" y="3473684"/>
             <a:ext cx="243205" cy="243205"/>
           </a:xfrm>
           <a:prstGeom prst="rect">
@@ -11474,11 +11809,7 @@
           <a:p>
             <a:r>
               <a:rPr lang="en-US" altLang="zh-CN" dirty="0" smtClean="0"/>
-              <a:t>Fig. configuration information for </a:t>
-            </a:r>
-            <a:r>
-              <a:rPr lang="en-US" altLang="zh-CN" dirty="0" smtClean="0"/>
-              <a:t>IMC[1]</a:t>
+              <a:t>Fig. configuration information for IMC[1]</a:t>
             </a:r>
             <a:endParaRPr lang="zh-CN" altLang="en-US" dirty="0"/>
           </a:p>
@@ -11586,11 +11917,7 @@
           <a:p>
             <a:r>
               <a:rPr lang="en-US" altLang="zh-CN" dirty="0" smtClean="0"/>
-              <a:t>Fig. information for </a:t>
-            </a:r>
-            <a:r>
-              <a:rPr lang="en-US" altLang="zh-CN" dirty="0" smtClean="0"/>
-              <a:t>RRAM[2]</a:t>
+              <a:t>Fig. information for RRAM[2]</a:t>
             </a:r>
             <a:endParaRPr lang="zh-CN" altLang="en-US" dirty="0"/>
           </a:p>
@@ -11629,13 +11956,7 @@
               <a:rPr lang="en-US" altLang="zh-CN" sz="1200" dirty="0">
                 <a:latin typeface="+mj-lt"/>
               </a:rPr>
-              <a:t>[2]A </a:t>
-            </a:r>
-            <a:r>
-              <a:rPr lang="en-US" altLang="zh-CN" sz="1200" dirty="0">
-                <a:latin typeface="+mj-lt"/>
-              </a:rPr>
-              <a:t>Customized </a:t>
+              <a:t>[2]A Customized </a:t>
             </a:r>
             <a:r>
               <a:rPr lang="en-US" altLang="zh-CN" sz="1200" dirty="0" err="1">
@@ -11801,7 +12122,7 @@
           <a:blip r:embed="rId3">
             <a:extLst>
               <a:ext uri="{96DAC541-7B7A-43D3-8B79-37D633B846F1}">
-                <asvg:svgBlip xmlns="" xmlns:asvg="http://schemas.microsoft.com/office/drawing/2016/SVG/main" r:embed="rId5"/>
+                <asvg:svgBlip xmlns:asvg="http://schemas.microsoft.com/office/drawing/2016/SVG/main" xmlns="" r:embed="rId5"/>
               </a:ext>
             </a:extLst>
           </a:blip>
@@ -11831,7 +12152,7 @@
           <a:blip r:embed="rId3">
             <a:extLst>
               <a:ext uri="{96DAC541-7B7A-43D3-8B79-37D633B846F1}">
-                <asvg:svgBlip xmlns="" xmlns:asvg="http://schemas.microsoft.com/office/drawing/2016/SVG/main" r:embed="rId5"/>
+                <asvg:svgBlip xmlns:asvg="http://schemas.microsoft.com/office/drawing/2016/SVG/main" xmlns="" r:embed="rId5"/>
               </a:ext>
             </a:extLst>
           </a:blip>
@@ -12044,7 +12365,21 @@
                 <a:latin typeface="微软雅黑" panose="020B0503020204020204" pitchFamily="34" charset="-122"/>
                 <a:ea typeface="微软雅黑" panose="020B0503020204020204" pitchFamily="34" charset="-122"/>
               </a:rPr>
-              <a:t>    Inter-chip data</a:t>
+              <a:t>   </a:t>
+            </a:r>
+            <a:r>
+              <a:rPr lang="en-US" altLang="zh-CN" dirty="0" smtClean="0">
+                <a:latin typeface="微软雅黑" panose="020B0503020204020204" pitchFamily="34" charset="-122"/>
+                <a:ea typeface="微软雅黑" panose="020B0503020204020204" pitchFamily="34" charset="-122"/>
+              </a:rPr>
+              <a:t>* Inter-chip </a:t>
+            </a:r>
+            <a:r>
+              <a:rPr lang="en-US" altLang="zh-CN" dirty="0" smtClean="0">
+                <a:latin typeface="微软雅黑" panose="020B0503020204020204" pitchFamily="34" charset="-122"/>
+                <a:ea typeface="微软雅黑" panose="020B0503020204020204" pitchFamily="34" charset="-122"/>
+              </a:rPr>
+              <a:t>data</a:t>
             </a:r>
           </a:p>
           <a:p>
@@ -12092,7 +12427,7 @@
         </p:blipFill>
         <p:spPr>
           <a:xfrm>
-            <a:off x="1273744" y="1698546"/>
+            <a:off x="6024267" y="1260974"/>
             <a:ext cx="5069183" cy="3209120"/>
           </a:xfrm>
           <a:prstGeom prst="rect">
@@ -13852,7 +14187,7 @@
           <a:blip r:embed="rId4">
             <a:extLst>
               <a:ext uri="{96DAC541-7B7A-43D3-8B79-37D633B846F1}">
-                <asvg:svgBlip xmlns="" xmlns:asvg="http://schemas.microsoft.com/office/drawing/2016/SVG/main" r:embed="rId5"/>
+                <asvg:svgBlip xmlns:asvg="http://schemas.microsoft.com/office/drawing/2016/SVG/main" xmlns="" r:embed="rId5"/>
               </a:ext>
             </a:extLst>
           </a:blip>
@@ -13882,7 +14217,7 @@
           <a:blip r:embed="rId4">
             <a:extLst>
               <a:ext uri="{96DAC541-7B7A-43D3-8B79-37D633B846F1}">
-                <asvg:svgBlip xmlns="" xmlns:asvg="http://schemas.microsoft.com/office/drawing/2016/SVG/main" r:embed="rId5"/>
+                <asvg:svgBlip xmlns:asvg="http://schemas.microsoft.com/office/drawing/2016/SVG/main" xmlns="" r:embed="rId5"/>
               </a:ext>
             </a:extLst>
           </a:blip>
@@ -13912,7 +14247,7 @@
           <a:blip r:embed="rId4">
             <a:extLst>
               <a:ext uri="{96DAC541-7B7A-43D3-8B79-37D633B846F1}">
-                <asvg:svgBlip xmlns="" xmlns:asvg="http://schemas.microsoft.com/office/drawing/2016/SVG/main" r:embed="rId5"/>
+                <asvg:svgBlip xmlns:asvg="http://schemas.microsoft.com/office/drawing/2016/SVG/main" xmlns="" r:embed="rId5"/>
               </a:ext>
             </a:extLst>
           </a:blip>
@@ -13975,8 +14310,8 @@
           <a:chExt cx="0" cy="0"/>
         </a:xfrm>
       </p:grpSpPr>
-      <mc:AlternateContent xmlns:mc="http://schemas.openxmlformats.org/markup-compatibility/2006" xmlns:a14="http://schemas.microsoft.com/office/drawing/2010/main">
-        <mc:Choice Requires="a14">
+      <mc:AlternateContent xmlns:mc="http://schemas.openxmlformats.org/markup-compatibility/2006">
+        <mc:Choice xmlns:a14="http://schemas.microsoft.com/office/drawing/2010/main" Requires="a14">
           <p:sp>
             <p:nvSpPr>
               <p:cNvPr id="7" name="内容占位符 2"/>
@@ -14005,7 +14340,7 @@
                     <a:latin typeface="Cambria Math" panose="02040503050406030204" pitchFamily="18" charset="0"/>
                     <a:ea typeface="微软雅黑" panose="020B0503020204020204" pitchFamily="34" charset="-122"/>
                   </a:rPr>
-                  <a:t>定义一个</a:t>
+                  <a:t>为每一层定义一个</a:t>
                 </a:r>
                 <a:r>
                   <a:rPr lang="zh-CN" altLang="en-US" dirty="0">
@@ -14113,6 +14448,44 @@
                       <m:sub>
                         <m:r>
                           <a:rPr lang="en-US" altLang="zh-CN" i="1">
+                            <a:latin typeface="Cambria Math" panose="02040503050406030204" pitchFamily="18" charset="0"/>
+                            <a:ea typeface="微软雅黑" panose="020B0503020204020204" pitchFamily="34" charset="-122"/>
+                          </a:rPr>
+                          <m:t>𝑖</m:t>
+                        </m:r>
+                      </m:sub>
+                    </m:sSub>
+                    <m:r>
+                      <a:rPr lang="en-US" altLang="zh-CN" b="0" i="1" smtClean="0">
+                        <a:latin typeface="Cambria Math" panose="02040503050406030204" pitchFamily="18" charset="0"/>
+                        <a:ea typeface="微软雅黑" panose="020B0503020204020204" pitchFamily="34" charset="-122"/>
+                      </a:rPr>
+                      <m:t>∗</m:t>
+                    </m:r>
+                    <m:sSub>
+                      <m:sSubPr>
+                        <m:ctrlPr>
+                          <a:rPr lang="en-US" altLang="zh-CN" b="0" i="1" smtClean="0">
+                            <a:latin typeface="Cambria Math" panose="02040503050406030204" pitchFamily="18" charset="0"/>
+                            <a:ea typeface="微软雅黑" panose="020B0503020204020204" pitchFamily="34" charset="-122"/>
+                          </a:rPr>
+                        </m:ctrlPr>
+                      </m:sSubPr>
+                      <m:e>
+                        <m:r>
+                          <m:rPr>
+                            <m:sty m:val="p"/>
+                          </m:rPr>
+                          <a:rPr lang="en-US" altLang="zh-CN" i="1">
+                            <a:latin typeface="Cambria Math" panose="02040503050406030204" pitchFamily="18" charset="0"/>
+                            <a:ea typeface="微软雅黑" panose="020B0503020204020204" pitchFamily="34" charset="-122"/>
+                          </a:rPr>
+                          <m:t>p</m:t>
+                        </m:r>
+                      </m:e>
+                      <m:sub>
+                        <m:r>
+                          <a:rPr lang="en-US" altLang="zh-CN" b="0" i="1" smtClean="0">
                             <a:latin typeface="Cambria Math" panose="02040503050406030204" pitchFamily="18" charset="0"/>
                             <a:ea typeface="微软雅黑" panose="020B0503020204020204" pitchFamily="34" charset="-122"/>
                           </a:rPr>
@@ -14789,7 +15162,7 @@
             </p:txBody>
           </p:sp>
         </mc:Choice>
-        <mc:Fallback xmlns="">
+        <mc:Fallback>
           <p:sp>
             <p:nvSpPr>
               <p:cNvPr id="7" name="内容占位符 2"/>
@@ -14885,7 +15258,7 @@
           <a:blip r:embed="rId4">
             <a:extLst>
               <a:ext uri="{96DAC541-7B7A-43D3-8B79-37D633B846F1}">
-                <asvg:svgBlip xmlns="" xmlns:asvg="http://schemas.microsoft.com/office/drawing/2016/SVG/main" r:embed="rId5"/>
+                <asvg:svgBlip xmlns:asvg="http://schemas.microsoft.com/office/drawing/2016/SVG/main" xmlns="" r:embed="rId5"/>
               </a:ext>
             </a:extLst>
           </a:blip>
@@ -14915,7 +15288,7 @@
           <a:blip r:embed="rId4">
             <a:extLst>
               <a:ext uri="{96DAC541-7B7A-43D3-8B79-37D633B846F1}">
-                <asvg:svgBlip xmlns="" xmlns:asvg="http://schemas.microsoft.com/office/drawing/2016/SVG/main" r:embed="rId5"/>
+                <asvg:svgBlip xmlns:asvg="http://schemas.microsoft.com/office/drawing/2016/SVG/main" xmlns="" r:embed="rId5"/>
               </a:ext>
             </a:extLst>
           </a:blip>
@@ -15103,6 +15476,311 @@
 </file>
 
 <file path=ppt/slides/slide17.xml><?xml version="1.0" encoding="utf-8"?>
+<p:sld xmlns:a="http://schemas.openxmlformats.org/drawingml/2006/main" xmlns:r="http://schemas.openxmlformats.org/officeDocument/2006/relationships" xmlns:p="http://schemas.openxmlformats.org/presentationml/2006/main">
+  <p:cSld>
+    <p:spTree>
+      <p:nvGrpSpPr>
+        <p:cNvPr id="1" name=""/>
+        <p:cNvGrpSpPr/>
+        <p:nvPr/>
+      </p:nvGrpSpPr>
+      <p:grpSpPr>
+        <a:xfrm>
+          <a:off x="0" y="0"/>
+          <a:ext cx="0" cy="0"/>
+          <a:chOff x="0" y="0"/>
+          <a:chExt cx="0" cy="0"/>
+        </a:xfrm>
+      </p:grpSpPr>
+      <p:sp>
+        <p:nvSpPr>
+          <p:cNvPr id="7" name="内容占位符 2"/>
+          <p:cNvSpPr>
+            <a:spLocks noGrp="1"/>
+          </p:cNvSpPr>
+          <p:nvPr>
+            <p:ph idx="1"/>
+          </p:nvPr>
+        </p:nvSpPr>
+        <p:spPr>
+          <a:xfrm>
+            <a:off x="577850" y="1260974"/>
+            <a:ext cx="11077856" cy="4698005"/>
+          </a:xfrm>
+        </p:spPr>
+        <p:txBody>
+          <a:bodyPr>
+            <a:normAutofit/>
+          </a:bodyPr>
+          <a:lstStyle/>
+          <a:p>
+            <a:pPr lvl="1"/>
+            <a:r>
+              <a:rPr lang="en-US" altLang="zh-CN" dirty="0" smtClean="0">
+                <a:latin typeface="Cambria Math" panose="02040503050406030204" pitchFamily="18" charset="0"/>
+                <a:ea typeface="微软雅黑" panose="020B0503020204020204" pitchFamily="34" charset="-122"/>
+              </a:rPr>
+              <a:t>Network pruning factor</a:t>
+            </a:r>
+            <a:endParaRPr lang="en-US" altLang="zh-CN" i="1" dirty="0" smtClean="0">
+              <a:latin typeface="Cambria Math" panose="02040503050406030204" pitchFamily="18" charset="0"/>
+              <a:ea typeface="微软雅黑" panose="020B0503020204020204" pitchFamily="34" charset="-122"/>
+            </a:endParaRPr>
+          </a:p>
+        </p:txBody>
+      </p:sp>
+      <p:sp>
+        <p:nvSpPr>
+          <p:cNvPr id="2" name="标题 1"/>
+          <p:cNvSpPr>
+            <a:spLocks noGrp="1"/>
+          </p:cNvSpPr>
+          <p:nvPr>
+            <p:ph type="title"/>
+          </p:nvPr>
+        </p:nvSpPr>
+        <p:spPr/>
+        <p:txBody>
+          <a:bodyPr/>
+          <a:lstStyle/>
+          <a:p>
+            <a:r>
+              <a:rPr lang="en-US" altLang="zh-CN" b="1" dirty="0" smtClean="0"/>
+              <a:t>Constraints-Accuracy</a:t>
+            </a:r>
+            <a:endParaRPr lang="zh-CN" altLang="en-US" b="1" dirty="0"/>
+          </a:p>
+        </p:txBody>
+      </p:sp>
+      <p:sp>
+        <p:nvSpPr>
+          <p:cNvPr id="11" name="灯片编号占位符 10"/>
+          <p:cNvSpPr>
+            <a:spLocks noGrp="1"/>
+          </p:cNvSpPr>
+          <p:nvPr>
+            <p:ph type="sldNum" sz="quarter" idx="12"/>
+          </p:nvPr>
+        </p:nvSpPr>
+        <p:spPr/>
+        <p:txBody>
+          <a:bodyPr/>
+          <a:lstStyle/>
+          <a:p>
+            <a:fld id="{C102C7BA-A18E-41F7-855F-B9281AA705A6}" type="slidenum">
+              <a:rPr lang="zh-CN" altLang="en-US" smtClean="0"/>
+              <a:t>17</a:t>
+            </a:fld>
+            <a:endParaRPr lang="zh-CN" altLang="en-US" dirty="0"/>
+          </a:p>
+        </p:txBody>
+      </p:sp>
+      <p:pic>
+        <p:nvPicPr>
+          <p:cNvPr id="12" name="图片 11" descr="31393938393834313b31393939353234333bcbaed6e9d0ce"/>
+          <p:cNvPicPr>
+            <a:picLocks noChangeAspect="1"/>
+          </p:cNvPicPr>
+          <p:nvPr/>
+        </p:nvPicPr>
+        <p:blipFill>
+          <a:blip r:embed="rId3">
+            <a:extLst>
+              <a:ext uri="{96DAC541-7B7A-43D3-8B79-37D633B846F1}">
+                <asvg:svgBlip xmlns:asvg="http://schemas.microsoft.com/office/drawing/2016/SVG/main" xmlns="" r:embed="rId5"/>
+              </a:ext>
+            </a:extLst>
+          </a:blip>
+          <a:stretch>
+            <a:fillRect/>
+          </a:stretch>
+        </p:blipFill>
+        <p:spPr>
+          <a:xfrm flipH="1">
+            <a:off x="675472" y="1315099"/>
+            <a:ext cx="243205" cy="243205"/>
+          </a:xfrm>
+          <a:prstGeom prst="rect">
+            <a:avLst/>
+          </a:prstGeom>
+        </p:spPr>
+      </p:pic>
+      <p:pic>
+        <p:nvPicPr>
+          <p:cNvPr id="9" name="图片 8" descr="31393938393834313b31393939353234333bcbaed6e9d0ce"/>
+          <p:cNvPicPr>
+            <a:picLocks noChangeAspect="1"/>
+          </p:cNvPicPr>
+          <p:nvPr/>
+        </p:nvPicPr>
+        <p:blipFill>
+          <a:blip r:embed="rId3">
+            <a:extLst>
+              <a:ext uri="{96DAC541-7B7A-43D3-8B79-37D633B846F1}">
+                <asvg:svgBlip xmlns:asvg="http://schemas.microsoft.com/office/drawing/2016/SVG/main" xmlns="" r:embed="rId5"/>
+              </a:ext>
+            </a:extLst>
+          </a:blip>
+          <a:stretch>
+            <a:fillRect/>
+          </a:stretch>
+        </p:blipFill>
+        <p:spPr>
+          <a:xfrm flipH="1">
+            <a:off x="675473" y="3383307"/>
+            <a:ext cx="243205" cy="243205"/>
+          </a:xfrm>
+          <a:prstGeom prst="rect">
+            <a:avLst/>
+          </a:prstGeom>
+        </p:spPr>
+      </p:pic>
+      <p:sp>
+        <p:nvSpPr>
+          <p:cNvPr id="4" name="矩形 3"/>
+          <p:cNvSpPr/>
+          <p:nvPr/>
+        </p:nvSpPr>
+        <p:spPr>
+          <a:xfrm>
+            <a:off x="797074" y="5499665"/>
+            <a:ext cx="10013146" cy="646331"/>
+          </a:xfrm>
+          <a:prstGeom prst="rect">
+            <a:avLst/>
+          </a:prstGeom>
+        </p:spPr>
+        <p:txBody>
+          <a:bodyPr wrap="square">
+            <a:spAutoFit/>
+          </a:bodyPr>
+          <a:lstStyle/>
+          <a:p>
+            <a:r>
+              <a:rPr lang="en-US" altLang="zh-CN" sz="1200" dirty="0" smtClean="0"/>
+              <a:t>[</a:t>
+            </a:r>
+            <a:r>
+              <a:rPr lang="en-US" altLang="zh-CN" sz="1200" dirty="0"/>
+              <a:t>1</a:t>
+            </a:r>
+            <a:r>
+              <a:rPr lang="en-US" altLang="zh-CN" sz="1200" dirty="0" smtClean="0"/>
+              <a:t>] </a:t>
+            </a:r>
+            <a:r>
+              <a:rPr lang="en-US" altLang="zh-CN" sz="1200" dirty="0" err="1" smtClean="0"/>
+              <a:t>Jiantao</a:t>
+            </a:r>
+            <a:r>
+              <a:rPr lang="en-US" altLang="zh-CN" sz="1200" dirty="0" smtClean="0"/>
+              <a:t> </a:t>
+            </a:r>
+            <a:r>
+              <a:rPr lang="en-US" altLang="zh-CN" sz="1200" dirty="0" err="1"/>
+              <a:t>Qiu</a:t>
+            </a:r>
+            <a:r>
+              <a:rPr lang="en-US" altLang="zh-CN" sz="1200" dirty="0"/>
+              <a:t>, </a:t>
+            </a:r>
+            <a:r>
+              <a:rPr lang="en-US" altLang="zh-CN" sz="1200" dirty="0" err="1"/>
+              <a:t>Jie</a:t>
+            </a:r>
+            <a:r>
+              <a:rPr lang="en-US" altLang="zh-CN" sz="1200" dirty="0"/>
+              <a:t> Wang, Song Yao, </a:t>
+            </a:r>
+            <a:r>
+              <a:rPr lang="en-US" altLang="zh-CN" sz="1200" dirty="0" err="1"/>
+              <a:t>Kaiyuan</a:t>
+            </a:r>
+            <a:r>
+              <a:rPr lang="en-US" altLang="zh-CN" sz="1200" dirty="0"/>
+              <a:t> </a:t>
+            </a:r>
+            <a:r>
+              <a:rPr lang="en-US" altLang="zh-CN" sz="1200" dirty="0" err="1"/>
+              <a:t>Guo</a:t>
+            </a:r>
+            <a:r>
+              <a:rPr lang="en-US" altLang="zh-CN" sz="1200" dirty="0"/>
+              <a:t>, </a:t>
+            </a:r>
+            <a:r>
+              <a:rPr lang="en-US" altLang="zh-CN" sz="1200" dirty="0" err="1"/>
+              <a:t>Boxun</a:t>
+            </a:r>
+            <a:r>
+              <a:rPr lang="en-US" altLang="zh-CN" sz="1200" dirty="0"/>
+              <a:t> Li, </a:t>
+            </a:r>
+            <a:r>
+              <a:rPr lang="en-US" altLang="zh-CN" sz="1200" dirty="0" err="1"/>
+              <a:t>Erjin</a:t>
+            </a:r>
+            <a:r>
+              <a:rPr lang="en-US" altLang="zh-CN" sz="1200" dirty="0"/>
+              <a:t> Zhou, Jincheng Yu, </a:t>
+            </a:r>
+            <a:r>
+              <a:rPr lang="en-US" altLang="zh-CN" sz="1200" dirty="0" err="1"/>
+              <a:t>Tianqi</a:t>
+            </a:r>
+            <a:r>
+              <a:rPr lang="en-US" altLang="zh-CN" sz="1200" dirty="0"/>
+              <a:t> Tang, </a:t>
+            </a:r>
+            <a:r>
+              <a:rPr lang="en-US" altLang="zh-CN" sz="1200" dirty="0" err="1"/>
+              <a:t>Ningyi</a:t>
+            </a:r>
+            <a:r>
+              <a:rPr lang="en-US" altLang="zh-CN" sz="1200" dirty="0"/>
+              <a:t> Xu, Sen Song, Yu Wang, and </a:t>
+            </a:r>
+            <a:r>
+              <a:rPr lang="en-US" altLang="zh-CN" sz="1200" dirty="0" err="1"/>
+              <a:t>Huazhong</a:t>
+            </a:r>
+            <a:r>
+              <a:rPr lang="en-US" altLang="zh-CN" sz="1200" dirty="0"/>
+              <a:t> Yang. 2016. Going Deeper with Embedded FPGA Platform for Convolutional Neural Network. Association for Computing Machinery, New York, NY, USA, 26–35. </a:t>
+            </a:r>
+            <a:endParaRPr lang="zh-CN" altLang="en-US" sz="1200" dirty="0"/>
+          </a:p>
+        </p:txBody>
+      </p:sp>
+    </p:spTree>
+    <p:extLst>
+      <p:ext uri="{BB962C8B-B14F-4D97-AF65-F5344CB8AC3E}">
+        <p14:creationId xmlns:p14="http://schemas.microsoft.com/office/powerpoint/2010/main" val="435698196"/>
+      </p:ext>
+    </p:extLst>
+  </p:cSld>
+  <p:clrMapOvr>
+    <a:masterClrMapping/>
+  </p:clrMapOvr>
+  <mc:AlternateContent xmlns:mc="http://schemas.openxmlformats.org/markup-compatibility/2006" xmlns:p14="http://schemas.microsoft.com/office/powerpoint/2010/main">
+    <mc:Choice Requires="p14">
+      <p:transition spd="slow" p14:dur="2000" advTm="3640"/>
+    </mc:Choice>
+    <mc:Fallback xmlns="">
+      <p:transition spd="slow" advTm="3640"/>
+    </mc:Fallback>
+  </mc:AlternateContent>
+  <p:timing>
+    <p:tnLst>
+      <p:par>
+        <p:cTn id="1" dur="indefinite" restart="never" nodeType="tmRoot"/>
+      </p:par>
+    </p:tnLst>
+  </p:timing>
+</p:sld>
+</file>
+
+<file path=ppt/slides/slide18.xml><?xml version="1.0" encoding="utf-8"?>
 <p:sld xmlns:a="http://schemas.openxmlformats.org/drawingml/2006/main" xmlns:r="http://schemas.openxmlformats.org/officeDocument/2006/relationships" xmlns:p="http://schemas.openxmlformats.org/presentationml/2006/main">
   <p:cSld>
     <p:spTree>
@@ -17282,7 +17960,7 @@
           <a:p>
             <a:fld id="{C102C7BA-A18E-41F7-855F-B9281AA705A6}" type="slidenum">
               <a:rPr lang="zh-CN" altLang="en-US" smtClean="0"/>
-              <a:t>17</a:t>
+              <a:t>18</a:t>
             </a:fld>
             <a:endParaRPr lang="zh-CN" altLang="en-US" dirty="0"/>
           </a:p>
@@ -17300,7 +17978,7 @@
           <a:blip r:embed="rId4">
             <a:extLst>
               <a:ext uri="{96DAC541-7B7A-43D3-8B79-37D633B846F1}">
-                <asvg:svgBlip xmlns="" xmlns:asvg="http://schemas.microsoft.com/office/drawing/2016/SVG/main" r:embed="rId5"/>
+                <asvg:svgBlip xmlns:asvg="http://schemas.microsoft.com/office/drawing/2016/SVG/main" xmlns="" r:embed="rId5"/>
               </a:ext>
             </a:extLst>
           </a:blip>
@@ -17452,7 +18130,7 @@
 </p:sld>
 </file>
 
-<file path=ppt/slides/slide18.xml><?xml version="1.0" encoding="utf-8"?>
+<file path=ppt/slides/slide19.xml><?xml version="1.0" encoding="utf-8"?>
 <p:sld xmlns:a="http://schemas.openxmlformats.org/drawingml/2006/main" xmlns:r="http://schemas.openxmlformats.org/officeDocument/2006/relationships" xmlns:p="http://schemas.openxmlformats.org/presentationml/2006/main">
   <p:cSld>
     <p:spTree>
@@ -19339,7 +20017,7 @@
           <a:p>
             <a:fld id="{C102C7BA-A18E-41F7-855F-B9281AA705A6}" type="slidenum">
               <a:rPr lang="zh-CN" altLang="en-US" smtClean="0"/>
-              <a:t>18</a:t>
+              <a:t>19</a:t>
             </a:fld>
             <a:endParaRPr lang="zh-CN" altLang="en-US" dirty="0"/>
           </a:p>
@@ -19357,7 +20035,7 @@
           <a:blip r:embed="rId4">
             <a:extLst>
               <a:ext uri="{96DAC541-7B7A-43D3-8B79-37D633B846F1}">
-                <asvg:svgBlip xmlns="" xmlns:asvg="http://schemas.microsoft.com/office/drawing/2016/SVG/main" r:embed="rId5"/>
+                <asvg:svgBlip xmlns:asvg="http://schemas.microsoft.com/office/drawing/2016/SVG/main" xmlns="" r:embed="rId5"/>
               </a:ext>
             </a:extLst>
           </a:blip>
@@ -19387,7 +20065,7 @@
           <a:blip r:embed="rId4">
             <a:extLst>
               <a:ext uri="{96DAC541-7B7A-43D3-8B79-37D633B846F1}">
-                <asvg:svgBlip xmlns="" xmlns:asvg="http://schemas.microsoft.com/office/drawing/2016/SVG/main" r:embed="rId5"/>
+                <asvg:svgBlip xmlns:asvg="http://schemas.microsoft.com/office/drawing/2016/SVG/main" xmlns="" r:embed="rId5"/>
               </a:ext>
             </a:extLst>
           </a:blip>
@@ -19423,83 +20101,6 @@
       <p:transition spd="slow" advTm="3640"/>
     </mc:Fallback>
   </mc:AlternateContent>
-  <p:timing>
-    <p:tnLst>
-      <p:par>
-        <p:cTn id="1" dur="indefinite" restart="never" nodeType="tmRoot"/>
-      </p:par>
-    </p:tnLst>
-  </p:timing>
-</p:sld>
-</file>
-
-<file path=ppt/slides/slide19.xml><?xml version="1.0" encoding="utf-8"?>
-<p:sld xmlns:a="http://schemas.openxmlformats.org/drawingml/2006/main" xmlns:r="http://schemas.openxmlformats.org/officeDocument/2006/relationships" xmlns:p="http://schemas.openxmlformats.org/presentationml/2006/main">
-  <p:cSld>
-    <p:spTree>
-      <p:nvGrpSpPr>
-        <p:cNvPr id="1" name=""/>
-        <p:cNvGrpSpPr/>
-        <p:nvPr/>
-      </p:nvGrpSpPr>
-      <p:grpSpPr>
-        <a:xfrm>
-          <a:off x="0" y="0"/>
-          <a:ext cx="0" cy="0"/>
-          <a:chOff x="0" y="0"/>
-          <a:chExt cx="0" cy="0"/>
-        </a:xfrm>
-      </p:grpSpPr>
-      <p:sp>
-        <p:nvSpPr>
-          <p:cNvPr id="2" name="矩形 1"/>
-          <p:cNvSpPr/>
-          <p:nvPr/>
-        </p:nvSpPr>
-        <p:spPr>
-          <a:xfrm>
-            <a:off x="684297" y="5550893"/>
-            <a:ext cx="6096000" cy="923330"/>
-          </a:xfrm>
-          <a:prstGeom prst="rect">
-            <a:avLst/>
-          </a:prstGeom>
-        </p:spPr>
-        <p:txBody>
-          <a:bodyPr>
-            <a:spAutoFit/>
-          </a:bodyPr>
-          <a:lstStyle/>
-          <a:p>
-            <a:r>
-              <a:rPr lang="zh-CN" altLang="en-US" dirty="0"/>
-              <a:t>PS：问题</a:t>
-            </a:r>
-          </a:p>
-          <a:p>
-            <a:r>
-              <a:rPr lang="zh-CN" altLang="en-US" dirty="0"/>
-              <a:t>1. 关于任务图的生成方式</a:t>
-            </a:r>
-          </a:p>
-          <a:p>
-            <a:r>
-              <a:rPr lang="zh-CN" altLang="en-US" dirty="0"/>
-              <a:t>2. 关于搜索算法：遗传算法，RL，其他启发式搜索算法</a:t>
-            </a:r>
-          </a:p>
-        </p:txBody>
-      </p:sp>
-    </p:spTree>
-    <p:extLst>
-      <p:ext uri="{BB962C8B-B14F-4D97-AF65-F5344CB8AC3E}">
-        <p14:creationId xmlns:p14="http://schemas.microsoft.com/office/powerpoint/2010/main" val="1216827540"/>
-      </p:ext>
-    </p:extLst>
-  </p:cSld>
-  <p:clrMapOvr>
-    <a:masterClrMapping/>
-  </p:clrMapOvr>
   <p:timing>
     <p:tnLst>
       <p:par>
@@ -24244,6 +24845,83 @@
       </p:grpSpPr>
       <p:sp>
         <p:nvSpPr>
+          <p:cNvPr id="2" name="矩形 1"/>
+          <p:cNvSpPr/>
+          <p:nvPr/>
+        </p:nvSpPr>
+        <p:spPr>
+          <a:xfrm>
+            <a:off x="684297" y="5550893"/>
+            <a:ext cx="6096000" cy="923330"/>
+          </a:xfrm>
+          <a:prstGeom prst="rect">
+            <a:avLst/>
+          </a:prstGeom>
+        </p:spPr>
+        <p:txBody>
+          <a:bodyPr>
+            <a:spAutoFit/>
+          </a:bodyPr>
+          <a:lstStyle/>
+          <a:p>
+            <a:r>
+              <a:rPr lang="zh-CN" altLang="en-US" dirty="0"/>
+              <a:t>PS：问题</a:t>
+            </a:r>
+          </a:p>
+          <a:p>
+            <a:r>
+              <a:rPr lang="zh-CN" altLang="en-US" dirty="0"/>
+              <a:t>1. 关于任务图的生成方式</a:t>
+            </a:r>
+          </a:p>
+          <a:p>
+            <a:r>
+              <a:rPr lang="zh-CN" altLang="en-US" dirty="0"/>
+              <a:t>2. 关于搜索算法：遗传算法，RL，其他启发式搜索算法</a:t>
+            </a:r>
+          </a:p>
+        </p:txBody>
+      </p:sp>
+    </p:spTree>
+    <p:extLst>
+      <p:ext uri="{BB962C8B-B14F-4D97-AF65-F5344CB8AC3E}">
+        <p14:creationId xmlns:p14="http://schemas.microsoft.com/office/powerpoint/2010/main" val="1216827540"/>
+      </p:ext>
+    </p:extLst>
+  </p:cSld>
+  <p:clrMapOvr>
+    <a:masterClrMapping/>
+  </p:clrMapOvr>
+  <p:timing>
+    <p:tnLst>
+      <p:par>
+        <p:cTn id="1" dur="indefinite" restart="never" nodeType="tmRoot"/>
+      </p:par>
+    </p:tnLst>
+  </p:timing>
+</p:sld>
+</file>
+
+<file path=ppt/slides/slide21.xml><?xml version="1.0" encoding="utf-8"?>
+<p:sld xmlns:a="http://schemas.openxmlformats.org/drawingml/2006/main" xmlns:r="http://schemas.openxmlformats.org/officeDocument/2006/relationships" xmlns:p="http://schemas.openxmlformats.org/presentationml/2006/main">
+  <p:cSld>
+    <p:spTree>
+      <p:nvGrpSpPr>
+        <p:cNvPr id="1" name=""/>
+        <p:cNvGrpSpPr/>
+        <p:nvPr/>
+      </p:nvGrpSpPr>
+      <p:grpSpPr>
+        <a:xfrm>
+          <a:off x="0" y="0"/>
+          <a:ext cx="0" cy="0"/>
+          <a:chOff x="0" y="0"/>
+          <a:chExt cx="0" cy="0"/>
+        </a:xfrm>
+      </p:grpSpPr>
+      <p:sp>
+        <p:nvSpPr>
           <p:cNvPr id="8" name="矩形 7"/>
           <p:cNvSpPr/>
           <p:nvPr/>
@@ -25560,7 +26238,7 @@
           <a:blip r:embed="rId2">
             <a:extLst>
               <a:ext uri="{96DAC541-7B7A-43D3-8B79-37D633B846F1}">
-                <asvg:svgBlip xmlns="" xmlns:asvg="http://schemas.microsoft.com/office/drawing/2016/SVG/main" r:embed="rId3"/>
+                <asvg:svgBlip xmlns:asvg="http://schemas.microsoft.com/office/drawing/2016/SVG/main" xmlns="" r:embed="rId3"/>
               </a:ext>
             </a:extLst>
           </a:blip>
@@ -25590,7 +26268,7 @@
           <a:blip r:embed="rId2">
             <a:extLst>
               <a:ext uri="{96DAC541-7B7A-43D3-8B79-37D633B846F1}">
-                <asvg:svgBlip xmlns="" xmlns:asvg="http://schemas.microsoft.com/office/drawing/2016/SVG/main" r:embed="rId3"/>
+                <asvg:svgBlip xmlns:asvg="http://schemas.microsoft.com/office/drawing/2016/SVG/main" xmlns="" r:embed="rId3"/>
               </a:ext>
             </a:extLst>
           </a:blip>
@@ -25620,7 +26298,7 @@
           <a:blip r:embed="rId2">
             <a:extLst>
               <a:ext uri="{96DAC541-7B7A-43D3-8B79-37D633B846F1}">
-                <asvg:svgBlip xmlns="" xmlns:asvg="http://schemas.microsoft.com/office/drawing/2016/SVG/main" r:embed="rId3"/>
+                <asvg:svgBlip xmlns:asvg="http://schemas.microsoft.com/office/drawing/2016/SVG/main" xmlns="" r:embed="rId3"/>
               </a:ext>
             </a:extLst>
           </a:blip>
@@ -25822,7 +26500,7 @@
           <a:blip r:embed="rId2">
             <a:extLst>
               <a:ext uri="{96DAC541-7B7A-43D3-8B79-37D633B846F1}">
-                <asvg:svgBlip xmlns="" xmlns:asvg="http://schemas.microsoft.com/office/drawing/2016/SVG/main" r:embed="rId3"/>
+                <asvg:svgBlip xmlns:asvg="http://schemas.microsoft.com/office/drawing/2016/SVG/main" xmlns="" r:embed="rId3"/>
               </a:ext>
             </a:extLst>
           </a:blip>
@@ -25852,7 +26530,7 @@
           <a:blip r:embed="rId2">
             <a:extLst>
               <a:ext uri="{96DAC541-7B7A-43D3-8B79-37D633B846F1}">
-                <asvg:svgBlip xmlns="" xmlns:asvg="http://schemas.microsoft.com/office/drawing/2016/SVG/main" r:embed="rId3"/>
+                <asvg:svgBlip xmlns:asvg="http://schemas.microsoft.com/office/drawing/2016/SVG/main" xmlns="" r:embed="rId3"/>
               </a:ext>
             </a:extLst>
           </a:blip>
@@ -27301,7 +27979,7 @@
           <a:blip r:embed="rId3">
             <a:extLst>
               <a:ext uri="{96DAC541-7B7A-43D3-8B79-37D633B846F1}">
-                <asvg:svgBlip xmlns="" xmlns:asvg="http://schemas.microsoft.com/office/drawing/2016/SVG/main" r:embed="rId4"/>
+                <asvg:svgBlip xmlns:asvg="http://schemas.microsoft.com/office/drawing/2016/SVG/main" xmlns="" r:embed="rId4"/>
               </a:ext>
             </a:extLst>
           </a:blip>
@@ -27331,7 +28009,7 @@
           <a:blip r:embed="rId3">
             <a:extLst>
               <a:ext uri="{96DAC541-7B7A-43D3-8B79-37D633B846F1}">
-                <asvg:svgBlip xmlns="" xmlns:asvg="http://schemas.microsoft.com/office/drawing/2016/SVG/main" r:embed="rId4"/>
+                <asvg:svgBlip xmlns:asvg="http://schemas.microsoft.com/office/drawing/2016/SVG/main" xmlns="" r:embed="rId4"/>
               </a:ext>
             </a:extLst>
           </a:blip>
@@ -27361,7 +28039,7 @@
           <a:blip r:embed="rId3">
             <a:extLst>
               <a:ext uri="{96DAC541-7B7A-43D3-8B79-37D633B846F1}">
-                <asvg:svgBlip xmlns="" xmlns:asvg="http://schemas.microsoft.com/office/drawing/2016/SVG/main" r:embed="rId4"/>
+                <asvg:svgBlip xmlns:asvg="http://schemas.microsoft.com/office/drawing/2016/SVG/main" xmlns="" r:embed="rId4"/>
               </a:ext>
             </a:extLst>
           </a:blip>
@@ -27391,7 +28069,7 @@
           <a:blip r:embed="rId3">
             <a:extLst>
               <a:ext uri="{96DAC541-7B7A-43D3-8B79-37D633B846F1}">
-                <asvg:svgBlip xmlns="" xmlns:asvg="http://schemas.microsoft.com/office/drawing/2016/SVG/main" r:embed="rId4"/>
+                <asvg:svgBlip xmlns:asvg="http://schemas.microsoft.com/office/drawing/2016/SVG/main" xmlns="" r:embed="rId4"/>
               </a:ext>
             </a:extLst>
           </a:blip>
@@ -28356,7 +29034,7 @@
           <a:blip r:embed="rId14">
             <a:extLst>
               <a:ext uri="{96DAC541-7B7A-43D3-8B79-37D633B846F1}">
-                <asvg:svgBlip xmlns="" xmlns:asvg="http://schemas.microsoft.com/office/drawing/2016/SVG/main" r:embed="rId15"/>
+                <asvg:svgBlip xmlns:asvg="http://schemas.microsoft.com/office/drawing/2016/SVG/main" xmlns="" r:embed="rId15"/>
               </a:ext>
             </a:extLst>
           </a:blip>
@@ -28386,7 +29064,7 @@
           <a:blip r:embed="rId14">
             <a:extLst>
               <a:ext uri="{96DAC541-7B7A-43D3-8B79-37D633B846F1}">
-                <asvg:svgBlip xmlns="" xmlns:asvg="http://schemas.microsoft.com/office/drawing/2016/SVG/main" r:embed="rId15"/>
+                <asvg:svgBlip xmlns:asvg="http://schemas.microsoft.com/office/drawing/2016/SVG/main" xmlns="" r:embed="rId15"/>
               </a:ext>
             </a:extLst>
           </a:blip>
@@ -28416,7 +29094,7 @@
           <a:blip r:embed="rId14">
             <a:extLst>
               <a:ext uri="{96DAC541-7B7A-43D3-8B79-37D633B846F1}">
-                <asvg:svgBlip xmlns="" xmlns:asvg="http://schemas.microsoft.com/office/drawing/2016/SVG/main" r:embed="rId15"/>
+                <asvg:svgBlip xmlns:asvg="http://schemas.microsoft.com/office/drawing/2016/SVG/main" xmlns="" r:embed="rId15"/>
               </a:ext>
             </a:extLst>
           </a:blip>
@@ -28446,7 +29124,7 @@
           <a:blip r:embed="rId14">
             <a:extLst>
               <a:ext uri="{96DAC541-7B7A-43D3-8B79-37D633B846F1}">
-                <asvg:svgBlip xmlns="" xmlns:asvg="http://schemas.microsoft.com/office/drawing/2016/SVG/main" r:embed="rId15"/>
+                <asvg:svgBlip xmlns:asvg="http://schemas.microsoft.com/office/drawing/2016/SVG/main" xmlns="" r:embed="rId15"/>
               </a:ext>
             </a:extLst>
           </a:blip>
@@ -28476,7 +29154,7 @@
           <a:blip r:embed="rId14">
             <a:extLst>
               <a:ext uri="{96DAC541-7B7A-43D3-8B79-37D633B846F1}">
-                <asvg:svgBlip xmlns="" xmlns:asvg="http://schemas.microsoft.com/office/drawing/2016/SVG/main" r:embed="rId15"/>
+                <asvg:svgBlip xmlns:asvg="http://schemas.microsoft.com/office/drawing/2016/SVG/main" xmlns="" r:embed="rId15"/>
               </a:ext>
             </a:extLst>
           </a:blip>
@@ -29731,21 +30409,21 @@
                 <a:gridCol w="2457688">
                   <a:extLst>
                     <a:ext uri="{9D8B030D-6E8A-4147-A177-3AD203B41FA5}">
-                      <a16:colId xmlns:a16="http://schemas.microsoft.com/office/drawing/2014/main" xmlns="" val="20000"/>
+                      <a16:colId xmlns="" xmlns:a16="http://schemas.microsoft.com/office/drawing/2014/main" val="20000"/>
                     </a:ext>
                   </a:extLst>
                 </a:gridCol>
                 <a:gridCol w="1812758">
                   <a:extLst>
                     <a:ext uri="{9D8B030D-6E8A-4147-A177-3AD203B41FA5}">
-                      <a16:colId xmlns:a16="http://schemas.microsoft.com/office/drawing/2014/main" xmlns="" val="20001"/>
+                      <a16:colId xmlns="" xmlns:a16="http://schemas.microsoft.com/office/drawing/2014/main" val="20001"/>
                     </a:ext>
                   </a:extLst>
                 </a:gridCol>
                 <a:gridCol w="3108158">
                   <a:extLst>
                     <a:ext uri="{9D8B030D-6E8A-4147-A177-3AD203B41FA5}">
-                      <a16:colId xmlns:a16="http://schemas.microsoft.com/office/drawing/2014/main" xmlns="" val="20002"/>
+                      <a16:colId xmlns="" xmlns:a16="http://schemas.microsoft.com/office/drawing/2014/main" val="20002"/>
                     </a:ext>
                   </a:extLst>
                 </a:gridCol>
@@ -29850,7 +30528,7 @@
                 </a:tc>
                 <a:extLst>
                   <a:ext uri="{0D108BD9-81ED-4DB2-BD59-A6C34878D82A}">
-                    <a16:rowId xmlns:a16="http://schemas.microsoft.com/office/drawing/2014/main" xmlns="" val="10000"/>
+                    <a16:rowId xmlns="" xmlns:a16="http://schemas.microsoft.com/office/drawing/2014/main" val="10000"/>
                   </a:ext>
                 </a:extLst>
               </a:tr>
@@ -29948,7 +30626,7 @@
                 </a:tc>
                 <a:extLst>
                   <a:ext uri="{0D108BD9-81ED-4DB2-BD59-A6C34878D82A}">
-                    <a16:rowId xmlns:a16="http://schemas.microsoft.com/office/drawing/2014/main" xmlns="" val="10001"/>
+                    <a16:rowId xmlns="" xmlns:a16="http://schemas.microsoft.com/office/drawing/2014/main" val="10001"/>
                   </a:ext>
                 </a:extLst>
               </a:tr>
@@ -30039,7 +30717,7 @@
                 </a:tc>
                 <a:extLst>
                   <a:ext uri="{0D108BD9-81ED-4DB2-BD59-A6C34878D82A}">
-                    <a16:rowId xmlns:a16="http://schemas.microsoft.com/office/drawing/2014/main" xmlns="" val="10002"/>
+                    <a16:rowId xmlns="" xmlns:a16="http://schemas.microsoft.com/office/drawing/2014/main" val="10002"/>
                   </a:ext>
                 </a:extLst>
               </a:tr>
@@ -30144,7 +30822,7 @@
                 </a:tc>
                 <a:extLst>
                   <a:ext uri="{0D108BD9-81ED-4DB2-BD59-A6C34878D82A}">
-                    <a16:rowId xmlns:a16="http://schemas.microsoft.com/office/drawing/2014/main" xmlns="" val="10003"/>
+                    <a16:rowId xmlns="" xmlns:a16="http://schemas.microsoft.com/office/drawing/2014/main" val="10003"/>
                   </a:ext>
                 </a:extLst>
               </a:tr>
@@ -30235,7 +30913,7 @@
                 </a:tc>
                 <a:extLst>
                   <a:ext uri="{0D108BD9-81ED-4DB2-BD59-A6C34878D82A}">
-                    <a16:rowId xmlns:a16="http://schemas.microsoft.com/office/drawing/2014/main" xmlns="" val="10004"/>
+                    <a16:rowId xmlns="" xmlns:a16="http://schemas.microsoft.com/office/drawing/2014/main" val="10004"/>
                   </a:ext>
                 </a:extLst>
               </a:tr>
@@ -30332,7 +31010,7 @@
           <a:blip r:embed="rId6">
             <a:extLst>
               <a:ext uri="{96DAC541-7B7A-43D3-8B79-37D633B846F1}">
-                <asvg:svgBlip xmlns="" xmlns:asvg="http://schemas.microsoft.com/office/drawing/2016/SVG/main" r:embed="rId7"/>
+                <asvg:svgBlip xmlns:asvg="http://schemas.microsoft.com/office/drawing/2016/SVG/main" xmlns="" r:embed="rId7"/>
               </a:ext>
             </a:extLst>
           </a:blip>

--- a/组会3.18GNN.pptx
+++ b/组会3.18GNN.pptx
@@ -228,7 +228,7 @@
           <a:p>
             <a:fld id="{5F273A26-202E-431B-AD76-A5F023416F0D}" type="datetimeFigureOut">
               <a:rPr lang="zh-CN" altLang="en-US" smtClean="0"/>
-              <a:t>2022/3/16</a:t>
+              <a:t>2022/3/17</a:t>
             </a:fld>
             <a:endParaRPr lang="zh-CN" altLang="en-US"/>
           </a:p>
@@ -1437,7 +1437,7 @@
           <a:p>
             <a:fld id="{D2DA14B7-EFA4-4552-9A35-108FC461037B}" type="datetime1">
               <a:rPr lang="zh-CN" altLang="en-US" smtClean="0"/>
-              <a:t>2022/3/16</a:t>
+              <a:t>2022/3/17</a:t>
             </a:fld>
             <a:endParaRPr lang="zh-CN" altLang="en-US"/>
           </a:p>
@@ -1609,7 +1609,7 @@
           <a:p>
             <a:fld id="{7B2AF473-7D85-46E5-818E-5B009CB9D0E2}" type="datetime1">
               <a:rPr lang="zh-CN" altLang="en-US" smtClean="0"/>
-              <a:t>2022/3/16</a:t>
+              <a:t>2022/3/17</a:t>
             </a:fld>
             <a:endParaRPr lang="zh-CN" altLang="en-US"/>
           </a:p>
@@ -1784,7 +1784,7 @@
           <a:p>
             <a:fld id="{3C4D3159-4E25-4F06-B17A-E551EA2A014F}" type="datetime1">
               <a:rPr lang="zh-CN" altLang="en-US" smtClean="0"/>
-              <a:t>2022/3/16</a:t>
+              <a:t>2022/3/17</a:t>
             </a:fld>
             <a:endParaRPr lang="zh-CN" altLang="en-US"/>
           </a:p>
@@ -2002,7 +2002,7 @@
           <a:p>
             <a:fld id="{25ED9F82-50BF-416A-84C5-BEBB50BB99AF}" type="datetime1">
               <a:rPr lang="zh-CN" altLang="en-US" smtClean="0"/>
-              <a:t>2022/3/16</a:t>
+              <a:t>2022/3/17</a:t>
             </a:fld>
             <a:endParaRPr lang="zh-CN" altLang="en-US"/>
           </a:p>
@@ -2385,7 +2385,7 @@
           <a:p>
             <a:fld id="{FE43C476-6102-4371-9CDB-C438C8C363FD}" type="datetime1">
               <a:rPr lang="zh-CN" altLang="en-US" smtClean="0"/>
-              <a:t>2022/3/16</a:t>
+              <a:t>2022/3/17</a:t>
             </a:fld>
             <a:endParaRPr lang="zh-CN" altLang="en-US"/>
           </a:p>
@@ -2619,7 +2619,7 @@
           <a:p>
             <a:fld id="{4F38462B-42B2-454F-A088-DB5E8117633F}" type="datetime1">
               <a:rPr lang="zh-CN" altLang="en-US" smtClean="0"/>
-              <a:t>2022/3/16</a:t>
+              <a:t>2022/3/17</a:t>
             </a:fld>
             <a:endParaRPr lang="zh-CN" altLang="en-US"/>
           </a:p>
@@ -2988,7 +2988,7 @@
           <a:p>
             <a:fld id="{189FC360-3D03-4AEF-8660-10EB205FCE15}" type="datetime1">
               <a:rPr lang="zh-CN" altLang="en-US" smtClean="0"/>
-              <a:t>2022/3/16</a:t>
+              <a:t>2022/3/17</a:t>
             </a:fld>
             <a:endParaRPr lang="zh-CN" altLang="en-US"/>
           </a:p>
@@ -3101,7 +3101,7 @@
           <a:p>
             <a:fld id="{858C2E6C-0097-4171-A137-E6260F915C38}" type="datetime1">
               <a:rPr lang="zh-CN" altLang="en-US" smtClean="0"/>
-              <a:t>2022/3/16</a:t>
+              <a:t>2022/3/17</a:t>
             </a:fld>
             <a:endParaRPr lang="zh-CN" altLang="en-US"/>
           </a:p>
@@ -3191,7 +3191,7 @@
           <a:p>
             <a:fld id="{7AFE4A2B-517A-41F3-86E1-CC0FE98B087F}" type="datetime1">
               <a:rPr lang="zh-CN" altLang="en-US" smtClean="0"/>
-              <a:t>2022/3/16</a:t>
+              <a:t>2022/3/17</a:t>
             </a:fld>
             <a:endParaRPr lang="zh-CN" altLang="en-US"/>
           </a:p>
@@ -3463,7 +3463,7 @@
           <a:p>
             <a:fld id="{6BC4A481-D110-4405-8D29-7F4C8B8C5605}" type="datetime1">
               <a:rPr lang="zh-CN" altLang="en-US" smtClean="0"/>
-              <a:t>2022/3/16</a:t>
+              <a:t>2022/3/17</a:t>
             </a:fld>
             <a:endParaRPr lang="zh-CN" altLang="en-US"/>
           </a:p>
@@ -3711,7 +3711,7 @@
           <a:p>
             <a:fld id="{DE264D7F-A3B6-4CE8-9A1A-A86D617CC5CF}" type="datetime1">
               <a:rPr lang="zh-CN" altLang="en-US" smtClean="0"/>
-              <a:t>2022/3/16</a:t>
+              <a:t>2022/3/17</a:t>
             </a:fld>
             <a:endParaRPr lang="zh-CN" altLang="en-US"/>
           </a:p>
@@ -3919,7 +3919,7 @@
           <a:p>
             <a:fld id="{C399469A-CC65-4820-8272-D84B923EF7A4}" type="datetime1">
               <a:rPr lang="zh-CN" altLang="en-US" smtClean="0"/>
-              <a:t>2022/3/16</a:t>
+              <a:t>2022/3/17</a:t>
             </a:fld>
             <a:endParaRPr lang="zh-CN" altLang="en-US"/>
           </a:p>
@@ -9360,7 +9360,7 @@
             </p:spPr>
             <p:txBody>
               <a:bodyPr>
-                <a:normAutofit fontScale="92500" lnSpcReduction="20000"/>
+                <a:normAutofit fontScale="85000" lnSpcReduction="20000"/>
               </a:bodyPr>
               <a:lstStyle/>
               <a:p>
@@ -10008,7 +10008,7 @@
                             <a:latin typeface="Cambria Math" panose="02040503050406030204" pitchFamily="18" charset="0"/>
                             <a:ea typeface="微软雅黑" panose="020B0503020204020204" pitchFamily="34" charset="-122"/>
                           </a:rPr>
-                          <m:t>𝑖</m:t>
+                          <m:t>𝑙</m:t>
                         </m:r>
                         <m:r>
                           <a:rPr lang="en-US" altLang="zh-CN" b="0" i="1" smtClean="0">
@@ -10059,7 +10059,7 @@
                             <a:latin typeface="Cambria Math" panose="02040503050406030204" pitchFamily="18" charset="0"/>
                             <a:ea typeface="微软雅黑" panose="020B0503020204020204" pitchFamily="34" charset="-122"/>
                           </a:rPr>
-                          <m:t>𝑖</m:t>
+                          <m:t>𝑙</m:t>
                         </m:r>
                       </m:sub>
                     </m:sSub>
@@ -10093,11 +10093,11 @@
                       </m:e>
                       <m:sub>
                         <m:r>
-                          <a:rPr lang="en-US" altLang="zh-CN" i="1">
+                          <a:rPr lang="en-US" altLang="zh-CN" b="0" i="1" smtClean="0">
                             <a:latin typeface="Cambria Math" panose="02040503050406030204" pitchFamily="18" charset="0"/>
                             <a:ea typeface="微软雅黑" panose="020B0503020204020204" pitchFamily="34" charset="-122"/>
                           </a:rPr>
-                          <m:t>𝑖</m:t>
+                          <m:t>𝑙</m:t>
                         </m:r>
                         <m:r>
                           <a:rPr lang="en-US" altLang="zh-CN" i="1">
@@ -10117,6 +10117,41 @@
                         </m:r>
                       </m:sup>
                     </m:sSubSup>
+                    <m:sSub>
+                      <m:sSubPr>
+                        <m:ctrlPr>
+                          <a:rPr lang="en-US" altLang="zh-CN" b="0" i="1" smtClean="0">
+                            <a:latin typeface="Cambria Math" panose="02040503050406030204" pitchFamily="18" charset="0"/>
+                            <a:ea typeface="微软雅黑" panose="020B0503020204020204" pitchFamily="34" charset="-122"/>
+                          </a:rPr>
+                        </m:ctrlPr>
+                      </m:sSubPr>
+                      <m:e>
+                        <m:r>
+                          <a:rPr lang="en-US" altLang="zh-CN" b="0" i="1" smtClean="0">
+                            <a:latin typeface="Cambria Math" panose="02040503050406030204" pitchFamily="18" charset="0"/>
+                            <a:ea typeface="微软雅黑" panose="020B0503020204020204" pitchFamily="34" charset="-122"/>
+                          </a:rPr>
+                          <m:t>𝑝</m:t>
+                        </m:r>
+                      </m:e>
+                      <m:sub>
+                        <m:r>
+                          <a:rPr lang="en-US" altLang="zh-CN" b="0" i="1" smtClean="0">
+                            <a:latin typeface="Cambria Math" panose="02040503050406030204" pitchFamily="18" charset="0"/>
+                            <a:ea typeface="微软雅黑" panose="020B0503020204020204" pitchFamily="34" charset="-122"/>
+                          </a:rPr>
+                          <m:t>𝑙</m:t>
+                        </m:r>
+                      </m:sub>
+                    </m:sSub>
+                    <m:r>
+                      <a:rPr lang="en-US" altLang="zh-CN" b="0" i="1" smtClean="0">
+                        <a:latin typeface="Cambria Math" panose="02040503050406030204" pitchFamily="18" charset="0"/>
+                        <a:ea typeface="微软雅黑" panose="020B0503020204020204" pitchFamily="34" charset="-122"/>
+                      </a:rPr>
+                      <m:t>∗</m:t>
+                    </m:r>
                     <m:sSubSup>
                       <m:sSubSupPr>
                         <m:ctrlPr>
@@ -10144,7 +10179,7 @@
                             <a:latin typeface="Cambria Math" panose="02040503050406030204" pitchFamily="18" charset="0"/>
                             <a:ea typeface="微软雅黑" panose="020B0503020204020204" pitchFamily="34" charset="-122"/>
                           </a:rPr>
-                          <m:t>𝑗</m:t>
+                          <m:t>𝑖</m:t>
                         </m:r>
                         <m:r>
                           <a:rPr lang="en-US" altLang="zh-CN" b="0" i="1" smtClean="0">
@@ -10179,7 +10214,7 @@
                                 <a:latin typeface="Cambria Math" panose="02040503050406030204" pitchFamily="18" charset="0"/>
                                 <a:ea typeface="微软雅黑" panose="020B0503020204020204" pitchFamily="34" charset="-122"/>
                               </a:rPr>
-                              <m:t>𝑖</m:t>
+                              <m:t>𝑙</m:t>
                             </m:r>
                           </m:sub>
                         </m:sSub>
@@ -10212,17 +10247,14 @@
                             <a:latin typeface="Cambria Math" panose="02040503050406030204" pitchFamily="18" charset="0"/>
                             <a:ea typeface="微软雅黑" panose="020B0503020204020204" pitchFamily="34" charset="-122"/>
                           </a:rPr>
+                          <m:t>𝑙</m:t>
+                        </m:r>
+                        <m:r>
+                          <a:rPr lang="en-US" altLang="zh-CN" b="0" i="1" smtClean="0">
+                            <a:latin typeface="Cambria Math" panose="02040503050406030204" pitchFamily="18" charset="0"/>
+                            <a:ea typeface="微软雅黑" panose="020B0503020204020204" pitchFamily="34" charset="-122"/>
+                          </a:rPr>
                           <m:t>𝑖</m:t>
-                        </m:r>
-                        <m:r>
-                          <m:rPr>
-                            <m:sty m:val="p"/>
-                          </m:rPr>
-                          <a:rPr lang="en-US" altLang="zh-CN" i="1">
-                            <a:latin typeface="Cambria Math" panose="02040503050406030204" pitchFamily="18" charset="0"/>
-                            <a:ea typeface="微软雅黑" panose="020B0503020204020204" pitchFamily="34" charset="-122"/>
-                          </a:rPr>
-                          <m:t>j</m:t>
                         </m:r>
                       </m:sub>
                     </m:sSub>
@@ -10257,7 +10289,14 @@
                             <a:latin typeface="Cambria Math" panose="02040503050406030204" pitchFamily="18" charset="0"/>
                             <a:ea typeface="微软雅黑" panose="020B0503020204020204" pitchFamily="34" charset="-122"/>
                           </a:rPr>
-                          <m:t>𝑖𝑗</m:t>
+                          <m:t>𝑖</m:t>
+                        </m:r>
+                        <m:r>
+                          <a:rPr lang="en-US" altLang="zh-CN" b="0" i="1" smtClean="0">
+                            <a:latin typeface="Cambria Math" panose="02040503050406030204" pitchFamily="18" charset="0"/>
+                            <a:ea typeface="微软雅黑" panose="020B0503020204020204" pitchFamily="34" charset="-122"/>
+                          </a:rPr>
+                          <m:t>𝑙</m:t>
                         </m:r>
                       </m:sub>
                     </m:sSub>
@@ -10278,11 +10317,11 @@
                   <a:t>是层数，</a:t>
                 </a:r>
                 <a:r>
-                  <a:rPr lang="en-US" altLang="zh-CN" dirty="0" smtClean="0">
+                  <a:rPr lang="en-US" altLang="zh-CN" dirty="0" err="1" smtClean="0">
                     <a:latin typeface="微软雅黑" panose="020B0503020204020204" pitchFamily="34" charset="-122"/>
                     <a:ea typeface="微软雅黑" panose="020B0503020204020204" pitchFamily="34" charset="-122"/>
                   </a:rPr>
-                  <a:t>Ni</a:t>
+                  <a:t>Nl</a:t>
                 </a:r>
                 <a:r>
                   <a:rPr lang="zh-CN" altLang="en-US" dirty="0" smtClean="0">
@@ -10292,18 +10331,99 @@
                   <a:t>是第</a:t>
                 </a:r>
                 <a:r>
-                  <a:rPr lang="en-US" altLang="zh-CN" dirty="0" err="1" smtClean="0">
+                  <a:rPr lang="en-US" altLang="zh-CN" dirty="0" err="1">
                     <a:latin typeface="微软雅黑" panose="020B0503020204020204" pitchFamily="34" charset="-122"/>
                     <a:ea typeface="微软雅黑" panose="020B0503020204020204" pitchFamily="34" charset="-122"/>
                   </a:rPr>
-                  <a:t>i</a:t>
+                  <a:t>l</a:t>
                 </a:r>
                 <a:r>
                   <a:rPr lang="zh-CN" altLang="en-US" dirty="0" smtClean="0">
                     <a:latin typeface="微软雅黑" panose="020B0503020204020204" pitchFamily="34" charset="-122"/>
                     <a:ea typeface="微软雅黑" panose="020B0503020204020204" pitchFamily="34" charset="-122"/>
                   </a:rPr>
-                  <a:t>层的神经元个数</a:t>
+                  <a:t>层</a:t>
+                </a:r>
+                <a:r>
+                  <a:rPr lang="zh-CN" altLang="en-US" dirty="0" smtClean="0">
+                    <a:latin typeface="微软雅黑" panose="020B0503020204020204" pitchFamily="34" charset="-122"/>
+                    <a:ea typeface="微软雅黑" panose="020B0503020204020204" pitchFamily="34" charset="-122"/>
+                  </a:rPr>
+                  <a:t>的神经元个数</a:t>
+                </a:r>
+                <a:endParaRPr lang="en-US" altLang="zh-CN" dirty="0">
+                  <a:latin typeface="微软雅黑" panose="020B0503020204020204" pitchFamily="34" charset="-122"/>
+                  <a:ea typeface="微软雅黑" panose="020B0503020204020204" pitchFamily="34" charset="-122"/>
+                </a:endParaRPr>
+              </a:p>
+              <a:p>
+                <a:pPr lvl="1"/>
+                <a14:m>
+                  <m:oMath xmlns:m="http://schemas.openxmlformats.org/officeDocument/2006/math">
+                    <m:sSub>
+                      <m:sSubPr>
+                        <m:ctrlPr>
+                          <a:rPr lang="en-US" altLang="zh-CN" i="1">
+                            <a:latin typeface="Cambria Math" panose="02040503050406030204" pitchFamily="18" charset="0"/>
+                            <a:ea typeface="微软雅黑" panose="020B0503020204020204" pitchFamily="34" charset="-122"/>
+                          </a:rPr>
+                        </m:ctrlPr>
+                      </m:sSubPr>
+                      <m:e>
+                        <m:r>
+                          <a:rPr lang="en-US" altLang="zh-CN">
+                            <a:latin typeface="Cambria Math" panose="02040503050406030204" pitchFamily="18" charset="0"/>
+                            <a:ea typeface="微软雅黑" panose="020B0503020204020204" pitchFamily="34" charset="-122"/>
+                          </a:rPr>
+                          <m:t>𝑝</m:t>
+                        </m:r>
+                      </m:e>
+                      <m:sub>
+                        <m:r>
+                          <a:rPr lang="en-US" altLang="zh-CN" b="0" i="1" smtClean="0">
+                            <a:latin typeface="Cambria Math" panose="02040503050406030204" pitchFamily="18" charset="0"/>
+                            <a:ea typeface="微软雅黑" panose="020B0503020204020204" pitchFamily="34" charset="-122"/>
+                          </a:rPr>
+                          <m:t>𝑙</m:t>
+                        </m:r>
+                      </m:sub>
+                    </m:sSub>
+                  </m:oMath>
+                </a14:m>
+                <a:r>
+                  <a:rPr lang="zh-CN" altLang="en-US" dirty="0">
+                    <a:latin typeface="微软雅黑" panose="020B0503020204020204" pitchFamily="34" charset="-122"/>
+                    <a:ea typeface="微软雅黑" panose="020B0503020204020204" pitchFamily="34" charset="-122"/>
+                  </a:rPr>
+                  <a:t>是</a:t>
+                </a:r>
+                <a:r>
+                  <a:rPr lang="zh-CN" altLang="en-US" dirty="0" smtClean="0">
+                    <a:latin typeface="微软雅黑" panose="020B0503020204020204" pitchFamily="34" charset="-122"/>
+                    <a:ea typeface="微软雅黑" panose="020B0503020204020204" pitchFamily="34" charset="-122"/>
+                  </a:rPr>
+                  <a:t>第</a:t>
+                </a:r>
+                <a:r>
+                  <a:rPr lang="en-US" altLang="zh-CN" dirty="0" err="1">
+                    <a:latin typeface="微软雅黑" panose="020B0503020204020204" pitchFamily="34" charset="-122"/>
+                    <a:ea typeface="微软雅黑" panose="020B0503020204020204" pitchFamily="34" charset="-122"/>
+                  </a:rPr>
+                  <a:t>l</a:t>
+                </a:r>
+                <a:r>
+                  <a:rPr lang="zh-CN" altLang="en-US" dirty="0" smtClean="0">
+                    <a:latin typeface="微软雅黑" panose="020B0503020204020204" pitchFamily="34" charset="-122"/>
+                    <a:ea typeface="微软雅黑" panose="020B0503020204020204" pitchFamily="34" charset="-122"/>
+                  </a:rPr>
+                  <a:t>层</a:t>
+                </a:r>
+                <a:r>
+                  <a:rPr lang="zh-CN" altLang="en-US" dirty="0">
+                    <a:latin typeface="微软雅黑" panose="020B0503020204020204" pitchFamily="34" charset="-122"/>
+                    <a:ea typeface="微软雅黑" panose="020B0503020204020204" pitchFamily="34" charset="-122"/>
+                  </a:rPr>
+                  <a:t>的剪枝误差</a:t>
                 </a:r>
                 <a:endParaRPr lang="en-US" altLang="zh-CN" dirty="0">
                   <a:latin typeface="微软雅黑" panose="020B0503020204020204" pitchFamily="34" charset="-122"/>
@@ -10315,14 +10435,16 @@
                 <a14:m>
                   <m:oMath xmlns:m="http://schemas.openxmlformats.org/officeDocument/2006/math">
                     <m:r>
-                      <a:rPr lang="en-US" altLang="zh-CN" b="1" i="1">
+                      <a:rPr lang="en-US" altLang="zh-CN">
                         <a:latin typeface="Cambria Math" panose="02040503050406030204" pitchFamily="18" charset="0"/>
+                        <a:ea typeface="微软雅黑" panose="020B0503020204020204" pitchFamily="34" charset="-122"/>
                       </a:rPr>
                       <m:t>𝒔</m:t>
                     </m:r>
                     <m:r>
-                      <a:rPr lang="en-US" altLang="zh-CN" i="1">
+                      <a:rPr lang="en-US" altLang="zh-CN">
                         <a:latin typeface="Cambria Math" panose="02040503050406030204" pitchFamily="18" charset="0"/>
+                        <a:ea typeface="微软雅黑" panose="020B0503020204020204" pitchFamily="34" charset="-122"/>
                       </a:rPr>
                       <m:t>=</m:t>
                     </m:r>
@@ -10333,6 +10455,7 @@
                         <m:ctrlPr>
                           <a:rPr lang="en-US" altLang="zh-CN" i="1">
                             <a:latin typeface="Cambria Math" panose="02040503050406030204" pitchFamily="18" charset="0"/>
+                            <a:ea typeface="微软雅黑" panose="020B0503020204020204" pitchFamily="34" charset="-122"/>
                           </a:rPr>
                         </m:ctrlPr>
                       </m:dPr>
@@ -10342,29 +10465,33 @@
                             <m:ctrlPr>
                               <a:rPr lang="en-US" altLang="zh-CN" i="1">
                                 <a:latin typeface="Cambria Math" panose="02040503050406030204" pitchFamily="18" charset="0"/>
+                                <a:ea typeface="微软雅黑" panose="020B0503020204020204" pitchFamily="34" charset="-122"/>
                               </a:rPr>
                             </m:ctrlPr>
                           </m:sSubPr>
                           <m:e>
                             <m:r>
-                              <a:rPr lang="en-US" altLang="zh-CN" i="1">
+                              <a:rPr lang="en-US" altLang="zh-CN">
                                 <a:latin typeface="Cambria Math" panose="02040503050406030204" pitchFamily="18" charset="0"/>
+                                <a:ea typeface="微软雅黑" panose="020B0503020204020204" pitchFamily="34" charset="-122"/>
                               </a:rPr>
                               <m:t>𝑠</m:t>
                             </m:r>
                           </m:e>
                           <m:sub>
                             <m:r>
-                              <a:rPr lang="en-US" altLang="zh-CN" i="1">
+                              <a:rPr lang="en-US" altLang="zh-CN">
                                 <a:latin typeface="Cambria Math" panose="02040503050406030204" pitchFamily="18" charset="0"/>
+                                <a:ea typeface="微软雅黑" panose="020B0503020204020204" pitchFamily="34" charset="-122"/>
                               </a:rPr>
                               <m:t>1</m:t>
                             </m:r>
                           </m:sub>
                         </m:sSub>
                         <m:r>
-                          <a:rPr lang="en-US" altLang="zh-CN" i="1">
-                            <a:latin typeface="Cambria Math" panose="02040503050406030204" pitchFamily="18" charset="0"/>
+                          <a:rPr lang="en-US" altLang="zh-CN">
+                            <a:latin typeface="Cambria Math" panose="02040503050406030204" pitchFamily="18" charset="0"/>
+                            <a:ea typeface="微软雅黑" panose="020B0503020204020204" pitchFamily="34" charset="-122"/>
                           </a:rPr>
                           <m:t>, </m:t>
                         </m:r>
@@ -10373,37 +10500,42 @@
                             <m:ctrlPr>
                               <a:rPr lang="en-US" altLang="zh-CN" i="1">
                                 <a:latin typeface="Cambria Math" panose="02040503050406030204" pitchFamily="18" charset="0"/>
+                                <a:ea typeface="微软雅黑" panose="020B0503020204020204" pitchFamily="34" charset="-122"/>
                               </a:rPr>
                             </m:ctrlPr>
                           </m:sSubPr>
                           <m:e>
                             <m:r>
-                              <a:rPr lang="en-US" altLang="zh-CN" i="1">
+                              <a:rPr lang="en-US" altLang="zh-CN">
                                 <a:latin typeface="Cambria Math" panose="02040503050406030204" pitchFamily="18" charset="0"/>
+                                <a:ea typeface="微软雅黑" panose="020B0503020204020204" pitchFamily="34" charset="-122"/>
                               </a:rPr>
                               <m:t>𝑠</m:t>
                             </m:r>
                           </m:e>
                           <m:sub>
                             <m:r>
-                              <a:rPr lang="en-US" altLang="zh-CN" i="1">
+                              <a:rPr lang="en-US" altLang="zh-CN">
                                 <a:latin typeface="Cambria Math" panose="02040503050406030204" pitchFamily="18" charset="0"/>
+                                <a:ea typeface="微软雅黑" panose="020B0503020204020204" pitchFamily="34" charset="-122"/>
                               </a:rPr>
                               <m:t>2</m:t>
                             </m:r>
                           </m:sub>
                         </m:sSub>
                         <m:r>
-                          <a:rPr lang="en-US" altLang="zh-CN" i="1">
-                            <a:latin typeface="Cambria Math" panose="02040503050406030204" pitchFamily="18" charset="0"/>
+                          <a:rPr lang="en-US" altLang="zh-CN">
+                            <a:latin typeface="Cambria Math" panose="02040503050406030204" pitchFamily="18" charset="0"/>
+                            <a:ea typeface="微软雅黑" panose="020B0503020204020204" pitchFamily="34" charset="-122"/>
                           </a:rPr>
                           <m:t>,…, </m:t>
                         </m:r>
                         <m:sSub>
                           <m:sSubPr>
                             <m:ctrlPr>
-                              <a:rPr lang="en-US" altLang="zh-CN" b="0" i="1" smtClean="0">
+                              <a:rPr lang="en-US" altLang="zh-CN" i="1">
                                 <a:latin typeface="Cambria Math" panose="02040503050406030204" pitchFamily="18" charset="0"/>
+                                <a:ea typeface="微软雅黑" panose="020B0503020204020204" pitchFamily="34" charset="-122"/>
                               </a:rPr>
                             </m:ctrlPr>
                           </m:sSubPr>
@@ -10413,21 +10545,24 @@
                                 <m:ctrlPr>
                                   <a:rPr lang="en-US" altLang="zh-CN" i="1">
                                     <a:latin typeface="Cambria Math" panose="02040503050406030204" pitchFamily="18" charset="0"/>
+                                    <a:ea typeface="微软雅黑" panose="020B0503020204020204" pitchFamily="34" charset="-122"/>
                                   </a:rPr>
                                 </m:ctrlPr>
                               </m:sSubPr>
                               <m:e>
                                 <m:r>
-                                  <a:rPr lang="en-US" altLang="zh-CN" i="1">
+                                  <a:rPr lang="en-US" altLang="zh-CN">
                                     <a:latin typeface="Cambria Math" panose="02040503050406030204" pitchFamily="18" charset="0"/>
+                                    <a:ea typeface="微软雅黑" panose="020B0503020204020204" pitchFamily="34" charset="-122"/>
                                   </a:rPr>
                                   <m:t>𝑠</m:t>
                                 </m:r>
                               </m:e>
                               <m:sub>
                                 <m:r>
-                                  <a:rPr lang="en-US" altLang="zh-CN" i="1">
+                                  <a:rPr lang="en-US" altLang="zh-CN">
                                     <a:latin typeface="Cambria Math" panose="02040503050406030204" pitchFamily="18" charset="0"/>
+                                    <a:ea typeface="微软雅黑" panose="020B0503020204020204" pitchFamily="34" charset="-122"/>
                                   </a:rPr>
                                   <m:t>𝑁</m:t>
                                 </m:r>
@@ -10438,8 +10573,9 @@
                             <m:r>
                               <a:rPr lang="en-US" altLang="zh-CN" b="0" i="1" smtClean="0">
                                 <a:latin typeface="Cambria Math" panose="02040503050406030204" pitchFamily="18" charset="0"/>
+                                <a:ea typeface="微软雅黑" panose="020B0503020204020204" pitchFamily="34" charset="-122"/>
                               </a:rPr>
-                              <m:t>𝑖</m:t>
+                              <m:t>𝑙</m:t>
                             </m:r>
                           </m:sub>
                         </m:sSub>
@@ -10490,7 +10626,14 @@
                             <a:latin typeface="Cambria Math" panose="02040503050406030204" pitchFamily="18" charset="0"/>
                             <a:ea typeface="微软雅黑" panose="020B0503020204020204" pitchFamily="34" charset="-122"/>
                           </a:rPr>
-                          <m:t>𝑗</m:t>
+                          <m:t>𝑙</m:t>
+                        </m:r>
+                        <m:r>
+                          <a:rPr lang="en-US" altLang="zh-CN" b="0" i="1" smtClean="0">
+                            <a:latin typeface="Cambria Math" panose="02040503050406030204" pitchFamily="18" charset="0"/>
+                            <a:ea typeface="微软雅黑" panose="020B0503020204020204" pitchFamily="34" charset="-122"/>
+                          </a:rPr>
+                          <m:t>𝑖</m:t>
                         </m:r>
                       </m:sub>
                     </m:sSub>
@@ -10515,7 +10658,21 @@
                     <a:latin typeface="微软雅黑" panose="020B0503020204020204" pitchFamily="34" charset="-122"/>
                     <a:ea typeface="微软雅黑" panose="020B0503020204020204" pitchFamily="34" charset="-122"/>
                   </a:rPr>
-                  <a:t>有关的误差</a:t>
+                  <a:t>有关</a:t>
+                </a:r>
+                <a:r>
+                  <a:rPr lang="zh-CN" altLang="en-US" dirty="0" smtClean="0">
+                    <a:latin typeface="微软雅黑" panose="020B0503020204020204" pitchFamily="34" charset="-122"/>
+                    <a:ea typeface="微软雅黑" panose="020B0503020204020204" pitchFamily="34" charset="-122"/>
+                  </a:rPr>
+                  <a:t>的</a:t>
+                </a:r>
+                <a:r>
+                  <a:rPr lang="zh-CN" altLang="en-US" dirty="0">
+                    <a:latin typeface="微软雅黑" panose="020B0503020204020204" pitchFamily="34" charset="-122"/>
+                    <a:ea typeface="微软雅黑" panose="020B0503020204020204" pitchFamily="34" charset="-122"/>
+                  </a:rPr>
+                  <a:t>误差</a:t>
                 </a:r>
                 <a:endParaRPr lang="en-US" altLang="zh-CN" dirty="0">
                   <a:latin typeface="微软雅黑" panose="020B0503020204020204" pitchFamily="34" charset="-122"/>
@@ -10962,7 +11119,7 @@
               <a:blipFill rotWithShape="0">
                 <a:blip r:embed="rId3"/>
                 <a:stretch>
-                  <a:fillRect l="-928" t="-3502"/>
+                  <a:fillRect l="-812" t="-3113"/>
                 </a:stretch>
               </a:blipFill>
             </p:spPr>
@@ -11194,21 +11351,7 @@
                     <a:latin typeface="微软雅黑" panose="020B0503020204020204" pitchFamily="34" charset="-122"/>
                     <a:ea typeface="微软雅黑" panose="020B0503020204020204" pitchFamily="34" charset="-122"/>
                   </a:rPr>
-                  <a:t>  </a:t>
-                </a:r>
-                <a:r>
-                  <a:rPr lang="en-US" altLang="zh-CN" dirty="0" smtClean="0">
-                    <a:latin typeface="微软雅黑" panose="020B0503020204020204" pitchFamily="34" charset="-122"/>
-                    <a:ea typeface="微软雅黑" panose="020B0503020204020204" pitchFamily="34" charset="-122"/>
-                  </a:rPr>
-                  <a:t>*Intra-chip </a:t>
-                </a:r>
-                <a:r>
-                  <a:rPr lang="en-US" altLang="zh-CN" dirty="0" smtClean="0">
-                    <a:latin typeface="微软雅黑" panose="020B0503020204020204" pitchFamily="34" charset="-122"/>
-                    <a:ea typeface="微软雅黑" panose="020B0503020204020204" pitchFamily="34" charset="-122"/>
-                  </a:rPr>
-                  <a:t>data</a:t>
+                  <a:t>  *Intra-chip data</a:t>
                 </a:r>
               </a:p>
               <a:p>
@@ -11545,12 +11688,9 @@
                   <a:buFont typeface="Arial" panose="020B0604020202020204" pitchFamily="34" charset="0"/>
                   <a:buNone/>
                 </a:pPr>
-                <a:r>
-                  <a:rPr lang="en-US" altLang="zh-CN" sz="2200" i="1" dirty="0">
-                    <a:latin typeface="Cambria Math" panose="02040503050406030204" pitchFamily="18" charset="0"/>
-                  </a:rPr>
-                  <a:t>    </a:t>
-                </a:r>
+                <a:endParaRPr lang="en-US" altLang="zh-CN" sz="2200" i="1" dirty="0">
+                  <a:latin typeface="Cambria Math" panose="02040503050406030204" pitchFamily="18" charset="0"/>
+                </a:endParaRPr>
               </a:p>
             </p:txBody>
           </p:sp>
@@ -11731,7 +11871,7 @@
         </p:nvSpPr>
         <p:spPr>
           <a:xfrm>
-            <a:off x="3014942" y="3806752"/>
+            <a:off x="3014942" y="3853759"/>
             <a:ext cx="4143454" cy="369332"/>
           </a:xfrm>
           <a:prstGeom prst="rect">
@@ -11976,6 +12116,37 @@
           </a:p>
         </p:txBody>
       </p:sp>
+      <p:sp>
+        <p:nvSpPr>
+          <p:cNvPr id="8" name="矩形 7"/>
+          <p:cNvSpPr/>
+          <p:nvPr/>
+        </p:nvSpPr>
+        <p:spPr>
+          <a:xfrm>
+            <a:off x="340107" y="5805012"/>
+            <a:ext cx="2674835" cy="369332"/>
+          </a:xfrm>
+          <a:prstGeom prst="rect">
+            <a:avLst/>
+          </a:prstGeom>
+        </p:spPr>
+        <p:txBody>
+          <a:bodyPr wrap="none">
+            <a:spAutoFit/>
+          </a:bodyPr>
+          <a:lstStyle/>
+          <a:p>
+            <a:r>
+              <a:rPr lang="en-US" altLang="zh-CN" i="1" dirty="0">
+                <a:latin typeface="Cambria Math" panose="02040503050406030204" pitchFamily="18" charset="0"/>
+              </a:rPr>
+              <a:t> DRAM power: 9.75pJ/bit</a:t>
+            </a:r>
+            <a:endParaRPr lang="zh-CN" altLang="en-US" dirty="0"/>
+          </a:p>
+        </p:txBody>
+      </p:sp>
     </p:spTree>
     <p:extLst>
       <p:ext uri="{BB962C8B-B14F-4D97-AF65-F5344CB8AC3E}">
@@ -12133,36 +12304,6 @@
         <p:spPr>
           <a:xfrm flipH="1">
             <a:off x="676275" y="1247746"/>
-            <a:ext cx="243205" cy="243205"/>
-          </a:xfrm>
-          <a:prstGeom prst="rect">
-            <a:avLst/>
-          </a:prstGeom>
-        </p:spPr>
-      </p:pic>
-      <p:pic>
-        <p:nvPicPr>
-          <p:cNvPr id="9" name="图片 8" descr="31393938393834313b31393939353234333bcbaed6e9d0ce"/>
-          <p:cNvPicPr>
-            <a:picLocks noChangeAspect="1"/>
-          </p:cNvPicPr>
-          <p:nvPr/>
-        </p:nvPicPr>
-        <p:blipFill>
-          <a:blip r:embed="rId3">
-            <a:extLst>
-              <a:ext uri="{96DAC541-7B7A-43D3-8B79-37D633B846F1}">
-                <asvg:svgBlip xmlns:asvg="http://schemas.microsoft.com/office/drawing/2016/SVG/main" xmlns="" r:embed="rId5"/>
-              </a:ext>
-            </a:extLst>
-          </a:blip>
-          <a:stretch>
-            <a:fillRect/>
-          </a:stretch>
-        </p:blipFill>
-        <p:spPr>
-          <a:xfrm flipH="1">
-            <a:off x="676274" y="2941242"/>
             <a:ext cx="243205" cy="243205"/>
           </a:xfrm>
           <a:prstGeom prst="rect">
@@ -12356,44 +12497,45 @@
             </a:lvl9pPr>
           </a:lstStyle>
           <a:p>
-            <a:pPr marL="0" indent="0">
-              <a:buFont typeface="Arial" panose="020B0604020202020204" pitchFamily="34" charset="0"/>
-              <a:buNone/>
-            </a:pPr>
+            <a:pPr lvl="1"/>
             <a:r>
-              <a:rPr lang="en-US" altLang="zh-CN" dirty="0" smtClean="0">
-                <a:latin typeface="微软雅黑" panose="020B0503020204020204" pitchFamily="34" charset="-122"/>
-                <a:ea typeface="微软雅黑" panose="020B0503020204020204" pitchFamily="34" charset="-122"/>
+              <a:rPr lang="en-US" altLang="zh-CN" sz="2200" i="1" dirty="0" smtClean="0">
+                <a:latin typeface="Cambria Math" panose="02040503050406030204" pitchFamily="18" charset="0"/>
               </a:rPr>
-              <a:t>   </a:t>
-            </a:r>
-            <a:r>
-              <a:rPr lang="en-US" altLang="zh-CN" dirty="0" smtClean="0">
-                <a:latin typeface="微软雅黑" panose="020B0503020204020204" pitchFamily="34" charset="-122"/>
-                <a:ea typeface="微软雅黑" panose="020B0503020204020204" pitchFamily="34" charset="-122"/>
-              </a:rPr>
-              <a:t>* Inter-chip </a:t>
-            </a:r>
-            <a:r>
-              <a:rPr lang="en-US" altLang="zh-CN" dirty="0" smtClean="0">
-                <a:latin typeface="微软雅黑" panose="020B0503020204020204" pitchFamily="34" charset="-122"/>
-                <a:ea typeface="微软雅黑" panose="020B0503020204020204" pitchFamily="34" charset="-122"/>
-              </a:rPr>
-              <a:t>data</a:t>
+              <a:t>* MAC of different precision</a:t>
             </a:r>
           </a:p>
           <a:p>
-            <a:pPr marL="0" indent="0">
-              <a:buFont typeface="Arial" panose="020B0604020202020204" pitchFamily="34" charset="0"/>
-              <a:buNone/>
-            </a:pPr>
+            <a:pPr lvl="1"/>
+            <a:r>
+              <a:rPr lang="en-US" altLang="zh-CN" sz="2200" i="1" dirty="0" smtClean="0">
+                <a:latin typeface="Cambria Math" panose="02040503050406030204" pitchFamily="18" charset="0"/>
+              </a:rPr>
+              <a:t>8-bit MAC : 135.1um2, 0.024pJ/op</a:t>
+            </a:r>
             <a:endParaRPr lang="en-US" altLang="zh-CN" sz="2200" i="1" dirty="0" smtClean="0">
               <a:latin typeface="Cambria Math" panose="02040503050406030204" pitchFamily="18" charset="0"/>
             </a:endParaRPr>
           </a:p>
           <a:p>
-            <a:pPr lvl="1"/>
-            <a:endParaRPr lang="en-US" altLang="zh-CN" sz="2200" i="1" dirty="0">
+            <a:pPr marL="457200" lvl="1" indent="0">
+              <a:buNone/>
+            </a:pPr>
+            <a:r>
+              <a:rPr lang="en-US" altLang="zh-CN" sz="2000" dirty="0" smtClean="0">
+                <a:latin typeface="微软雅黑" panose="020B0503020204020204" pitchFamily="34" charset="-122"/>
+                <a:ea typeface="微软雅黑" panose="020B0503020204020204" pitchFamily="34" charset="-122"/>
+              </a:rPr>
+              <a:t>* </a:t>
+            </a:r>
+            <a:r>
+              <a:rPr lang="en-US" altLang="zh-CN" sz="2000" dirty="0">
+                <a:latin typeface="微软雅黑" panose="020B0503020204020204" pitchFamily="34" charset="-122"/>
+                <a:ea typeface="微软雅黑" panose="020B0503020204020204" pitchFamily="34" charset="-122"/>
+              </a:rPr>
+              <a:t>Inter-chip data</a:t>
+            </a:r>
+            <a:endParaRPr lang="en-US" altLang="zh-CN" sz="3200" i="1" dirty="0">
               <a:latin typeface="Cambria Math" panose="02040503050406030204" pitchFamily="18" charset="0"/>
             </a:endParaRPr>
           </a:p>
@@ -12402,12 +12544,9 @@
               <a:buFont typeface="Arial" panose="020B0604020202020204" pitchFamily="34" charset="0"/>
               <a:buNone/>
             </a:pPr>
-            <a:r>
-              <a:rPr lang="en-US" altLang="zh-CN" sz="2200" i="1" dirty="0">
-                <a:latin typeface="Cambria Math" panose="02040503050406030204" pitchFamily="18" charset="0"/>
-              </a:rPr>
-              <a:t>    </a:t>
-            </a:r>
+            <a:endParaRPr lang="en-US" altLang="zh-CN" sz="2200" i="1" dirty="0">
+              <a:latin typeface="Cambria Math" panose="02040503050406030204" pitchFamily="18" charset="0"/>
+            </a:endParaRPr>
           </a:p>
         </p:txBody>
       </p:sp>
@@ -12427,8 +12566,8 @@
         </p:blipFill>
         <p:spPr>
           <a:xfrm>
-            <a:off x="6024267" y="1260974"/>
-            <a:ext cx="5069183" cy="3209120"/>
+            <a:off x="1295831" y="2262727"/>
+            <a:ext cx="5399946" cy="3418514"/>
           </a:xfrm>
           <a:prstGeom prst="rect">
             <a:avLst/>
@@ -12480,6 +12619,64 @@
           </a:p>
         </p:txBody>
       </p:sp>
+      <p:sp>
+        <p:nvSpPr>
+          <p:cNvPr id="10" name="文本框 9"/>
+          <p:cNvSpPr txBox="1"/>
+          <p:nvPr/>
+        </p:nvSpPr>
+        <p:spPr>
+          <a:xfrm>
+            <a:off x="1924077" y="5638086"/>
+            <a:ext cx="4143454" cy="369332"/>
+          </a:xfrm>
+          <a:prstGeom prst="rect">
+            <a:avLst/>
+          </a:prstGeom>
+          <a:noFill/>
+        </p:spPr>
+        <p:txBody>
+          <a:bodyPr wrap="square" rtlCol="0">
+            <a:spAutoFit/>
+          </a:bodyPr>
+          <a:lstStyle/>
+          <a:p>
+            <a:r>
+              <a:rPr lang="en-US" altLang="zh-CN" dirty="0" smtClean="0"/>
+              <a:t>Fig. information from </a:t>
+            </a:r>
+            <a:r>
+              <a:rPr lang="en-US" altLang="zh-CN" dirty="0" err="1" smtClean="0"/>
+              <a:t>NNBaton</a:t>
+            </a:r>
+            <a:endParaRPr lang="zh-CN" altLang="en-US" dirty="0"/>
+          </a:p>
+        </p:txBody>
+      </p:sp>
+      <p:pic>
+        <p:nvPicPr>
+          <p:cNvPr id="4" name="图片 3"/>
+          <p:cNvPicPr>
+            <a:picLocks noChangeAspect="1"/>
+          </p:cNvPicPr>
+          <p:nvPr/>
+        </p:nvPicPr>
+        <p:blipFill>
+          <a:blip r:embed="rId7"/>
+          <a:stretch>
+            <a:fillRect/>
+          </a:stretch>
+        </p:blipFill>
+        <p:spPr>
+          <a:xfrm>
+            <a:off x="7242944" y="2262727"/>
+            <a:ext cx="4381880" cy="2065199"/>
+          </a:xfrm>
+          <a:prstGeom prst="rect">
+            <a:avLst/>
+          </a:prstGeom>
+        </p:spPr>
+      </p:pic>
     </p:spTree>
     <p:extLst>
       <p:ext uri="{BB962C8B-B14F-4D97-AF65-F5344CB8AC3E}">
@@ -12525,8 +12722,8 @@
           <a:chExt cx="0" cy="0"/>
         </a:xfrm>
       </p:grpSpPr>
-      <mc:AlternateContent xmlns:mc="http://schemas.openxmlformats.org/markup-compatibility/2006" xmlns:a14="http://schemas.microsoft.com/office/drawing/2010/main">
-        <mc:Choice Requires="a14">
+      <mc:AlternateContent xmlns:mc="http://schemas.openxmlformats.org/markup-compatibility/2006">
+        <mc:Choice xmlns:a14="http://schemas.microsoft.com/office/drawing/2010/main" Requires="a14">
           <p:sp>
             <p:nvSpPr>
               <p:cNvPr id="7" name="内容占位符 2"/>
@@ -12545,7 +12742,7 @@
             </p:spPr>
             <p:txBody>
               <a:bodyPr>
-                <a:normAutofit/>
+                <a:normAutofit lnSpcReduction="10000"/>
               </a:bodyPr>
               <a:lstStyle/>
               <a:p>
@@ -13308,15 +13505,59 @@
                       </a:rPr>
                       <m:t>=</m:t>
                     </m:r>
+                    <m:sSubSup>
+                      <m:sSubSupPr>
+                        <m:ctrlPr>
+                          <a:rPr lang="en-US" altLang="zh-CN" i="1">
+                            <a:latin typeface="Cambria Math" panose="02040503050406030204" pitchFamily="18" charset="0"/>
+                            <a:ea typeface="微软雅黑" panose="020B0503020204020204" pitchFamily="34" charset="-122"/>
+                          </a:rPr>
+                        </m:ctrlPr>
+                      </m:sSubSupPr>
+                      <m:e>
+                        <m:r>
+                          <m:rPr>
+                            <m:sty m:val="p"/>
+                          </m:rPr>
+                          <a:rPr lang="en-US" altLang="zh-CN">
+                            <a:latin typeface="Cambria Math" panose="02040503050406030204" pitchFamily="18" charset="0"/>
+                            <a:ea typeface="微软雅黑" panose="020B0503020204020204" pitchFamily="34" charset="-122"/>
+                          </a:rPr>
+                          <m:t>Σ</m:t>
+                        </m:r>
+                      </m:e>
+                      <m:sub>
+                        <m:r>
+                          <a:rPr lang="en-US" altLang="zh-CN" b="0" i="1" smtClean="0">
+                            <a:latin typeface="Cambria Math" panose="02040503050406030204" pitchFamily="18" charset="0"/>
+                            <a:ea typeface="微软雅黑" panose="020B0503020204020204" pitchFamily="34" charset="-122"/>
+                          </a:rPr>
+                          <m:t>𝑙</m:t>
+                        </m:r>
+                        <m:r>
+                          <a:rPr lang="en-US" altLang="zh-CN" i="1">
+                            <a:latin typeface="Cambria Math" panose="02040503050406030204" pitchFamily="18" charset="0"/>
+                            <a:ea typeface="微软雅黑" panose="020B0503020204020204" pitchFamily="34" charset="-122"/>
+                          </a:rPr>
+                          <m:t>=1</m:t>
+                        </m:r>
+                      </m:sub>
+                      <m:sup>
+                        <m:r>
+                          <a:rPr lang="en-US" altLang="zh-CN" i="1">
+                            <a:latin typeface="Cambria Math" panose="02040503050406030204" pitchFamily="18" charset="0"/>
+                            <a:ea typeface="微软雅黑" panose="020B0503020204020204" pitchFamily="34" charset="-122"/>
+                          </a:rPr>
+                          <m:t>𝐿</m:t>
+                        </m:r>
+                      </m:sup>
+                    </m:sSubSup>
                     <m:r>
-                      <m:rPr>
-                        <m:sty m:val="p"/>
-                      </m:rPr>
-                      <a:rPr lang="en-US" altLang="zh-CN">
+                      <a:rPr lang="en-US" altLang="zh-CN" i="1">
                         <a:latin typeface="Cambria Math" panose="02040503050406030204" pitchFamily="18" charset="0"/>
                         <a:ea typeface="微软雅黑" panose="020B0503020204020204" pitchFamily="34" charset="-122"/>
                       </a:rPr>
-                      <m:t>Σ</m:t>
+                      <m:t> </m:t>
                     </m:r>
                     <m:sSub>
                       <m:sSubPr>
@@ -13329,6 +13570,191 @@
                       </m:sSubPr>
                       <m:e>
                         <m:r>
+                          <a:rPr lang="en-US" altLang="zh-CN" i="1">
+                            <a:latin typeface="Cambria Math" panose="02040503050406030204" pitchFamily="18" charset="0"/>
+                            <a:ea typeface="微软雅黑" panose="020B0503020204020204" pitchFamily="34" charset="-122"/>
+                          </a:rPr>
+                          <m:t>𝜖</m:t>
+                        </m:r>
+                      </m:e>
+                      <m:sub>
+                        <m:r>
+                          <a:rPr lang="en-US" altLang="zh-CN" b="0" i="1" smtClean="0">
+                            <a:latin typeface="Cambria Math" panose="02040503050406030204" pitchFamily="18" charset="0"/>
+                            <a:ea typeface="微软雅黑" panose="020B0503020204020204" pitchFamily="34" charset="-122"/>
+                          </a:rPr>
+                          <m:t>𝑙</m:t>
+                        </m:r>
+                      </m:sub>
+                    </m:sSub>
+                    <m:r>
+                      <a:rPr lang="en-US" altLang="zh-CN" i="1">
+                        <a:latin typeface="Cambria Math" panose="02040503050406030204" pitchFamily="18" charset="0"/>
+                        <a:ea typeface="微软雅黑" panose="020B0503020204020204" pitchFamily="34" charset="-122"/>
+                      </a:rPr>
+                      <m:t>=</m:t>
+                    </m:r>
+                    <m:sSubSup>
+                      <m:sSubSupPr>
+                        <m:ctrlPr>
+                          <a:rPr lang="en-US" altLang="zh-CN" i="1">
+                            <a:latin typeface="Cambria Math" panose="02040503050406030204" pitchFamily="18" charset="0"/>
+                            <a:ea typeface="微软雅黑" panose="020B0503020204020204" pitchFamily="34" charset="-122"/>
+                          </a:rPr>
+                        </m:ctrlPr>
+                      </m:sSubSupPr>
+                      <m:e>
+                        <m:r>
+                          <m:rPr>
+                            <m:sty m:val="p"/>
+                          </m:rPr>
+                          <a:rPr lang="en-US" altLang="zh-CN">
+                            <a:latin typeface="Cambria Math" panose="02040503050406030204" pitchFamily="18" charset="0"/>
+                            <a:ea typeface="微软雅黑" panose="020B0503020204020204" pitchFamily="34" charset="-122"/>
+                          </a:rPr>
+                          <m:t>Σ</m:t>
+                        </m:r>
+                      </m:e>
+                      <m:sub>
+                        <m:r>
+                          <a:rPr lang="en-US" altLang="zh-CN" b="0" i="1" smtClean="0">
+                            <a:latin typeface="Cambria Math" panose="02040503050406030204" pitchFamily="18" charset="0"/>
+                            <a:ea typeface="微软雅黑" panose="020B0503020204020204" pitchFamily="34" charset="-122"/>
+                          </a:rPr>
+                          <m:t>𝑙</m:t>
+                        </m:r>
+                        <m:r>
+                          <a:rPr lang="en-US" altLang="zh-CN" i="1">
+                            <a:latin typeface="Cambria Math" panose="02040503050406030204" pitchFamily="18" charset="0"/>
+                            <a:ea typeface="微软雅黑" panose="020B0503020204020204" pitchFamily="34" charset="-122"/>
+                          </a:rPr>
+                          <m:t>=1</m:t>
+                        </m:r>
+                      </m:sub>
+                      <m:sup>
+                        <m:r>
+                          <a:rPr lang="en-US" altLang="zh-CN" i="1">
+                            <a:latin typeface="Cambria Math" panose="02040503050406030204" pitchFamily="18" charset="0"/>
+                            <a:ea typeface="微软雅黑" panose="020B0503020204020204" pitchFamily="34" charset="-122"/>
+                          </a:rPr>
+                          <m:t>𝐿</m:t>
+                        </m:r>
+                      </m:sup>
+                    </m:sSubSup>
+                    <m:sSub>
+                      <m:sSubPr>
+                        <m:ctrlPr>
+                          <a:rPr lang="en-US" altLang="zh-CN" i="1">
+                            <a:latin typeface="Cambria Math" panose="02040503050406030204" pitchFamily="18" charset="0"/>
+                            <a:ea typeface="微软雅黑" panose="020B0503020204020204" pitchFamily="34" charset="-122"/>
+                          </a:rPr>
+                        </m:ctrlPr>
+                      </m:sSubPr>
+                      <m:e>
+                        <m:r>
+                          <a:rPr lang="en-US" altLang="zh-CN" i="1">
+                            <a:latin typeface="Cambria Math" panose="02040503050406030204" pitchFamily="18" charset="0"/>
+                            <a:ea typeface="微软雅黑" panose="020B0503020204020204" pitchFamily="34" charset="-122"/>
+                          </a:rPr>
+                          <m:t>𝑝</m:t>
+                        </m:r>
+                      </m:e>
+                      <m:sub>
+                        <m:r>
+                          <a:rPr lang="en-US" altLang="zh-CN" b="0" i="1" smtClean="0">
+                            <a:latin typeface="Cambria Math" panose="02040503050406030204" pitchFamily="18" charset="0"/>
+                            <a:ea typeface="微软雅黑" panose="020B0503020204020204" pitchFamily="34" charset="-122"/>
+                          </a:rPr>
+                          <m:t>𝑙</m:t>
+                        </m:r>
+                      </m:sub>
+                    </m:sSub>
+                    <m:r>
+                      <a:rPr lang="en-US" altLang="zh-CN" i="1">
+                        <a:latin typeface="Cambria Math" panose="02040503050406030204" pitchFamily="18" charset="0"/>
+                        <a:ea typeface="微软雅黑" panose="020B0503020204020204" pitchFamily="34" charset="-122"/>
+                      </a:rPr>
+                      <m:t>∗</m:t>
+                    </m:r>
+                    <m:sSubSup>
+                      <m:sSubSupPr>
+                        <m:ctrlPr>
+                          <a:rPr lang="en-US" altLang="zh-CN" i="1">
+                            <a:latin typeface="Cambria Math" panose="02040503050406030204" pitchFamily="18" charset="0"/>
+                            <a:ea typeface="微软雅黑" panose="020B0503020204020204" pitchFamily="34" charset="-122"/>
+                          </a:rPr>
+                        </m:ctrlPr>
+                      </m:sSubSupPr>
+                      <m:e>
+                        <m:r>
+                          <m:rPr>
+                            <m:sty m:val="p"/>
+                          </m:rPr>
+                          <a:rPr lang="en-US" altLang="zh-CN">
+                            <a:latin typeface="Cambria Math" panose="02040503050406030204" pitchFamily="18" charset="0"/>
+                            <a:ea typeface="微软雅黑" panose="020B0503020204020204" pitchFamily="34" charset="-122"/>
+                          </a:rPr>
+                          <m:t>Σ</m:t>
+                        </m:r>
+                      </m:e>
+                      <m:sub>
+                        <m:r>
+                          <a:rPr lang="en-US" altLang="zh-CN" b="0" i="1" smtClean="0">
+                            <a:latin typeface="Cambria Math" panose="02040503050406030204" pitchFamily="18" charset="0"/>
+                            <a:ea typeface="微软雅黑" panose="020B0503020204020204" pitchFamily="34" charset="-122"/>
+                          </a:rPr>
+                          <m:t>𝑖</m:t>
+                        </m:r>
+                        <m:r>
+                          <a:rPr lang="en-US" altLang="zh-CN" i="1">
+                            <a:latin typeface="Cambria Math" panose="02040503050406030204" pitchFamily="18" charset="0"/>
+                            <a:ea typeface="微软雅黑" panose="020B0503020204020204" pitchFamily="34" charset="-122"/>
+                          </a:rPr>
+                          <m:t>=1</m:t>
+                        </m:r>
+                      </m:sub>
+                      <m:sup>
+                        <m:sSub>
+                          <m:sSubPr>
+                            <m:ctrlPr>
+                              <a:rPr lang="en-US" altLang="zh-CN" i="1">
+                                <a:latin typeface="Cambria Math" panose="02040503050406030204" pitchFamily="18" charset="0"/>
+                                <a:ea typeface="微软雅黑" panose="020B0503020204020204" pitchFamily="34" charset="-122"/>
+                              </a:rPr>
+                            </m:ctrlPr>
+                          </m:sSubPr>
+                          <m:e>
+                            <m:r>
+                              <a:rPr lang="en-US" altLang="zh-CN" i="1">
+                                <a:latin typeface="Cambria Math" panose="02040503050406030204" pitchFamily="18" charset="0"/>
+                                <a:ea typeface="微软雅黑" panose="020B0503020204020204" pitchFamily="34" charset="-122"/>
+                              </a:rPr>
+                              <m:t>𝑁</m:t>
+                            </m:r>
+                          </m:e>
+                          <m:sub>
+                            <m:r>
+                              <a:rPr lang="en-US" altLang="zh-CN" b="0" i="1" smtClean="0">
+                                <a:latin typeface="Cambria Math" panose="02040503050406030204" pitchFamily="18" charset="0"/>
+                                <a:ea typeface="微软雅黑" panose="020B0503020204020204" pitchFamily="34" charset="-122"/>
+                              </a:rPr>
+                              <m:t>𝑙</m:t>
+                            </m:r>
+                          </m:sub>
+                        </m:sSub>
+                      </m:sup>
+                    </m:sSubSup>
+                    <m:sSub>
+                      <m:sSubPr>
+                        <m:ctrlPr>
+                          <a:rPr lang="en-US" altLang="zh-CN" i="1">
+                            <a:latin typeface="Cambria Math" panose="02040503050406030204" pitchFamily="18" charset="0"/>
+                            <a:ea typeface="微软雅黑" panose="020B0503020204020204" pitchFamily="34" charset="-122"/>
+                          </a:rPr>
+                        </m:ctrlPr>
+                      </m:sSubPr>
+                      <m:e>
+                        <m:r>
                           <m:rPr>
                             <m:sty m:val="p"/>
                           </m:rPr>
@@ -13340,6 +13766,13 @@
                         </m:r>
                       </m:e>
                       <m:sub>
+                        <m:r>
+                          <a:rPr lang="en-US" altLang="zh-CN" b="0" i="1" smtClean="0">
+                            <a:latin typeface="Cambria Math" panose="02040503050406030204" pitchFamily="18" charset="0"/>
+                            <a:ea typeface="微软雅黑" panose="020B0503020204020204" pitchFamily="34" charset="-122"/>
+                          </a:rPr>
+                          <m:t>𝑙</m:t>
+                        </m:r>
                         <m:r>
                           <a:rPr lang="en-US" altLang="zh-CN" i="1">
                             <a:latin typeface="Cambria Math" panose="02040503050406030204" pitchFamily="18" charset="0"/>
@@ -13376,6 +13809,13 @@
                       </m:e>
                       <m:sub>
                         <m:r>
+                          <a:rPr lang="en-US" altLang="zh-CN" b="0" i="1" smtClean="0">
+                            <a:latin typeface="Cambria Math" panose="02040503050406030204" pitchFamily="18" charset="0"/>
+                            <a:ea typeface="微软雅黑" panose="020B0503020204020204" pitchFamily="34" charset="-122"/>
+                          </a:rPr>
+                          <m:t>𝑙</m:t>
+                        </m:r>
+                        <m:r>
                           <a:rPr lang="en-US" altLang="zh-CN" i="1">
                             <a:latin typeface="Cambria Math" panose="02040503050406030204" pitchFamily="18" charset="0"/>
                             <a:ea typeface="微软雅黑" panose="020B0503020204020204" pitchFamily="34" charset="-122"/>
@@ -13384,211 +13824,58 @@
                         </m:r>
                       </m:sub>
                     </m:sSub>
-                    <m:r>
-                      <a:rPr lang="en-US" altLang="zh-CN" b="0" i="0" smtClean="0">
-                        <a:latin typeface="Cambria Math" panose="02040503050406030204" pitchFamily="18" charset="0"/>
-                        <a:ea typeface="微软雅黑" panose="020B0503020204020204" pitchFamily="34" charset="-122"/>
-                      </a:rPr>
-                      <m:t>,  </m:t>
-                    </m:r>
-                    <m:r>
-                      <a:rPr lang="en-US" altLang="zh-CN" i="1">
-                        <a:latin typeface="Cambria Math" panose="02040503050406030204" pitchFamily="18" charset="0"/>
-                        <a:ea typeface="微软雅黑" panose="020B0503020204020204" pitchFamily="34" charset="-122"/>
-                      </a:rPr>
-                      <m:t>𝑖</m:t>
-                    </m:r>
-                    <m:r>
-                      <a:rPr lang="en-US" altLang="zh-CN" i="1">
-                        <a:latin typeface="Cambria Math" panose="02040503050406030204" pitchFamily="18" charset="0"/>
-                        <a:ea typeface="微软雅黑" panose="020B0503020204020204" pitchFamily="34" charset="-122"/>
-                      </a:rPr>
-                      <m:t>∈[1,</m:t>
-                    </m:r>
-                    <m:r>
-                      <a:rPr lang="en-US" altLang="zh-CN" i="1">
-                        <a:latin typeface="Cambria Math" panose="02040503050406030204" pitchFamily="18" charset="0"/>
-                        <a:ea typeface="微软雅黑" panose="020B0503020204020204" pitchFamily="34" charset="-122"/>
-                      </a:rPr>
-                      <m:t>𝑁</m:t>
-                    </m:r>
-                    <m:r>
-                      <a:rPr lang="en-US" altLang="zh-CN" i="1">
-                        <a:latin typeface="Cambria Math" panose="02040503050406030204" pitchFamily="18" charset="0"/>
-                        <a:ea typeface="微软雅黑" panose="020B0503020204020204" pitchFamily="34" charset="-122"/>
-                      </a:rPr>
-                      <m:t>]</m:t>
-                    </m:r>
                   </m:oMath>
                 </a14:m>
                 <a:r>
                   <a:rPr lang="en-US" altLang="zh-CN" dirty="0">
-                    <a:latin typeface="Cambria Math" panose="02040503050406030204" pitchFamily="18" charset="0"/>
+                    <a:latin typeface="微软雅黑" panose="020B0503020204020204" pitchFamily="34" charset="-122"/>
                     <a:ea typeface="微软雅黑" panose="020B0503020204020204" pitchFamily="34" charset="-122"/>
                   </a:rPr>
-                  <a:t>,</a:t>
+                  <a:t>, L</a:t>
                 </a:r>
                 <a:r>
                   <a:rPr lang="zh-CN" altLang="en-US" dirty="0">
-                    <a:latin typeface="Cambria Math" panose="02040503050406030204" pitchFamily="18" charset="0"/>
+                    <a:latin typeface="微软雅黑" panose="020B0503020204020204" pitchFamily="34" charset="-122"/>
                     <a:ea typeface="微软雅黑" panose="020B0503020204020204" pitchFamily="34" charset="-122"/>
                   </a:rPr>
-                  <a:t> </a:t>
+                  <a:t>是层数，</a:t>
                 </a:r>
                 <a:r>
-                  <a:rPr lang="en-US" altLang="zh-CN" dirty="0">
-                    <a:latin typeface="Cambria Math" panose="02040503050406030204" pitchFamily="18" charset="0"/>
+                  <a:rPr lang="en-US" altLang="zh-CN" dirty="0" err="1" smtClean="0">
+                    <a:latin typeface="微软雅黑" panose="020B0503020204020204" pitchFamily="34" charset="-122"/>
                     <a:ea typeface="微软雅黑" panose="020B0503020204020204" pitchFamily="34" charset="-122"/>
                   </a:rPr>
-                  <a:t>N</a:t>
+                  <a:t>Nl</a:t>
                 </a:r>
-                <a:r>
-                  <a:rPr lang="zh-CN" altLang="en-US" dirty="0">
-                    <a:latin typeface="Cambria Math" panose="02040503050406030204" pitchFamily="18" charset="0"/>
-                    <a:ea typeface="微软雅黑" panose="020B0503020204020204" pitchFamily="34" charset="-122"/>
-                  </a:rPr>
-                  <a:t>是神经元</a:t>
-                </a:r>
-                <a:r>
-                  <a:rPr lang="zh-CN" altLang="en-US" dirty="0" smtClean="0">
-                    <a:latin typeface="Cambria Math" panose="02040503050406030204" pitchFamily="18" charset="0"/>
-                    <a:ea typeface="微软雅黑" panose="020B0503020204020204" pitchFamily="34" charset="-122"/>
-                  </a:rPr>
-                  <a:t>个数</a:t>
-                </a:r>
-                <a:endParaRPr lang="en-US" altLang="zh-CN" dirty="0" smtClean="0">
-                  <a:latin typeface="微软雅黑" panose="020B0503020204020204" pitchFamily="34" charset="-122"/>
-                  <a:ea typeface="微软雅黑" panose="020B0503020204020204" pitchFamily="34" charset="-122"/>
-                </a:endParaRPr>
-              </a:p>
-              <a:p>
-                <a:pPr marL="457200" lvl="1" indent="0">
-                  <a:buNone/>
-                </a:pPr>
-                <a14:m>
-                  <m:oMath xmlns:m="http://schemas.openxmlformats.org/officeDocument/2006/math">
-                    <m:r>
-                      <a:rPr lang="en-US" altLang="zh-CN" b="1" i="1">
-                        <a:latin typeface="Cambria Math" panose="02040503050406030204" pitchFamily="18" charset="0"/>
-                      </a:rPr>
-                      <m:t>𝒔</m:t>
-                    </m:r>
-                    <m:r>
-                      <a:rPr lang="en-US" altLang="zh-CN" i="1">
-                        <a:latin typeface="Cambria Math" panose="02040503050406030204" pitchFamily="18" charset="0"/>
-                      </a:rPr>
-                      <m:t>=</m:t>
-                    </m:r>
-                    <m:d>
-                      <m:dPr>
-                        <m:begChr m:val="{"/>
-                        <m:endChr m:val="}"/>
-                        <m:ctrlPr>
-                          <a:rPr lang="en-US" altLang="zh-CN" i="1">
-                            <a:latin typeface="Cambria Math" panose="02040503050406030204" pitchFamily="18" charset="0"/>
-                          </a:rPr>
-                        </m:ctrlPr>
-                      </m:dPr>
-                      <m:e>
-                        <m:sSub>
-                          <m:sSubPr>
-                            <m:ctrlPr>
-                              <a:rPr lang="en-US" altLang="zh-CN" i="1">
-                                <a:latin typeface="Cambria Math" panose="02040503050406030204" pitchFamily="18" charset="0"/>
-                              </a:rPr>
-                            </m:ctrlPr>
-                          </m:sSubPr>
-                          <m:e>
-                            <m:r>
-                              <a:rPr lang="en-US" altLang="zh-CN" i="1">
-                                <a:latin typeface="Cambria Math" panose="02040503050406030204" pitchFamily="18" charset="0"/>
-                              </a:rPr>
-                              <m:t>𝑠</m:t>
-                            </m:r>
-                          </m:e>
-                          <m:sub>
-                            <m:r>
-                              <a:rPr lang="en-US" altLang="zh-CN" i="1">
-                                <a:latin typeface="Cambria Math" panose="02040503050406030204" pitchFamily="18" charset="0"/>
-                              </a:rPr>
-                              <m:t>1</m:t>
-                            </m:r>
-                          </m:sub>
-                        </m:sSub>
-                        <m:r>
-                          <a:rPr lang="en-US" altLang="zh-CN" i="1">
-                            <a:latin typeface="Cambria Math" panose="02040503050406030204" pitchFamily="18" charset="0"/>
-                          </a:rPr>
-                          <m:t>, </m:t>
-                        </m:r>
-                        <m:sSub>
-                          <m:sSubPr>
-                            <m:ctrlPr>
-                              <a:rPr lang="en-US" altLang="zh-CN" i="1">
-                                <a:latin typeface="Cambria Math" panose="02040503050406030204" pitchFamily="18" charset="0"/>
-                              </a:rPr>
-                            </m:ctrlPr>
-                          </m:sSubPr>
-                          <m:e>
-                            <m:r>
-                              <a:rPr lang="en-US" altLang="zh-CN" i="1">
-                                <a:latin typeface="Cambria Math" panose="02040503050406030204" pitchFamily="18" charset="0"/>
-                              </a:rPr>
-                              <m:t>𝑠</m:t>
-                            </m:r>
-                          </m:e>
-                          <m:sub>
-                            <m:r>
-                              <a:rPr lang="en-US" altLang="zh-CN" i="1">
-                                <a:latin typeface="Cambria Math" panose="02040503050406030204" pitchFamily="18" charset="0"/>
-                              </a:rPr>
-                              <m:t>2</m:t>
-                            </m:r>
-                          </m:sub>
-                        </m:sSub>
-                        <m:r>
-                          <a:rPr lang="en-US" altLang="zh-CN" i="1">
-                            <a:latin typeface="Cambria Math" panose="02040503050406030204" pitchFamily="18" charset="0"/>
-                          </a:rPr>
-                          <m:t>,…, </m:t>
-                        </m:r>
-                        <m:sSub>
-                          <m:sSubPr>
-                            <m:ctrlPr>
-                              <a:rPr lang="en-US" altLang="zh-CN" i="1">
-                                <a:latin typeface="Cambria Math" panose="02040503050406030204" pitchFamily="18" charset="0"/>
-                              </a:rPr>
-                            </m:ctrlPr>
-                          </m:sSubPr>
-                          <m:e>
-                            <m:r>
-                              <a:rPr lang="en-US" altLang="zh-CN" i="1">
-                                <a:latin typeface="Cambria Math" panose="02040503050406030204" pitchFamily="18" charset="0"/>
-                              </a:rPr>
-                              <m:t>𝑠</m:t>
-                            </m:r>
-                          </m:e>
-                          <m:sub>
-                            <m:r>
-                              <a:rPr lang="en-US" altLang="zh-CN" i="1">
-                                <a:latin typeface="Cambria Math" panose="02040503050406030204" pitchFamily="18" charset="0"/>
-                              </a:rPr>
-                              <m:t>𝑁</m:t>
-                            </m:r>
-                          </m:sub>
-                        </m:sSub>
-                      </m:e>
-                    </m:d>
-                  </m:oMath>
-                </a14:m>
                 <a:r>
                   <a:rPr lang="zh-CN" altLang="en-US" dirty="0" smtClean="0">
                     <a:latin typeface="微软雅黑" panose="020B0503020204020204" pitchFamily="34" charset="-122"/>
                     <a:ea typeface="微软雅黑" panose="020B0503020204020204" pitchFamily="34" charset="-122"/>
                   </a:rPr>
-                  <a:t>是排序向量</a:t>
+                  <a:t>是第</a:t>
                 </a:r>
-                <a:endParaRPr lang="en-US" altLang="zh-CN" dirty="0" smtClean="0">
+                <a:r>
+                  <a:rPr lang="en-US" altLang="zh-CN" dirty="0" err="1">
+                    <a:latin typeface="微软雅黑" panose="020B0503020204020204" pitchFamily="34" charset="-122"/>
+                    <a:ea typeface="微软雅黑" panose="020B0503020204020204" pitchFamily="34" charset="-122"/>
+                  </a:rPr>
+                  <a:t>l</a:t>
+                </a:r>
+                <a:r>
+                  <a:rPr lang="zh-CN" altLang="en-US" dirty="0" smtClean="0">
+                    <a:latin typeface="微软雅黑" panose="020B0503020204020204" pitchFamily="34" charset="-122"/>
+                    <a:ea typeface="微软雅黑" panose="020B0503020204020204" pitchFamily="34" charset="-122"/>
+                  </a:rPr>
+                  <a:t>层</a:t>
+                </a:r>
+                <a:r>
+                  <a:rPr lang="zh-CN" altLang="en-US" dirty="0">
+                    <a:latin typeface="微软雅黑" panose="020B0503020204020204" pitchFamily="34" charset="-122"/>
+                    <a:ea typeface="微软雅黑" panose="020B0503020204020204" pitchFamily="34" charset="-122"/>
+                  </a:rPr>
+                  <a:t>的神经元个数</a:t>
+                </a:r>
+                <a:endParaRPr lang="en-US" altLang="zh-CN" dirty="0">
                   <a:latin typeface="微软雅黑" panose="020B0503020204020204" pitchFamily="34" charset="-122"/>
                   <a:ea typeface="微软雅黑" panose="020B0503020204020204" pitchFamily="34" charset="-122"/>
                 </a:endParaRPr>
@@ -13610,44 +13897,294 @@
                       </m:sSubPr>
                       <m:e>
                         <m:r>
-                          <m:rPr>
-                            <m:sty m:val="p"/>
-                          </m:rPr>
-                          <a:rPr lang="en-US" altLang="zh-CN" i="1">
+                          <a:rPr lang="en-US" altLang="zh-CN">
                             <a:latin typeface="Cambria Math" panose="02040503050406030204" pitchFamily="18" charset="0"/>
                             <a:ea typeface="微软雅黑" panose="020B0503020204020204" pitchFamily="34" charset="-122"/>
                           </a:rPr>
-                          <m:t>f</m:t>
+                          <m:t>𝑝</m:t>
                         </m:r>
                       </m:e>
                       <m:sub>
                         <m:r>
-                          <a:rPr lang="en-US" altLang="zh-CN" i="1">
+                          <a:rPr lang="en-US" altLang="zh-CN" b="0" i="1" smtClean="0">
                             <a:latin typeface="Cambria Math" panose="02040503050406030204" pitchFamily="18" charset="0"/>
                             <a:ea typeface="微软雅黑" panose="020B0503020204020204" pitchFamily="34" charset="-122"/>
                           </a:rPr>
-                          <m:t>𝑖</m:t>
+                          <m:t>𝑙</m:t>
                         </m:r>
                       </m:sub>
                     </m:sSub>
                   </m:oMath>
                 </a14:m>
                 <a:r>
+                  <a:rPr lang="zh-CN" altLang="en-US" dirty="0">
+                    <a:latin typeface="微软雅黑" panose="020B0503020204020204" pitchFamily="34" charset="-122"/>
+                    <a:ea typeface="微软雅黑" panose="020B0503020204020204" pitchFamily="34" charset="-122"/>
+                  </a:rPr>
+                  <a:t>是</a:t>
+                </a:r>
+                <a:r>
                   <a:rPr lang="zh-CN" altLang="en-US" dirty="0" smtClean="0">
+                    <a:latin typeface="微软雅黑" panose="020B0503020204020204" pitchFamily="34" charset="-122"/>
+                    <a:ea typeface="微软雅黑" panose="020B0503020204020204" pitchFamily="34" charset="-122"/>
+                  </a:rPr>
+                  <a:t>第</a:t>
+                </a:r>
+                <a:r>
+                  <a:rPr lang="en-US" altLang="zh-CN" dirty="0" err="1">
+                    <a:latin typeface="微软雅黑" panose="020B0503020204020204" pitchFamily="34" charset="-122"/>
+                    <a:ea typeface="微软雅黑" panose="020B0503020204020204" pitchFamily="34" charset="-122"/>
+                  </a:rPr>
+                  <a:t>l</a:t>
+                </a:r>
+                <a:r>
+                  <a:rPr lang="zh-CN" altLang="en-US" dirty="0" smtClean="0">
+                    <a:latin typeface="微软雅黑" panose="020B0503020204020204" pitchFamily="34" charset="-122"/>
+                    <a:ea typeface="微软雅黑" panose="020B0503020204020204" pitchFamily="34" charset="-122"/>
+                  </a:rPr>
+                  <a:t>层</a:t>
+                </a:r>
+                <a:r>
+                  <a:rPr lang="zh-CN" altLang="en-US" dirty="0">
+                    <a:latin typeface="微软雅黑" panose="020B0503020204020204" pitchFamily="34" charset="-122"/>
+                    <a:ea typeface="微软雅黑" panose="020B0503020204020204" pitchFamily="34" charset="-122"/>
+                  </a:rPr>
+                  <a:t>的剪枝误差</a:t>
+                </a:r>
+                <a:endParaRPr lang="en-US" altLang="zh-CN" dirty="0">
+                  <a:latin typeface="微软雅黑" panose="020B0503020204020204" pitchFamily="34" charset="-122"/>
+                  <a:ea typeface="微软雅黑" panose="020B0503020204020204" pitchFamily="34" charset="-122"/>
+                </a:endParaRPr>
+              </a:p>
+              <a:p>
+                <a:pPr marL="457200" lvl="1" indent="0">
+                  <a:buNone/>
+                </a:pPr>
+                <a14:m>
+                  <m:oMath xmlns:m="http://schemas.openxmlformats.org/officeDocument/2006/math">
+                    <m:r>
+                      <a:rPr lang="en-US" altLang="zh-CN">
+                        <a:latin typeface="Cambria Math" panose="02040503050406030204" pitchFamily="18" charset="0"/>
+                        <a:ea typeface="微软雅黑" panose="020B0503020204020204" pitchFamily="34" charset="-122"/>
+                      </a:rPr>
+                      <m:t>𝒔</m:t>
+                    </m:r>
+                    <m:r>
+                      <a:rPr lang="en-US" altLang="zh-CN">
+                        <a:latin typeface="Cambria Math" panose="02040503050406030204" pitchFamily="18" charset="0"/>
+                        <a:ea typeface="微软雅黑" panose="020B0503020204020204" pitchFamily="34" charset="-122"/>
+                      </a:rPr>
+                      <m:t>=</m:t>
+                    </m:r>
+                    <m:d>
+                      <m:dPr>
+                        <m:begChr m:val="{"/>
+                        <m:endChr m:val="}"/>
+                        <m:ctrlPr>
+                          <a:rPr lang="en-US" altLang="zh-CN" i="1">
+                            <a:latin typeface="Cambria Math" panose="02040503050406030204" pitchFamily="18" charset="0"/>
+                            <a:ea typeface="微软雅黑" panose="020B0503020204020204" pitchFamily="34" charset="-122"/>
+                          </a:rPr>
+                        </m:ctrlPr>
+                      </m:dPr>
+                      <m:e>
+                        <m:sSub>
+                          <m:sSubPr>
+                            <m:ctrlPr>
+                              <a:rPr lang="en-US" altLang="zh-CN" i="1">
+                                <a:latin typeface="Cambria Math" panose="02040503050406030204" pitchFamily="18" charset="0"/>
+                                <a:ea typeface="微软雅黑" panose="020B0503020204020204" pitchFamily="34" charset="-122"/>
+                              </a:rPr>
+                            </m:ctrlPr>
+                          </m:sSubPr>
+                          <m:e>
+                            <m:r>
+                              <a:rPr lang="en-US" altLang="zh-CN">
+                                <a:latin typeface="Cambria Math" panose="02040503050406030204" pitchFamily="18" charset="0"/>
+                                <a:ea typeface="微软雅黑" panose="020B0503020204020204" pitchFamily="34" charset="-122"/>
+                              </a:rPr>
+                              <m:t>𝑠</m:t>
+                            </m:r>
+                          </m:e>
+                          <m:sub>
+                            <m:r>
+                              <a:rPr lang="en-US" altLang="zh-CN">
+                                <a:latin typeface="Cambria Math" panose="02040503050406030204" pitchFamily="18" charset="0"/>
+                                <a:ea typeface="微软雅黑" panose="020B0503020204020204" pitchFamily="34" charset="-122"/>
+                              </a:rPr>
+                              <m:t>1</m:t>
+                            </m:r>
+                          </m:sub>
+                        </m:sSub>
+                        <m:r>
+                          <a:rPr lang="en-US" altLang="zh-CN">
+                            <a:latin typeface="Cambria Math" panose="02040503050406030204" pitchFamily="18" charset="0"/>
+                            <a:ea typeface="微软雅黑" panose="020B0503020204020204" pitchFamily="34" charset="-122"/>
+                          </a:rPr>
+                          <m:t>, </m:t>
+                        </m:r>
+                        <m:sSub>
+                          <m:sSubPr>
+                            <m:ctrlPr>
+                              <a:rPr lang="en-US" altLang="zh-CN" i="1">
+                                <a:latin typeface="Cambria Math" panose="02040503050406030204" pitchFamily="18" charset="0"/>
+                                <a:ea typeface="微软雅黑" panose="020B0503020204020204" pitchFamily="34" charset="-122"/>
+                              </a:rPr>
+                            </m:ctrlPr>
+                          </m:sSubPr>
+                          <m:e>
+                            <m:r>
+                              <a:rPr lang="en-US" altLang="zh-CN">
+                                <a:latin typeface="Cambria Math" panose="02040503050406030204" pitchFamily="18" charset="0"/>
+                                <a:ea typeface="微软雅黑" panose="020B0503020204020204" pitchFamily="34" charset="-122"/>
+                              </a:rPr>
+                              <m:t>𝑠</m:t>
+                            </m:r>
+                          </m:e>
+                          <m:sub>
+                            <m:r>
+                              <a:rPr lang="en-US" altLang="zh-CN">
+                                <a:latin typeface="Cambria Math" panose="02040503050406030204" pitchFamily="18" charset="0"/>
+                                <a:ea typeface="微软雅黑" panose="020B0503020204020204" pitchFamily="34" charset="-122"/>
+                              </a:rPr>
+                              <m:t>2</m:t>
+                            </m:r>
+                          </m:sub>
+                        </m:sSub>
+                        <m:r>
+                          <a:rPr lang="en-US" altLang="zh-CN">
+                            <a:latin typeface="Cambria Math" panose="02040503050406030204" pitchFamily="18" charset="0"/>
+                            <a:ea typeface="微软雅黑" panose="020B0503020204020204" pitchFamily="34" charset="-122"/>
+                          </a:rPr>
+                          <m:t>,…, </m:t>
+                        </m:r>
+                        <m:sSub>
+                          <m:sSubPr>
+                            <m:ctrlPr>
+                              <a:rPr lang="en-US" altLang="zh-CN" i="1">
+                                <a:latin typeface="Cambria Math" panose="02040503050406030204" pitchFamily="18" charset="0"/>
+                                <a:ea typeface="微软雅黑" panose="020B0503020204020204" pitchFamily="34" charset="-122"/>
+                              </a:rPr>
+                            </m:ctrlPr>
+                          </m:sSubPr>
+                          <m:e>
+                            <m:sSub>
+                              <m:sSubPr>
+                                <m:ctrlPr>
+                                  <a:rPr lang="en-US" altLang="zh-CN" i="1">
+                                    <a:latin typeface="Cambria Math" panose="02040503050406030204" pitchFamily="18" charset="0"/>
+                                    <a:ea typeface="微软雅黑" panose="020B0503020204020204" pitchFamily="34" charset="-122"/>
+                                  </a:rPr>
+                                </m:ctrlPr>
+                              </m:sSubPr>
+                              <m:e>
+                                <m:r>
+                                  <a:rPr lang="en-US" altLang="zh-CN">
+                                    <a:latin typeface="Cambria Math" panose="02040503050406030204" pitchFamily="18" charset="0"/>
+                                    <a:ea typeface="微软雅黑" panose="020B0503020204020204" pitchFamily="34" charset="-122"/>
+                                  </a:rPr>
+                                  <m:t>𝑠</m:t>
+                                </m:r>
+                              </m:e>
+                              <m:sub>
+                                <m:r>
+                                  <a:rPr lang="en-US" altLang="zh-CN">
+                                    <a:latin typeface="Cambria Math" panose="02040503050406030204" pitchFamily="18" charset="0"/>
+                                    <a:ea typeface="微软雅黑" panose="020B0503020204020204" pitchFamily="34" charset="-122"/>
+                                  </a:rPr>
+                                  <m:t>𝑁</m:t>
+                                </m:r>
+                              </m:sub>
+                            </m:sSub>
+                          </m:e>
+                          <m:sub>
+                            <m:r>
+                              <a:rPr lang="en-US" altLang="zh-CN" b="0" i="1" smtClean="0">
+                                <a:latin typeface="Cambria Math" panose="02040503050406030204" pitchFamily="18" charset="0"/>
+                                <a:ea typeface="微软雅黑" panose="020B0503020204020204" pitchFamily="34" charset="-122"/>
+                              </a:rPr>
+                              <m:t>𝑙</m:t>
+                            </m:r>
+                          </m:sub>
+                        </m:sSub>
+                      </m:e>
+                    </m:d>
+                  </m:oMath>
+                </a14:m>
+                <a:r>
+                  <a:rPr lang="zh-CN" altLang="en-US" dirty="0">
+                    <a:latin typeface="微软雅黑" panose="020B0503020204020204" pitchFamily="34" charset="-122"/>
+                    <a:ea typeface="微软雅黑" panose="020B0503020204020204" pitchFamily="34" charset="-122"/>
+                  </a:rPr>
+                  <a:t>是排序向量</a:t>
+                </a:r>
+                <a:endParaRPr lang="en-US" altLang="zh-CN" dirty="0">
+                  <a:latin typeface="微软雅黑" panose="020B0503020204020204" pitchFamily="34" charset="-122"/>
+                  <a:ea typeface="微软雅黑" panose="020B0503020204020204" pitchFamily="34" charset="-122"/>
+                </a:endParaRPr>
+              </a:p>
+              <a:p>
+                <a:pPr marL="457200" lvl="1" indent="0">
+                  <a:buNone/>
+                </a:pPr>
+                <a14:m>
+                  <m:oMath xmlns:m="http://schemas.openxmlformats.org/officeDocument/2006/math">
+                    <m:sSub>
+                      <m:sSubPr>
+                        <m:ctrlPr>
+                          <a:rPr lang="en-US" altLang="zh-CN" i="1">
+                            <a:latin typeface="Cambria Math" panose="02040503050406030204" pitchFamily="18" charset="0"/>
+                            <a:ea typeface="微软雅黑" panose="020B0503020204020204" pitchFamily="34" charset="-122"/>
+                          </a:rPr>
+                        </m:ctrlPr>
+                      </m:sSubPr>
+                      <m:e>
+                        <m:r>
+                          <m:rPr>
+                            <m:sty m:val="p"/>
+                          </m:rPr>
+                          <a:rPr lang="en-US" altLang="zh-CN" i="1">
+                            <a:latin typeface="Cambria Math" panose="02040503050406030204" pitchFamily="18" charset="0"/>
+                            <a:ea typeface="微软雅黑" panose="020B0503020204020204" pitchFamily="34" charset="-122"/>
+                          </a:rPr>
+                          <m:t>f</m:t>
+                        </m:r>
+                      </m:e>
+                      <m:sub>
+                        <m:r>
+                          <a:rPr lang="en-US" altLang="zh-CN" b="0" i="1" smtClean="0">
+                            <a:latin typeface="Cambria Math" panose="02040503050406030204" pitchFamily="18" charset="0"/>
+                            <a:ea typeface="微软雅黑" panose="020B0503020204020204" pitchFamily="34" charset="-122"/>
+                          </a:rPr>
+                          <m:t>𝑙</m:t>
+                        </m:r>
+                        <m:r>
+                          <a:rPr lang="en-US" altLang="zh-CN" i="1">
+                            <a:latin typeface="Cambria Math" panose="02040503050406030204" pitchFamily="18" charset="0"/>
+                            <a:ea typeface="微软雅黑" panose="020B0503020204020204" pitchFamily="34" charset="-122"/>
+                          </a:rPr>
+                          <m:t>𝑖</m:t>
+                        </m:r>
+                      </m:sub>
+                    </m:sSub>
+                  </m:oMath>
+                </a14:m>
+                <a:r>
+                  <a:rPr lang="zh-CN" altLang="en-US" dirty="0">
                     <a:latin typeface="微软雅黑" panose="020B0503020204020204" pitchFamily="34" charset="-122"/>
                     <a:ea typeface="微软雅黑" panose="020B0503020204020204" pitchFamily="34" charset="-122"/>
                   </a:rPr>
                   <a:t>是与量化</a:t>
                 </a:r>
                 <a:r>
-                  <a:rPr lang="en-US" altLang="zh-CN" dirty="0" smtClean="0">
+                  <a:rPr lang="en-US" altLang="zh-CN" dirty="0">
                     <a:latin typeface="微软雅黑" panose="020B0503020204020204" pitchFamily="34" charset="-122"/>
                     <a:ea typeface="微软雅黑" panose="020B0503020204020204" pitchFamily="34" charset="-122"/>
                   </a:rPr>
                   <a:t>q</a:t>
                 </a:r>
                 <a:r>
-                  <a:rPr lang="zh-CN" altLang="en-US" dirty="0" smtClean="0">
+                  <a:rPr lang="zh-CN" altLang="en-US" dirty="0">
                     <a:latin typeface="微软雅黑" panose="020B0503020204020204" pitchFamily="34" charset="-122"/>
                     <a:ea typeface="微软雅黑" panose="020B0503020204020204" pitchFamily="34" charset="-122"/>
                   </a:rPr>
@@ -14091,7 +14628,7 @@
             </p:txBody>
           </p:sp>
         </mc:Choice>
-        <mc:Fallback xmlns="">
+        <mc:Fallback>
           <p:sp>
             <p:nvSpPr>
               <p:cNvPr id="7" name="内容占位符 2"/>
@@ -14110,7 +14647,7 @@
               <a:blipFill rotWithShape="0">
                 <a:blip r:embed="rId3"/>
                 <a:stretch>
-                  <a:fillRect t="-2335"/>
+                  <a:fillRect t="-3243" b="-389"/>
                 </a:stretch>
               </a:blipFill>
             </p:spPr>
@@ -14257,7 +14794,7 @@
         </p:blipFill>
         <p:spPr>
           <a:xfrm flipH="1">
-            <a:off x="675473" y="4680117"/>
+            <a:off x="675473" y="4784289"/>
             <a:ext cx="243205" cy="243205"/>
           </a:xfrm>
           <a:prstGeom prst="rect">
@@ -14330,11 +14867,13 @@
             </p:spPr>
             <p:txBody>
               <a:bodyPr>
-                <a:normAutofit/>
+                <a:normAutofit lnSpcReduction="10000"/>
               </a:bodyPr>
               <a:lstStyle/>
               <a:p>
-                <a:pPr lvl="1"/>
+                <a:pPr marL="457200" lvl="1" indent="0">
+                  <a:buNone/>
+                </a:pPr>
                 <a:r>
                   <a:rPr lang="zh-CN" altLang="en-US" dirty="0" smtClean="0">
                     <a:latin typeface="Cambria Math" panose="02040503050406030204" pitchFamily="18" charset="0"/>
@@ -14379,15 +14918,59 @@
                       </a:rPr>
                       <m:t>=</m:t>
                     </m:r>
+                    <m:sSubSup>
+                      <m:sSubSupPr>
+                        <m:ctrlPr>
+                          <a:rPr lang="en-US" altLang="zh-CN" i="1">
+                            <a:latin typeface="Cambria Math" panose="02040503050406030204" pitchFamily="18" charset="0"/>
+                            <a:ea typeface="微软雅黑" panose="020B0503020204020204" pitchFamily="34" charset="-122"/>
+                          </a:rPr>
+                        </m:ctrlPr>
+                      </m:sSubSupPr>
+                      <m:e>
+                        <m:r>
+                          <m:rPr>
+                            <m:sty m:val="p"/>
+                          </m:rPr>
+                          <a:rPr lang="en-US" altLang="zh-CN">
+                            <a:latin typeface="Cambria Math" panose="02040503050406030204" pitchFamily="18" charset="0"/>
+                            <a:ea typeface="微软雅黑" panose="020B0503020204020204" pitchFamily="34" charset="-122"/>
+                          </a:rPr>
+                          <m:t>Σ</m:t>
+                        </m:r>
+                      </m:e>
+                      <m:sub>
+                        <m:r>
+                          <a:rPr lang="en-US" altLang="zh-CN" b="0" i="1" smtClean="0">
+                            <a:latin typeface="Cambria Math" panose="02040503050406030204" pitchFamily="18" charset="0"/>
+                            <a:ea typeface="微软雅黑" panose="020B0503020204020204" pitchFamily="34" charset="-122"/>
+                          </a:rPr>
+                          <m:t>𝑙</m:t>
+                        </m:r>
+                        <m:r>
+                          <a:rPr lang="en-US" altLang="zh-CN" i="1">
+                            <a:latin typeface="Cambria Math" panose="02040503050406030204" pitchFamily="18" charset="0"/>
+                            <a:ea typeface="微软雅黑" panose="020B0503020204020204" pitchFamily="34" charset="-122"/>
+                          </a:rPr>
+                          <m:t>=1</m:t>
+                        </m:r>
+                      </m:sub>
+                      <m:sup>
+                        <m:r>
+                          <a:rPr lang="en-US" altLang="zh-CN" i="1">
+                            <a:latin typeface="Cambria Math" panose="02040503050406030204" pitchFamily="18" charset="0"/>
+                            <a:ea typeface="微软雅黑" panose="020B0503020204020204" pitchFamily="34" charset="-122"/>
+                          </a:rPr>
+                          <m:t>𝐿</m:t>
+                        </m:r>
+                      </m:sup>
+                    </m:sSubSup>
                     <m:r>
-                      <m:rPr>
-                        <m:sty m:val="p"/>
-                      </m:rPr>
-                      <a:rPr lang="en-US" altLang="zh-CN">
+                      <a:rPr lang="en-US" altLang="zh-CN" i="1">
                         <a:latin typeface="Cambria Math" panose="02040503050406030204" pitchFamily="18" charset="0"/>
                         <a:ea typeface="微软雅黑" panose="020B0503020204020204" pitchFamily="34" charset="-122"/>
                       </a:rPr>
-                      <m:t>Σ</m:t>
+                      <m:t> </m:t>
                     </m:r>
                     <m:sSub>
                       <m:sSubPr>
@@ -14400,23 +14983,208 @@
                       </m:sSubPr>
                       <m:e>
                         <m:r>
+                          <a:rPr lang="en-US" altLang="zh-CN" i="1">
+                            <a:latin typeface="Cambria Math" panose="02040503050406030204" pitchFamily="18" charset="0"/>
+                            <a:ea typeface="微软雅黑" panose="020B0503020204020204" pitchFamily="34" charset="-122"/>
+                          </a:rPr>
+                          <m:t>𝜖</m:t>
+                        </m:r>
+                      </m:e>
+                      <m:sub>
+                        <m:r>
+                          <a:rPr lang="en-US" altLang="zh-CN" b="0" i="1" smtClean="0">
+                            <a:latin typeface="Cambria Math" panose="02040503050406030204" pitchFamily="18" charset="0"/>
+                            <a:ea typeface="微软雅黑" panose="020B0503020204020204" pitchFamily="34" charset="-122"/>
+                          </a:rPr>
+                          <m:t>𝑙</m:t>
+                        </m:r>
+                      </m:sub>
+                    </m:sSub>
+                    <m:r>
+                      <a:rPr lang="en-US" altLang="zh-CN" i="1">
+                        <a:latin typeface="Cambria Math" panose="02040503050406030204" pitchFamily="18" charset="0"/>
+                        <a:ea typeface="微软雅黑" panose="020B0503020204020204" pitchFamily="34" charset="-122"/>
+                      </a:rPr>
+                      <m:t>=</m:t>
+                    </m:r>
+                    <m:sSubSup>
+                      <m:sSubSupPr>
+                        <m:ctrlPr>
+                          <a:rPr lang="en-US" altLang="zh-CN" i="1">
+                            <a:latin typeface="Cambria Math" panose="02040503050406030204" pitchFamily="18" charset="0"/>
+                            <a:ea typeface="微软雅黑" panose="020B0503020204020204" pitchFamily="34" charset="-122"/>
+                          </a:rPr>
+                        </m:ctrlPr>
+                      </m:sSubSupPr>
+                      <m:e>
+                        <m:r>
                           <m:rPr>
                             <m:sty m:val="p"/>
                           </m:rPr>
-                          <a:rPr lang="en-US" altLang="zh-CN" i="1" smtClean="0">
+                          <a:rPr lang="en-US" altLang="zh-CN">
                             <a:latin typeface="Cambria Math" panose="02040503050406030204" pitchFamily="18" charset="0"/>
                             <a:ea typeface="微软雅黑" panose="020B0503020204020204" pitchFamily="34" charset="-122"/>
                           </a:rPr>
-                          <m:t>f</m:t>
+                          <m:t>Σ</m:t>
                         </m:r>
                       </m:e>
                       <m:sub>
                         <m:r>
+                          <a:rPr lang="en-US" altLang="zh-CN" b="0" i="1" smtClean="0">
+                            <a:latin typeface="Cambria Math" panose="02040503050406030204" pitchFamily="18" charset="0"/>
+                            <a:ea typeface="微软雅黑" panose="020B0503020204020204" pitchFamily="34" charset="-122"/>
+                          </a:rPr>
+                          <m:t>𝑙</m:t>
+                        </m:r>
+                        <m:r>
                           <a:rPr lang="en-US" altLang="zh-CN" i="1">
                             <a:latin typeface="Cambria Math" panose="02040503050406030204" pitchFamily="18" charset="0"/>
                             <a:ea typeface="微软雅黑" panose="020B0503020204020204" pitchFamily="34" charset="-122"/>
                           </a:rPr>
+                          <m:t>=1</m:t>
+                        </m:r>
+                      </m:sub>
+                      <m:sup>
+                        <m:r>
+                          <a:rPr lang="en-US" altLang="zh-CN" i="1">
+                            <a:latin typeface="Cambria Math" panose="02040503050406030204" pitchFamily="18" charset="0"/>
+                            <a:ea typeface="微软雅黑" panose="020B0503020204020204" pitchFamily="34" charset="-122"/>
+                          </a:rPr>
+                          <m:t>𝐿</m:t>
+                        </m:r>
+                      </m:sup>
+                    </m:sSubSup>
+                    <m:sSub>
+                      <m:sSubPr>
+                        <m:ctrlPr>
+                          <a:rPr lang="en-US" altLang="zh-CN" i="1">
+                            <a:latin typeface="Cambria Math" panose="02040503050406030204" pitchFamily="18" charset="0"/>
+                            <a:ea typeface="微软雅黑" panose="020B0503020204020204" pitchFamily="34" charset="-122"/>
+                          </a:rPr>
+                        </m:ctrlPr>
+                      </m:sSubPr>
+                      <m:e>
+                        <m:r>
+                          <a:rPr lang="en-US" altLang="zh-CN" i="1">
+                            <a:latin typeface="Cambria Math" panose="02040503050406030204" pitchFamily="18" charset="0"/>
+                            <a:ea typeface="微软雅黑" panose="020B0503020204020204" pitchFamily="34" charset="-122"/>
+                          </a:rPr>
+                          <m:t>𝑝</m:t>
+                        </m:r>
+                      </m:e>
+                      <m:sub>
+                        <m:r>
+                          <a:rPr lang="en-US" altLang="zh-CN" b="0" i="1" smtClean="0">
+                            <a:latin typeface="Cambria Math" panose="02040503050406030204" pitchFamily="18" charset="0"/>
+                            <a:ea typeface="微软雅黑" panose="020B0503020204020204" pitchFamily="34" charset="-122"/>
+                          </a:rPr>
+                          <m:t>𝑙</m:t>
+                        </m:r>
+                      </m:sub>
+                    </m:sSub>
+                    <m:r>
+                      <a:rPr lang="en-US" altLang="zh-CN" i="1">
+                        <a:latin typeface="Cambria Math" panose="02040503050406030204" pitchFamily="18" charset="0"/>
+                        <a:ea typeface="微软雅黑" panose="020B0503020204020204" pitchFamily="34" charset="-122"/>
+                      </a:rPr>
+                      <m:t>∗</m:t>
+                    </m:r>
+                    <m:sSubSup>
+                      <m:sSubSupPr>
+                        <m:ctrlPr>
+                          <a:rPr lang="en-US" altLang="zh-CN" i="1">
+                            <a:latin typeface="Cambria Math" panose="02040503050406030204" pitchFamily="18" charset="0"/>
+                            <a:ea typeface="微软雅黑" panose="020B0503020204020204" pitchFamily="34" charset="-122"/>
+                          </a:rPr>
+                        </m:ctrlPr>
+                      </m:sSubSupPr>
+                      <m:e>
+                        <m:r>
+                          <m:rPr>
+                            <m:sty m:val="p"/>
+                          </m:rPr>
+                          <a:rPr lang="en-US" altLang="zh-CN">
+                            <a:latin typeface="Cambria Math" panose="02040503050406030204" pitchFamily="18" charset="0"/>
+                            <a:ea typeface="微软雅黑" panose="020B0503020204020204" pitchFamily="34" charset="-122"/>
+                          </a:rPr>
+                          <m:t>Σ</m:t>
+                        </m:r>
+                      </m:e>
+                      <m:sub>
+                        <m:r>
+                          <a:rPr lang="en-US" altLang="zh-CN" b="0" i="1" smtClean="0">
+                            <a:latin typeface="Cambria Math" panose="02040503050406030204" pitchFamily="18" charset="0"/>
+                            <a:ea typeface="微软雅黑" panose="020B0503020204020204" pitchFamily="34" charset="-122"/>
+                          </a:rPr>
                           <m:t>𝑖</m:t>
+                        </m:r>
+                        <m:r>
+                          <a:rPr lang="en-US" altLang="zh-CN" i="1">
+                            <a:latin typeface="Cambria Math" panose="02040503050406030204" pitchFamily="18" charset="0"/>
+                            <a:ea typeface="微软雅黑" panose="020B0503020204020204" pitchFamily="34" charset="-122"/>
+                          </a:rPr>
+                          <m:t>=1</m:t>
+                        </m:r>
+                      </m:sub>
+                      <m:sup>
+                        <m:sSub>
+                          <m:sSubPr>
+                            <m:ctrlPr>
+                              <a:rPr lang="en-US" altLang="zh-CN" i="1">
+                                <a:latin typeface="Cambria Math" panose="02040503050406030204" pitchFamily="18" charset="0"/>
+                                <a:ea typeface="微软雅黑" panose="020B0503020204020204" pitchFamily="34" charset="-122"/>
+                              </a:rPr>
+                            </m:ctrlPr>
+                          </m:sSubPr>
+                          <m:e>
+                            <m:r>
+                              <a:rPr lang="en-US" altLang="zh-CN" i="1">
+                                <a:latin typeface="Cambria Math" panose="02040503050406030204" pitchFamily="18" charset="0"/>
+                                <a:ea typeface="微软雅黑" panose="020B0503020204020204" pitchFamily="34" charset="-122"/>
+                              </a:rPr>
+                              <m:t>𝑁</m:t>
+                            </m:r>
+                          </m:e>
+                          <m:sub>
+                            <m:r>
+                              <a:rPr lang="en-US" altLang="zh-CN" b="0" i="1" smtClean="0">
+                                <a:latin typeface="Cambria Math" panose="02040503050406030204" pitchFamily="18" charset="0"/>
+                                <a:ea typeface="微软雅黑" panose="020B0503020204020204" pitchFamily="34" charset="-122"/>
+                              </a:rPr>
+                              <m:t>𝑙</m:t>
+                            </m:r>
+                          </m:sub>
+                        </m:sSub>
+                      </m:sup>
+                    </m:sSubSup>
+                    <m:sSub>
+                      <m:sSubPr>
+                        <m:ctrlPr>
+                          <a:rPr lang="en-US" altLang="zh-CN" i="1">
+                            <a:latin typeface="Cambria Math" panose="02040503050406030204" pitchFamily="18" charset="0"/>
+                            <a:ea typeface="微软雅黑" panose="020B0503020204020204" pitchFamily="34" charset="-122"/>
+                          </a:rPr>
+                        </m:ctrlPr>
+                      </m:sSubPr>
+                      <m:e>
+                        <m:r>
+                          <m:rPr>
+                            <m:sty m:val="p"/>
+                          </m:rPr>
+                          <a:rPr lang="en-US" altLang="zh-CN" i="1">
+                            <a:latin typeface="Cambria Math" panose="02040503050406030204" pitchFamily="18" charset="0"/>
+                            <a:ea typeface="微软雅黑" panose="020B0503020204020204" pitchFamily="34" charset="-122"/>
+                          </a:rPr>
+                          <m:t>f</m:t>
+                        </m:r>
+                      </m:e>
+                      <m:sub>
+                        <m:r>
+                          <a:rPr lang="en-US" altLang="zh-CN" b="0" i="1" smtClean="0">
+                            <a:latin typeface="Cambria Math" panose="02040503050406030204" pitchFamily="18" charset="0"/>
+                            <a:ea typeface="微软雅黑" panose="020B0503020204020204" pitchFamily="34" charset="-122"/>
+                          </a:rPr>
+                          <m:t>𝑙𝑖</m:t>
                         </m:r>
                       </m:sub>
                     </m:sSub>
@@ -14430,7 +15198,7 @@
                     <m:sSub>
                       <m:sSubPr>
                         <m:ctrlPr>
-                          <a:rPr lang="en-US" altLang="zh-CN" i="1">
+                          <a:rPr lang="en-US" altLang="zh-CN" i="1" smtClean="0">
                             <a:latin typeface="Cambria Math" panose="02040503050406030204" pitchFamily="18" charset="0"/>
                             <a:ea typeface="微软雅黑" panose="020B0503020204020204" pitchFamily="34" charset="-122"/>
                           </a:rPr>
@@ -14447,6 +15215,13 @@
                       </m:e>
                       <m:sub>
                         <m:r>
+                          <a:rPr lang="en-US" altLang="zh-CN" b="0" i="1" smtClean="0">
+                            <a:latin typeface="Cambria Math" panose="02040503050406030204" pitchFamily="18" charset="0"/>
+                            <a:ea typeface="微软雅黑" panose="020B0503020204020204" pitchFamily="34" charset="-122"/>
+                          </a:rPr>
+                          <m:t>𝑙</m:t>
+                        </m:r>
+                        <m:r>
                           <a:rPr lang="en-US" altLang="zh-CN" i="1">
                             <a:latin typeface="Cambria Math" panose="02040503050406030204" pitchFamily="18" charset="0"/>
                             <a:ea typeface="微软雅黑" panose="020B0503020204020204" pitchFamily="34" charset="-122"/>
@@ -14455,79 +15230,6 @@
                         </m:r>
                       </m:sub>
                     </m:sSub>
-                    <m:r>
-                      <a:rPr lang="en-US" altLang="zh-CN" b="0" i="1" smtClean="0">
-                        <a:latin typeface="Cambria Math" panose="02040503050406030204" pitchFamily="18" charset="0"/>
-                        <a:ea typeface="微软雅黑" panose="020B0503020204020204" pitchFamily="34" charset="-122"/>
-                      </a:rPr>
-                      <m:t>∗</m:t>
-                    </m:r>
-                    <m:sSub>
-                      <m:sSubPr>
-                        <m:ctrlPr>
-                          <a:rPr lang="en-US" altLang="zh-CN" b="0" i="1" smtClean="0">
-                            <a:latin typeface="Cambria Math" panose="02040503050406030204" pitchFamily="18" charset="0"/>
-                            <a:ea typeface="微软雅黑" panose="020B0503020204020204" pitchFamily="34" charset="-122"/>
-                          </a:rPr>
-                        </m:ctrlPr>
-                      </m:sSubPr>
-                      <m:e>
-                        <m:r>
-                          <m:rPr>
-                            <m:sty m:val="p"/>
-                          </m:rPr>
-                          <a:rPr lang="en-US" altLang="zh-CN" i="1">
-                            <a:latin typeface="Cambria Math" panose="02040503050406030204" pitchFamily="18" charset="0"/>
-                            <a:ea typeface="微软雅黑" panose="020B0503020204020204" pitchFamily="34" charset="-122"/>
-                          </a:rPr>
-                          <m:t>p</m:t>
-                        </m:r>
-                      </m:e>
-                      <m:sub>
-                        <m:r>
-                          <a:rPr lang="en-US" altLang="zh-CN" b="0" i="1" smtClean="0">
-                            <a:latin typeface="Cambria Math" panose="02040503050406030204" pitchFamily="18" charset="0"/>
-                            <a:ea typeface="微软雅黑" panose="020B0503020204020204" pitchFamily="34" charset="-122"/>
-                          </a:rPr>
-                          <m:t>𝑖</m:t>
-                        </m:r>
-                      </m:sub>
-                    </m:sSub>
-                    <m:r>
-                      <a:rPr lang="en-US" altLang="zh-CN" i="1">
-                        <a:latin typeface="Cambria Math" panose="02040503050406030204" pitchFamily="18" charset="0"/>
-                        <a:ea typeface="微软雅黑" panose="020B0503020204020204" pitchFamily="34" charset="-122"/>
-                      </a:rPr>
-                      <m:t>,</m:t>
-                    </m:r>
-                    <m:r>
-                      <a:rPr lang="en-US" altLang="zh-CN" i="1">
-                        <a:latin typeface="Cambria Math" panose="02040503050406030204" pitchFamily="18" charset="0"/>
-                        <a:ea typeface="微软雅黑" panose="020B0503020204020204" pitchFamily="34" charset="-122"/>
-                      </a:rPr>
-                      <m:t>𝑖</m:t>
-                    </m:r>
-                    <m:r>
-                      <a:rPr lang="en-US" altLang="zh-CN" i="1">
-                        <a:latin typeface="Cambria Math" panose="02040503050406030204" pitchFamily="18" charset="0"/>
-                        <a:ea typeface="微软雅黑" panose="020B0503020204020204" pitchFamily="34" charset="-122"/>
-                      </a:rPr>
-                      <m:t>∈[1,</m:t>
-                    </m:r>
-                    <m:r>
-                      <a:rPr lang="en-US" altLang="zh-CN" i="1">
-                        <a:latin typeface="Cambria Math" panose="02040503050406030204" pitchFamily="18" charset="0"/>
-                        <a:ea typeface="微软雅黑" panose="020B0503020204020204" pitchFamily="34" charset="-122"/>
-                      </a:rPr>
-                      <m:t>𝑁</m:t>
-                    </m:r>
-                    <m:r>
-                      <a:rPr lang="en-US" altLang="zh-CN" i="1">
-                        <a:latin typeface="Cambria Math" panose="02040503050406030204" pitchFamily="18" charset="0"/>
-                        <a:ea typeface="微软雅黑" panose="020B0503020204020204" pitchFamily="34" charset="-122"/>
-                      </a:rPr>
-                      <m:t>]</m:t>
-                    </m:r>
                   </m:oMath>
                 </a14:m>
                 <a:r>
@@ -14538,7 +15240,7 @@
                   <a:t>,</a:t>
                 </a:r>
                 <a:r>
-                  <a:rPr lang="zh-CN" altLang="en-US" dirty="0">
+                  <a:rPr lang="zh-CN" altLang="en-US" dirty="0" smtClean="0">
                     <a:latin typeface="Cambria Math" panose="02040503050406030204" pitchFamily="18" charset="0"/>
                     <a:ea typeface="微软雅黑" panose="020B0503020204020204" pitchFamily="34" charset="-122"/>
                   </a:rPr>
@@ -14549,21 +15251,49 @@
                     <a:latin typeface="Cambria Math" panose="02040503050406030204" pitchFamily="18" charset="0"/>
                     <a:ea typeface="微软雅黑" panose="020B0503020204020204" pitchFamily="34" charset="-122"/>
                   </a:rPr>
-                  <a:t>N</a:t>
-                </a:r>
-                <a:r>
-                  <a:rPr lang="zh-CN" altLang="en-US" dirty="0">
-                    <a:latin typeface="Cambria Math" panose="02040503050406030204" pitchFamily="18" charset="0"/>
-                    <a:ea typeface="微软雅黑" panose="020B0503020204020204" pitchFamily="34" charset="-122"/>
-                  </a:rPr>
-                  <a:t>是神经元</a:t>
+                  <a:t>L</a:t>
                 </a:r>
                 <a:r>
                   <a:rPr lang="zh-CN" altLang="en-US" dirty="0" smtClean="0">
                     <a:latin typeface="Cambria Math" panose="02040503050406030204" pitchFamily="18" charset="0"/>
                     <a:ea typeface="微软雅黑" panose="020B0503020204020204" pitchFamily="34" charset="-122"/>
                   </a:rPr>
-                  <a:t>个数</a:t>
+                  <a:t>是层数，</a:t>
+                </a:r>
+                <a:r>
+                  <a:rPr lang="en-US" altLang="zh-CN" dirty="0" err="1" smtClean="0">
+                    <a:latin typeface="Cambria Math" panose="02040503050406030204" pitchFamily="18" charset="0"/>
+                    <a:ea typeface="微软雅黑" panose="020B0503020204020204" pitchFamily="34" charset="-122"/>
+                  </a:rPr>
+                  <a:t>Nl</a:t>
+                </a:r>
+                <a:r>
+                  <a:rPr lang="zh-CN" altLang="en-US" dirty="0" smtClean="0">
+                    <a:latin typeface="Cambria Math" panose="02040503050406030204" pitchFamily="18" charset="0"/>
+                    <a:ea typeface="微软雅黑" panose="020B0503020204020204" pitchFamily="34" charset="-122"/>
+                  </a:rPr>
+                  <a:t>是</a:t>
+                </a:r>
+                <a:r>
+                  <a:rPr lang="en-US" altLang="zh-CN" dirty="0" err="1">
+                    <a:latin typeface="Cambria Math" panose="02040503050406030204" pitchFamily="18" charset="0"/>
+                    <a:ea typeface="微软雅黑" panose="020B0503020204020204" pitchFamily="34" charset="-122"/>
+                  </a:rPr>
+                  <a:t>l</a:t>
+                </a:r>
+                <a:r>
+                  <a:rPr lang="zh-CN" altLang="en-US" dirty="0" smtClean="0">
+                    <a:latin typeface="Cambria Math" panose="02040503050406030204" pitchFamily="18" charset="0"/>
+                    <a:ea typeface="微软雅黑" panose="020B0503020204020204" pitchFamily="34" charset="-122"/>
+                  </a:rPr>
+                  <a:t>层</a:t>
+                </a:r>
+                <a:r>
+                  <a:rPr lang="zh-CN" altLang="en-US" dirty="0" smtClean="0">
+                    <a:latin typeface="Cambria Math" panose="02040503050406030204" pitchFamily="18" charset="0"/>
+                    <a:ea typeface="微软雅黑" panose="020B0503020204020204" pitchFamily="34" charset="-122"/>
+                  </a:rPr>
+                  <a:t>神经元个数</a:t>
                 </a:r>
                 <a:endParaRPr lang="en-US" altLang="zh-CN" dirty="0" smtClean="0">
                   <a:latin typeface="Cambria Math" panose="02040503050406030204" pitchFamily="18" charset="0"/>
@@ -14579,7 +15309,127 @@
                     <a:latin typeface="Cambria Math" panose="02040503050406030204" pitchFamily="18" charset="0"/>
                     <a:ea typeface="微软雅黑" panose="020B0503020204020204" pitchFamily="34" charset="-122"/>
                   </a:rPr>
-                  <a:t>其中是每个神经元的</a:t>
+                  <a:t>其中</a:t>
+                </a:r>
+                <a:endParaRPr lang="en-US" altLang="zh-CN" sz="2000" dirty="0" smtClean="0">
+                  <a:latin typeface="Cambria Math" panose="02040503050406030204" pitchFamily="18" charset="0"/>
+                  <a:ea typeface="微软雅黑" panose="020B0503020204020204" pitchFamily="34" charset="-122"/>
+                </a:endParaRPr>
+              </a:p>
+              <a:p>
+                <a:pPr marL="457200" lvl="1" indent="0">
+                  <a:buNone/>
+                </a:pPr>
+                <a14:m>
+                  <m:oMath xmlns:m="http://schemas.openxmlformats.org/officeDocument/2006/math">
+                    <m:sSub>
+                      <m:sSubPr>
+                        <m:ctrlPr>
+                          <a:rPr lang="en-US" altLang="zh-CN" sz="2000" i="1">
+                            <a:latin typeface="Cambria Math" panose="02040503050406030204" pitchFamily="18" charset="0"/>
+                            <a:ea typeface="微软雅黑" panose="020B0503020204020204" pitchFamily="34" charset="-122"/>
+                          </a:rPr>
+                        </m:ctrlPr>
+                      </m:sSubPr>
+                      <m:e>
+                        <m:r>
+                          <a:rPr lang="en-US" altLang="zh-CN" sz="2000" b="0" i="1" smtClean="0">
+                            <a:latin typeface="Cambria Math" panose="02040503050406030204" pitchFamily="18" charset="0"/>
+                            <a:ea typeface="微软雅黑" panose="020B0503020204020204" pitchFamily="34" charset="-122"/>
+                          </a:rPr>
+                          <m:t>𝑝</m:t>
+                        </m:r>
+                      </m:e>
+                      <m:sub>
+                        <m:r>
+                          <a:rPr lang="en-US" altLang="zh-CN" sz="2000" b="0" i="1" smtClean="0">
+                            <a:latin typeface="Cambria Math" panose="02040503050406030204" pitchFamily="18" charset="0"/>
+                            <a:ea typeface="微软雅黑" panose="020B0503020204020204" pitchFamily="34" charset="-122"/>
+                          </a:rPr>
+                          <m:t>𝑙</m:t>
+                        </m:r>
+                      </m:sub>
+                    </m:sSub>
+                  </m:oMath>
+                </a14:m>
+                <a:r>
+                  <a:rPr lang="zh-CN" altLang="en-US" sz="2000" dirty="0" smtClean="0">
+                    <a:latin typeface="Cambria Math" panose="02040503050406030204" pitchFamily="18" charset="0"/>
+                    <a:ea typeface="微软雅黑" panose="020B0503020204020204" pitchFamily="34" charset="-122"/>
+                  </a:rPr>
+                  <a:t>是剪枝带来的误差</a:t>
+                </a:r>
+                <a:r>
+                  <a:rPr lang="en-US" altLang="zh-CN" sz="2000" dirty="0" smtClean="0">
+                    <a:latin typeface="Cambria Math" panose="02040503050406030204" pitchFamily="18" charset="0"/>
+                    <a:ea typeface="微软雅黑" panose="020B0503020204020204" pitchFamily="34" charset="-122"/>
+                  </a:rPr>
+                  <a:t>;</a:t>
+                </a:r>
+              </a:p>
+              <a:p>
+                <a:pPr marL="457200" lvl="1" indent="0">
+                  <a:buNone/>
+                </a:pPr>
+                <a14:m>
+                  <m:oMath xmlns:m="http://schemas.openxmlformats.org/officeDocument/2006/math">
+                    <m:sSub>
+                      <m:sSubPr>
+                        <m:ctrlPr>
+                          <a:rPr lang="en-US" altLang="zh-CN" sz="2000" i="1">
+                            <a:latin typeface="Cambria Math" panose="02040503050406030204" pitchFamily="18" charset="0"/>
+                            <a:ea typeface="微软雅黑" panose="020B0503020204020204" pitchFamily="34" charset="-122"/>
+                          </a:rPr>
+                        </m:ctrlPr>
+                      </m:sSubPr>
+                      <m:e>
+                        <m:r>
+                          <a:rPr lang="en-US" altLang="zh-CN" sz="2000" i="1">
+                            <a:latin typeface="Cambria Math" panose="02040503050406030204" pitchFamily="18" charset="0"/>
+                            <a:ea typeface="微软雅黑" panose="020B0503020204020204" pitchFamily="34" charset="-122"/>
+                          </a:rPr>
+                          <m:t>𝑠</m:t>
+                        </m:r>
+                      </m:e>
+                      <m:sub>
+                        <m:r>
+                          <a:rPr lang="en-US" altLang="zh-CN" sz="2000" b="0" i="1" smtClean="0">
+                            <a:latin typeface="Cambria Math" panose="02040503050406030204" pitchFamily="18" charset="0"/>
+                            <a:ea typeface="微软雅黑" panose="020B0503020204020204" pitchFamily="34" charset="-122"/>
+                          </a:rPr>
+                          <m:t>𝑙</m:t>
+                        </m:r>
+                      </m:sub>
+                    </m:sSub>
+                  </m:oMath>
+                </a14:m>
+                <a:r>
+                  <a:rPr lang="zh-CN" altLang="en-US" sz="2000" dirty="0" smtClean="0">
+                    <a:latin typeface="Cambria Math" panose="02040503050406030204" pitchFamily="18" charset="0"/>
+                    <a:ea typeface="微软雅黑" panose="020B0503020204020204" pitchFamily="34" charset="-122"/>
+                  </a:rPr>
+                  <a:t>是</a:t>
+                </a:r>
+                <a:r>
+                  <a:rPr lang="en-US" altLang="zh-CN" sz="2000" dirty="0" smtClean="0">
+                    <a:latin typeface="Cambria Math" panose="02040503050406030204" pitchFamily="18" charset="0"/>
+                    <a:ea typeface="微软雅黑" panose="020B0503020204020204" pitchFamily="34" charset="-122"/>
+                  </a:rPr>
+                  <a:t>l</a:t>
+                </a:r>
+                <a:r>
+                  <a:rPr lang="zh-CN" altLang="en-US" sz="2000" dirty="0" smtClean="0">
+                    <a:latin typeface="Cambria Math" panose="02040503050406030204" pitchFamily="18" charset="0"/>
+                    <a:ea typeface="微软雅黑" panose="020B0503020204020204" pitchFamily="34" charset="-122"/>
+                  </a:rPr>
+                  <a:t>层每个</a:t>
+                </a:r>
+                <a:r>
+                  <a:rPr lang="zh-CN" altLang="en-US" sz="2000" dirty="0" smtClean="0">
+                    <a:latin typeface="Cambria Math" panose="02040503050406030204" pitchFamily="18" charset="0"/>
+                    <a:ea typeface="微软雅黑" panose="020B0503020204020204" pitchFamily="34" charset="-122"/>
+                  </a:rPr>
+                  <a:t>神经元的</a:t>
                 </a:r>
                 <a:r>
                   <a:rPr lang="en-US" altLang="zh-CN" sz="2000" dirty="0" smtClean="0">
@@ -14616,6 +15466,13 @@
                         </m:r>
                       </m:e>
                       <m:sub>
+                        <m:r>
+                          <a:rPr lang="en-US" altLang="zh-CN" sz="2000" b="0" i="1" smtClean="0">
+                            <a:latin typeface="Cambria Math" panose="02040503050406030204" pitchFamily="18" charset="0"/>
+                            <a:ea typeface="微软雅黑" panose="020B0503020204020204" pitchFamily="34" charset="-122"/>
+                          </a:rPr>
+                          <m:t>𝑙</m:t>
+                        </m:r>
                         <m:r>
                           <a:rPr lang="en-US" altLang="zh-CN" sz="2000" i="1">
                             <a:latin typeface="Cambria Math" panose="02040503050406030204" pitchFamily="18" charset="0"/>
@@ -14646,7 +15503,7 @@
                     <a:latin typeface="Cambria Math" panose="02040503050406030204" pitchFamily="18" charset="0"/>
                     <a:ea typeface="微软雅黑" panose="020B0503020204020204" pitchFamily="34" charset="-122"/>
                   </a:rPr>
-                  <a:t> </a:t>
+                  <a:t> ;</a:t>
                 </a:r>
               </a:p>
               <a:p>
@@ -14677,6 +15534,16 @@
                         </m:r>
                       </m:e>
                       <m:sub>
+                        <m:r>
+                          <m:rPr>
+                            <m:sty m:val="p"/>
+                          </m:rPr>
+                          <a:rPr lang="en-US" altLang="zh-CN" sz="2000" i="1">
+                            <a:latin typeface="Cambria Math" panose="02040503050406030204" pitchFamily="18" charset="0"/>
+                            <a:ea typeface="微软雅黑" panose="020B0503020204020204" pitchFamily="34" charset="-122"/>
+                          </a:rPr>
+                          <m:t>l</m:t>
+                        </m:r>
                         <m:r>
                           <a:rPr lang="en-US" altLang="zh-CN" sz="2000" b="0" i="1" smtClean="0">
                             <a:latin typeface="Cambria Math" panose="02040503050406030204" pitchFamily="18" charset="0"/>
@@ -14716,6 +15583,13 @@
                   </a:rPr>
                   <a:t>相关的量</a:t>
                 </a:r>
+                <a:r>
+                  <a:rPr lang="en-US" altLang="zh-CN" sz="2000" dirty="0" smtClean="0">
+                    <a:latin typeface="Cambria Math" panose="02040503050406030204" pitchFamily="18" charset="0"/>
+                    <a:ea typeface="微软雅黑" panose="020B0503020204020204" pitchFamily="34" charset="-122"/>
+                  </a:rPr>
+                  <a:t>;</a:t>
+                </a:r>
                 <a:endParaRPr lang="en-US" altLang="zh-CN" dirty="0" smtClean="0">
                   <a:latin typeface="微软雅黑" panose="020B0503020204020204" pitchFamily="34" charset="-122"/>
                   <a:ea typeface="微软雅黑" panose="020B0503020204020204" pitchFamily="34" charset="-122"/>
@@ -14729,55 +15603,62 @@
                 </a:endParaRPr>
               </a:p>
               <a:p>
-                <a:pPr lvl="1"/>
+                <a:pPr marL="457200" lvl="1" indent="0">
+                  <a:buNone/>
+                </a:pPr>
                 <a14:m>
-                  <m:oMath xmlns:m="http://schemas.openxmlformats.org/officeDocument/2006/math">
-                    <m:sSub>
-                      <m:sSubPr>
-                        <m:ctrlPr>
-                          <a:rPr lang="en-US" altLang="zh-CN" i="1">
-                            <a:latin typeface="Cambria Math" panose="02040503050406030204" pitchFamily="18" charset="0"/>
-                            <a:ea typeface="微软雅黑" panose="020B0503020204020204" pitchFamily="34" charset="-122"/>
-                          </a:rPr>
-                        </m:ctrlPr>
-                      </m:sSubPr>
-                      <m:e>
-                        <m:r>
-                          <m:rPr>
-                            <m:sty m:val="p"/>
-                          </m:rPr>
-                          <a:rPr lang="en-US" altLang="zh-CN" i="1">
-                            <a:latin typeface="Cambria Math" panose="02040503050406030204" pitchFamily="18" charset="0"/>
-                            <a:ea typeface="微软雅黑" panose="020B0503020204020204" pitchFamily="34" charset="-122"/>
-                          </a:rPr>
-                          <m:t>f</m:t>
-                        </m:r>
-                      </m:e>
-                      <m:sub>
-                        <m:r>
-                          <a:rPr lang="en-US" altLang="zh-CN" i="1">
-                            <a:latin typeface="Cambria Math" panose="02040503050406030204" pitchFamily="18" charset="0"/>
-                            <a:ea typeface="微软雅黑" panose="020B0503020204020204" pitchFamily="34" charset="-122"/>
-                          </a:rPr>
-                          <m:t>𝑖</m:t>
-                        </m:r>
-                      </m:sub>
-                    </m:sSub>
-                    <m:r>
-                      <a:rPr lang="zh-CN" altLang="en-US" i="1" smtClean="0">
-                        <a:latin typeface="Cambria Math" panose="02040503050406030204" pitchFamily="18" charset="0"/>
-                        <a:ea typeface="微软雅黑" panose="020B0503020204020204" pitchFamily="34" charset="-122"/>
-                      </a:rPr>
-                      <m:t>的</m:t>
-                    </m:r>
-                    <m:r>
-                      <a:rPr lang="zh-CN" altLang="en-US" i="1">
-                        <a:latin typeface="Cambria Math" panose="02040503050406030204" pitchFamily="18" charset="0"/>
-                        <a:ea typeface="微软雅黑" panose="020B0503020204020204" pitchFamily="34" charset="-122"/>
-                      </a:rPr>
-                      <m:t>计算</m:t>
-                    </m:r>
-                  </m:oMath>
+                  <m:oMathPara xmlns:m="http://schemas.openxmlformats.org/officeDocument/2006/math">
+                    <m:oMathParaPr>
+                      <m:jc m:val="left"/>
+                    </m:oMathParaPr>
+                    <m:oMath xmlns:m="http://schemas.openxmlformats.org/officeDocument/2006/math">
+                      <m:sSub>
+                        <m:sSubPr>
+                          <m:ctrlPr>
+                            <a:rPr lang="en-US" altLang="zh-CN" i="1">
+                              <a:latin typeface="Cambria Math" panose="02040503050406030204" pitchFamily="18" charset="0"/>
+                              <a:ea typeface="微软雅黑" panose="020B0503020204020204" pitchFamily="34" charset="-122"/>
+                            </a:rPr>
+                          </m:ctrlPr>
+                        </m:sSubPr>
+                        <m:e>
+                          <m:r>
+                            <m:rPr>
+                              <m:sty m:val="p"/>
+                            </m:rPr>
+                            <a:rPr lang="en-US" altLang="zh-CN" i="1">
+                              <a:latin typeface="Cambria Math" panose="02040503050406030204" pitchFamily="18" charset="0"/>
+                              <a:ea typeface="微软雅黑" panose="020B0503020204020204" pitchFamily="34" charset="-122"/>
+                            </a:rPr>
+                            <m:t>f</m:t>
+                          </m:r>
+                        </m:e>
+                        <m:sub>
+                          <m:r>
+                            <a:rPr lang="en-US" altLang="zh-CN" i="1">
+                              <a:latin typeface="Cambria Math" panose="02040503050406030204" pitchFamily="18" charset="0"/>
+                              <a:ea typeface="微软雅黑" panose="020B0503020204020204" pitchFamily="34" charset="-122"/>
+                            </a:rPr>
+                            <m:t>𝑖</m:t>
+                          </m:r>
+                        </m:sub>
+                      </m:sSub>
+                      <m:r>
+                        <a:rPr lang="zh-CN" altLang="en-US" i="1" smtClean="0">
+                          <a:latin typeface="Cambria Math" panose="02040503050406030204" pitchFamily="18" charset="0"/>
+                          <a:ea typeface="微软雅黑" panose="020B0503020204020204" pitchFamily="34" charset="-122"/>
+                        </a:rPr>
+                        <m:t>的</m:t>
+                      </m:r>
+                      <m:r>
+                        <a:rPr lang="zh-CN" altLang="en-US" i="1">
+                          <a:latin typeface="Cambria Math" panose="02040503050406030204" pitchFamily="18" charset="0"/>
+                          <a:ea typeface="微软雅黑" panose="020B0503020204020204" pitchFamily="34" charset="-122"/>
+                        </a:rPr>
+                        <m:t>计算</m:t>
+                      </m:r>
+                    </m:oMath>
+                  </m:oMathPara>
                 </a14:m>
                 <a:endParaRPr lang="en-US" altLang="zh-CN" dirty="0">
                   <a:latin typeface="微软雅黑" panose="020B0503020204020204" pitchFamily="34" charset="-122"/>
@@ -14935,7 +15816,7 @@
                     <a:latin typeface="Cambria Math" panose="02040503050406030204" pitchFamily="18" charset="0"/>
                     <a:ea typeface="微软雅黑" panose="020B0503020204020204" pitchFamily="34" charset="-122"/>
                   </a:rPr>
-                  <a:t>                其中</a:t>
+                  <a:t> 其中</a:t>
                 </a:r>
                 <a:endParaRPr lang="en-US" altLang="zh-CN" sz="2000" dirty="0" smtClean="0">
                   <a:latin typeface="Cambria Math" panose="02040503050406030204" pitchFamily="18" charset="0"/>
@@ -14972,7 +15853,28 @@
                     <a:latin typeface="Cambria Math" panose="02040503050406030204" pitchFamily="18" charset="0"/>
                     <a:ea typeface="微软雅黑" panose="020B0503020204020204" pitchFamily="34" charset="-122"/>
                   </a:rPr>
-                  <a:t>有关</a:t>
+                  <a:t>有关 </a:t>
+                </a:r>
+                <a:r>
+                  <a:rPr lang="en-US" altLang="zh-CN" sz="2000" dirty="0" smtClean="0">
+                    <a:latin typeface="Cambria Math" panose="02040503050406030204" pitchFamily="18" charset="0"/>
+                    <a:ea typeface="微软雅黑" panose="020B0503020204020204" pitchFamily="34" charset="-122"/>
+                  </a:rPr>
+                  <a:t>(* q</a:t>
+                </a:r>
+                <a:r>
+                  <a:rPr lang="zh-CN" altLang="en-US" sz="2000" dirty="0" smtClean="0">
+                    <a:latin typeface="Cambria Math" panose="02040503050406030204" pitchFamily="18" charset="0"/>
+                    <a:ea typeface="微软雅黑" panose="020B0503020204020204" pitchFamily="34" charset="-122"/>
+                  </a:rPr>
+                  <a:t>可以针对</a:t>
+                </a:r>
+                <a:r>
+                  <a:rPr lang="en-US" altLang="zh-CN" sz="2000" dirty="0" smtClean="0">
+                    <a:latin typeface="Cambria Math" panose="02040503050406030204" pitchFamily="18" charset="0"/>
+                    <a:ea typeface="微软雅黑" panose="020B0503020204020204" pitchFamily="34" charset="-122"/>
+                  </a:rPr>
+                  <a:t>data/weight)</a:t>
                 </a:r>
                 <a:endParaRPr lang="en-US" altLang="zh-CN" sz="2000" dirty="0" smtClean="0">
                   <a:latin typeface="Cambria Math" panose="02040503050406030204" pitchFamily="18" charset="0"/>
@@ -15038,13 +15940,34 @@
                       </a:rPr>
                       <m:t>|</m:t>
                     </m:r>
-                    <m:r>
-                      <a:rPr lang="en-US" altLang="zh-CN" b="0" i="1" smtClean="0">
-                        <a:latin typeface="Cambria Math" panose="02040503050406030204" pitchFamily="18" charset="0"/>
-                        <a:ea typeface="微软雅黑" panose="020B0503020204020204" pitchFamily="34" charset="-122"/>
-                      </a:rPr>
-                      <m:t>𝑥</m:t>
-                    </m:r>
+                    <m:sSub>
+                      <m:sSubPr>
+                        <m:ctrlPr>
+                          <a:rPr lang="en-US" altLang="zh-CN" b="0" i="1" smtClean="0">
+                            <a:latin typeface="Cambria Math" panose="02040503050406030204" pitchFamily="18" charset="0"/>
+                            <a:ea typeface="微软雅黑" panose="020B0503020204020204" pitchFamily="34" charset="-122"/>
+                          </a:rPr>
+                        </m:ctrlPr>
+                      </m:sSubPr>
+                      <m:e>
+                        <m:r>
+                          <a:rPr lang="en-US" altLang="zh-CN" b="0" i="1" smtClean="0">
+                            <a:latin typeface="Cambria Math" panose="02040503050406030204" pitchFamily="18" charset="0"/>
+                            <a:ea typeface="微软雅黑" panose="020B0503020204020204" pitchFamily="34" charset="-122"/>
+                          </a:rPr>
+                          <m:t>𝑊</m:t>
+                        </m:r>
+                      </m:e>
+                      <m:sub>
+                        <m:r>
+                          <a:rPr lang="en-US" altLang="zh-CN" b="0" i="1" smtClean="0">
+                            <a:latin typeface="Cambria Math" panose="02040503050406030204" pitchFamily="18" charset="0"/>
+                            <a:ea typeface="微软雅黑" panose="020B0503020204020204" pitchFamily="34" charset="-122"/>
+                          </a:rPr>
+                          <m:t>𝑓𝑙𝑜𝑎𝑡</m:t>
+                        </m:r>
+                      </m:sub>
+                    </m:sSub>
                     <m:r>
                       <a:rPr lang="en-US" altLang="zh-CN" b="0" i="1" smtClean="0">
                         <a:latin typeface="Cambria Math" panose="02040503050406030204" pitchFamily="18" charset="0"/>
@@ -15057,7 +15980,7 @@
                         <a:latin typeface="Cambria Math" panose="02040503050406030204" pitchFamily="18" charset="0"/>
                         <a:ea typeface="微软雅黑" panose="020B0503020204020204" pitchFamily="34" charset="-122"/>
                       </a:rPr>
-                      <m:t>𝑥</m:t>
+                      <m:t>𝑊</m:t>
                     </m:r>
                     <m:r>
                       <a:rPr lang="en-US" altLang="zh-CN" b="0" i="1" smtClean="0">
@@ -15099,18 +16022,25 @@
                   <a:t>其中</a:t>
                 </a:r>
                 <a:r>
-                  <a:rPr lang="en-US" altLang="zh-CN" sz="2000" dirty="0" smtClean="0">
+                  <a:rPr lang="en-US" altLang="zh-CN" sz="2000" dirty="0">
                     <a:latin typeface="Cambria Math" panose="02040503050406030204" pitchFamily="18" charset="0"/>
                     <a:ea typeface="微软雅黑" panose="020B0503020204020204" pitchFamily="34" charset="-122"/>
                   </a:rPr>
-                  <a:t>x</a:t>
+                  <a:t>W</a:t>
                 </a:r>
                 <a:r>
                   <a:rPr lang="zh-CN" altLang="en-US" sz="2000" dirty="0" smtClean="0">
                     <a:latin typeface="Cambria Math" panose="02040503050406030204" pitchFamily="18" charset="0"/>
                     <a:ea typeface="微软雅黑" panose="020B0503020204020204" pitchFamily="34" charset="-122"/>
                   </a:rPr>
-                  <a:t>的该神经元的权重（使用</a:t>
+                  <a:t>的</a:t>
+                </a:r>
+                <a:r>
+                  <a:rPr lang="zh-CN" altLang="en-US" sz="2000" dirty="0" smtClean="0">
+                    <a:latin typeface="Cambria Math" panose="02040503050406030204" pitchFamily="18" charset="0"/>
+                    <a:ea typeface="微软雅黑" panose="020B0503020204020204" pitchFamily="34" charset="-122"/>
+                  </a:rPr>
+                  <a:t>该神经元的权重（使用</a:t>
                 </a:r>
                 <a:r>
                   <a:rPr lang="en-US" altLang="zh-CN" sz="2000" dirty="0" smtClean="0">
@@ -15124,14 +16054,28 @@
                     <a:latin typeface="Cambria Math" panose="02040503050406030204" pitchFamily="18" charset="0"/>
                     <a:ea typeface="微软雅黑" panose="020B0503020204020204" pitchFamily="34" charset="-122"/>
                   </a:rPr>
-                  <a:t>位浮点表示），</a:t>
+                  <a:t>位浮点表示</a:t>
+                </a:r>
+                <a:r>
+                  <a:rPr lang="zh-CN" altLang="en-US" sz="2000" dirty="0" smtClean="0">
+                    <a:latin typeface="Cambria Math" panose="02040503050406030204" pitchFamily="18" charset="0"/>
+                    <a:ea typeface="微软雅黑" panose="020B0503020204020204" pitchFamily="34" charset="-122"/>
+                  </a:rPr>
+                  <a:t>），</a:t>
+                </a:r>
+                <a:r>
+                  <a:rPr lang="en-US" altLang="zh-CN" sz="2000" dirty="0">
+                    <a:latin typeface="Cambria Math" panose="02040503050406030204" pitchFamily="18" charset="0"/>
+                    <a:ea typeface="微软雅黑" panose="020B0503020204020204" pitchFamily="34" charset="-122"/>
+                  </a:rPr>
+                  <a:t>W</a:t>
                 </a:r>
                 <a:r>
                   <a:rPr lang="en-US" altLang="zh-CN" sz="2000" dirty="0" smtClean="0">
                     <a:latin typeface="Cambria Math" panose="02040503050406030204" pitchFamily="18" charset="0"/>
                     <a:ea typeface="微软雅黑" panose="020B0503020204020204" pitchFamily="34" charset="-122"/>
                   </a:rPr>
-                  <a:t>x’</a:t>
+                  <a:t>’</a:t>
                 </a:r>
                 <a:r>
                   <a:rPr lang="zh-CN" altLang="en-US" sz="2000" dirty="0" smtClean="0">
@@ -15141,18 +16085,25 @@
                   <a:t>是</a:t>
                 </a:r>
                 <a:r>
-                  <a:rPr lang="en-US" altLang="zh-CN" sz="2000" dirty="0" smtClean="0">
+                  <a:rPr lang="en-US" altLang="zh-CN" sz="2000" dirty="0">
                     <a:latin typeface="Cambria Math" panose="02040503050406030204" pitchFamily="18" charset="0"/>
                     <a:ea typeface="微软雅黑" panose="020B0503020204020204" pitchFamily="34" charset="-122"/>
                   </a:rPr>
-                  <a:t>x</a:t>
+                  <a:t>W</a:t>
                 </a:r>
                 <a:r>
                   <a:rPr lang="zh-CN" altLang="en-US" sz="2000" dirty="0" smtClean="0">
                     <a:latin typeface="Cambria Math" panose="02040503050406030204" pitchFamily="18" charset="0"/>
                     <a:ea typeface="微软雅黑" panose="020B0503020204020204" pitchFamily="34" charset="-122"/>
                   </a:rPr>
-                  <a:t>量化后的值</a:t>
+                  <a:t>量化</a:t>
+                </a:r>
+                <a:r>
+                  <a:rPr lang="zh-CN" altLang="en-US" sz="2000" dirty="0" smtClean="0">
+                    <a:latin typeface="Cambria Math" panose="02040503050406030204" pitchFamily="18" charset="0"/>
+                    <a:ea typeface="微软雅黑" panose="020B0503020204020204" pitchFamily="34" charset="-122"/>
+                  </a:rPr>
+                  <a:t>后的值</a:t>
                 </a:r>
                 <a:endParaRPr lang="en-US" altLang="zh-CN" sz="2000" dirty="0" smtClean="0">
                   <a:latin typeface="Cambria Math" panose="02040503050406030204" pitchFamily="18" charset="0"/>
@@ -15181,7 +16132,7 @@
               <a:blipFill rotWithShape="0">
                 <a:blip r:embed="rId3"/>
                 <a:stretch>
-                  <a:fillRect t="-1816"/>
+                  <a:fillRect t="-2594"/>
                 </a:stretch>
               </a:blipFill>
             </p:spPr>
@@ -15298,7 +16249,7 @@
         </p:blipFill>
         <p:spPr>
           <a:xfrm flipH="1">
-            <a:off x="675473" y="3383307"/>
+            <a:off x="675471" y="3637039"/>
             <a:ext cx="243205" cy="243205"/>
           </a:xfrm>
           <a:prstGeom prst="rect">
@@ -15314,7 +16265,7 @@
         </p:nvSpPr>
         <p:spPr>
           <a:xfrm>
-            <a:off x="797074" y="5499665"/>
+            <a:off x="675472" y="6129610"/>
             <a:ext cx="10013146" cy="646331"/>
           </a:xfrm>
           <a:prstGeom prst="rect">
@@ -15439,7 +16390,7 @@
         </p:blipFill>
         <p:spPr>
           <a:xfrm>
-            <a:off x="8727310" y="3865772"/>
+            <a:off x="9376941" y="4309561"/>
             <a:ext cx="1976859" cy="1394633"/>
           </a:xfrm>
           <a:prstGeom prst="rect">
@@ -15492,43 +16443,1429 @@
           <a:chExt cx="0" cy="0"/>
         </a:xfrm>
       </p:grpSpPr>
-      <p:sp>
-        <p:nvSpPr>
-          <p:cNvPr id="7" name="内容占位符 2"/>
-          <p:cNvSpPr>
-            <a:spLocks noGrp="1"/>
-          </p:cNvSpPr>
-          <p:nvPr>
-            <p:ph idx="1"/>
-          </p:nvPr>
-        </p:nvSpPr>
-        <p:spPr>
-          <a:xfrm>
-            <a:off x="577850" y="1260974"/>
-            <a:ext cx="11077856" cy="4698005"/>
-          </a:xfrm>
-        </p:spPr>
-        <p:txBody>
-          <a:bodyPr>
-            <a:normAutofit/>
-          </a:bodyPr>
-          <a:lstStyle/>
-          <a:p>
-            <a:pPr lvl="1"/>
-            <a:r>
-              <a:rPr lang="en-US" altLang="zh-CN" dirty="0" smtClean="0">
-                <a:latin typeface="Cambria Math" panose="02040503050406030204" pitchFamily="18" charset="0"/>
-                <a:ea typeface="微软雅黑" panose="020B0503020204020204" pitchFamily="34" charset="-122"/>
-              </a:rPr>
-              <a:t>Network pruning factor</a:t>
-            </a:r>
-            <a:endParaRPr lang="en-US" altLang="zh-CN" i="1" dirty="0" smtClean="0">
-              <a:latin typeface="Cambria Math" panose="02040503050406030204" pitchFamily="18" charset="0"/>
-              <a:ea typeface="微软雅黑" panose="020B0503020204020204" pitchFamily="34" charset="-122"/>
-            </a:endParaRPr>
-          </a:p>
-        </p:txBody>
-      </p:sp>
+      <mc:AlternateContent xmlns:mc="http://schemas.openxmlformats.org/markup-compatibility/2006">
+        <mc:Choice xmlns:a14="http://schemas.microsoft.com/office/drawing/2010/main" Requires="a14">
+          <p:sp>
+            <p:nvSpPr>
+              <p:cNvPr id="7" name="内容占位符 2"/>
+              <p:cNvSpPr>
+                <a:spLocks noGrp="1"/>
+              </p:cNvSpPr>
+              <p:nvPr>
+                <p:ph idx="1"/>
+              </p:nvPr>
+            </p:nvSpPr>
+            <p:spPr>
+              <a:xfrm>
+                <a:off x="577850" y="1260974"/>
+                <a:ext cx="11077856" cy="4698005"/>
+              </a:xfrm>
+            </p:spPr>
+            <p:txBody>
+              <a:bodyPr>
+                <a:normAutofit/>
+              </a:bodyPr>
+              <a:lstStyle/>
+              <a:p>
+                <a:pPr marL="457200" lvl="1" indent="0">
+                  <a:buNone/>
+                </a:pPr>
+                <a:r>
+                  <a:rPr lang="en-US" altLang="zh-CN" dirty="0" smtClean="0">
+                    <a:latin typeface="Cambria Math" panose="02040503050406030204" pitchFamily="18" charset="0"/>
+                    <a:ea typeface="微软雅黑" panose="020B0503020204020204" pitchFamily="34" charset="-122"/>
+                  </a:rPr>
+                  <a:t>Network pruning factor</a:t>
+                </a:r>
+                <a:r>
+                  <a:rPr lang="zh-CN" altLang="en-US" dirty="0" smtClean="0">
+                    <a:latin typeface="Cambria Math" panose="02040503050406030204" pitchFamily="18" charset="0"/>
+                    <a:ea typeface="微软雅黑" panose="020B0503020204020204" pitchFamily="34" charset="-122"/>
+                  </a:rPr>
+                  <a:t>，参考</a:t>
+                </a:r>
+                <a:r>
+                  <a:rPr lang="zh-CN" altLang="en-US" dirty="0" smtClean="0">
+                    <a:latin typeface="Cambria Math" panose="02040503050406030204" pitchFamily="18" charset="0"/>
+                    <a:ea typeface="微软雅黑" panose="020B0503020204020204" pitchFamily="34" charset="-122"/>
+                  </a:rPr>
+                  <a:t>论文 </a:t>
+                </a:r>
+                <a:r>
+                  <a:rPr lang="en-US" altLang="zh-CN" dirty="0"/>
+                  <a:t>Efficient DNN neuron </a:t>
+                </a:r>
+                <a:r>
+                  <a:rPr lang="en-US" altLang="zh-CN" dirty="0" smtClean="0"/>
+                  <a:t>pruning[1]</a:t>
+                </a:r>
+              </a:p>
+              <a:p>
+                <a:pPr marL="457200" lvl="1" indent="0">
+                  <a:buNone/>
+                </a:pPr>
+                <a:r>
+                  <a:rPr lang="zh-CN" altLang="en-US" dirty="0" smtClean="0">
+                    <a:latin typeface="Cambria Math" panose="02040503050406030204" pitchFamily="18" charset="0"/>
+                    <a:ea typeface="微软雅黑" panose="020B0503020204020204" pitchFamily="34" charset="-122"/>
+                  </a:rPr>
+                  <a:t>按</a:t>
+                </a:r>
+                <a:r>
+                  <a:rPr lang="zh-CN" altLang="en-US" dirty="0" smtClean="0">
+                    <a:latin typeface="Cambria Math" panose="02040503050406030204" pitchFamily="18" charset="0"/>
+                    <a:ea typeface="微软雅黑" panose="020B0503020204020204" pitchFamily="34" charset="-122"/>
+                  </a:rPr>
+                  <a:t>层剪枝（</a:t>
+                </a:r>
+                <a:r>
+                  <a:rPr lang="en-US" altLang="zh-CN" dirty="0" smtClean="0">
+                    <a:latin typeface="Cambria Math" panose="02040503050406030204" pitchFamily="18" charset="0"/>
+                    <a:ea typeface="微软雅黑" panose="020B0503020204020204" pitchFamily="34" charset="-122"/>
+                  </a:rPr>
+                  <a:t>layer-wise</a:t>
+                </a:r>
+                <a:r>
+                  <a:rPr lang="zh-CN" altLang="en-US" dirty="0" smtClean="0">
+                    <a:latin typeface="Cambria Math" panose="02040503050406030204" pitchFamily="18" charset="0"/>
+                    <a:ea typeface="微软雅黑" panose="020B0503020204020204" pitchFamily="34" charset="-122"/>
+                  </a:rPr>
+                  <a:t>）</a:t>
+                </a:r>
+                <a:r>
+                  <a:rPr lang="zh-CN" altLang="en-US" dirty="0">
+                    <a:latin typeface="Cambria Math" panose="02040503050406030204" pitchFamily="18" charset="0"/>
+                    <a:ea typeface="微软雅黑" panose="020B0503020204020204" pitchFamily="34" charset="-122"/>
+                  </a:rPr>
+                  <a:t>为每一</a:t>
+                </a:r>
+                <a:r>
+                  <a:rPr lang="zh-CN" altLang="en-US" dirty="0" smtClean="0">
+                    <a:latin typeface="Cambria Math" panose="02040503050406030204" pitchFamily="18" charset="0"/>
+                    <a:ea typeface="微软雅黑" panose="020B0503020204020204" pitchFamily="34" charset="-122"/>
+                  </a:rPr>
+                  <a:t>层</a:t>
+                </a:r>
+                <a:r>
+                  <a:rPr lang="en-US" altLang="zh-CN" dirty="0" err="1">
+                    <a:latin typeface="Cambria Math" panose="02040503050406030204" pitchFamily="18" charset="0"/>
+                    <a:ea typeface="微软雅黑" panose="020B0503020204020204" pitchFamily="34" charset="-122"/>
+                  </a:rPr>
+                  <a:t>l</a:t>
+                </a:r>
+                <a:r>
+                  <a:rPr lang="zh-CN" altLang="en-US" dirty="0" smtClean="0">
+                    <a:latin typeface="Cambria Math" panose="02040503050406030204" pitchFamily="18" charset="0"/>
+                    <a:ea typeface="微软雅黑" panose="020B0503020204020204" pitchFamily="34" charset="-122"/>
+                  </a:rPr>
+                  <a:t>定义</a:t>
+                </a:r>
+                <a:r>
+                  <a:rPr lang="en-US" altLang="zh-CN" dirty="0" smtClean="0">
+                    <a:latin typeface="Cambria Math" panose="02040503050406030204" pitchFamily="18" charset="0"/>
+                    <a:ea typeface="微软雅黑" panose="020B0503020204020204" pitchFamily="34" charset="-122"/>
+                  </a:rPr>
+                  <a:t>mask</a:t>
+                </a:r>
+                <a:r>
+                  <a:rPr lang="zh-CN" altLang="en-US" dirty="0" smtClean="0">
+                    <a:latin typeface="Cambria Math" panose="02040503050406030204" pitchFamily="18" charset="0"/>
+                    <a:ea typeface="微软雅黑" panose="020B0503020204020204" pitchFamily="34" charset="-122"/>
+                  </a:rPr>
+                  <a:t>为</a:t>
+                </a:r>
+                <a14:m>
+                  <m:oMath xmlns:m="http://schemas.openxmlformats.org/officeDocument/2006/math">
+                    <m:sSup>
+                      <m:sSupPr>
+                        <m:ctrlPr>
+                          <a:rPr lang="en-US" altLang="zh-CN" b="0" smtClean="0">
+                            <a:latin typeface="Cambria Math" panose="02040503050406030204" pitchFamily="18" charset="0"/>
+                            <a:ea typeface="微软雅黑" panose="020B0503020204020204" pitchFamily="34" charset="-122"/>
+                          </a:rPr>
+                        </m:ctrlPr>
+                      </m:sSupPr>
+                      <m:e>
+                        <m:r>
+                          <m:rPr>
+                            <m:sty m:val="p"/>
+                          </m:rPr>
+                          <a:rPr lang="en-US" altLang="zh-CN" b="0" i="0" smtClean="0">
+                            <a:latin typeface="Cambria Math" panose="02040503050406030204" pitchFamily="18" charset="0"/>
+                            <a:ea typeface="微软雅黑" panose="020B0503020204020204" pitchFamily="34" charset="-122"/>
+                          </a:rPr>
+                          <m:t>m</m:t>
+                        </m:r>
+                      </m:e>
+                      <m:sup>
+                        <m:r>
+                          <a:rPr lang="en-US" altLang="zh-CN" b="0" i="0" smtClean="0">
+                            <a:latin typeface="Cambria Math" panose="02040503050406030204" pitchFamily="18" charset="0"/>
+                            <a:ea typeface="微软雅黑" panose="020B0503020204020204" pitchFamily="34" charset="-122"/>
+                          </a:rPr>
+                          <m:t>(</m:t>
+                        </m:r>
+                        <m:r>
+                          <m:rPr>
+                            <m:sty m:val="p"/>
+                          </m:rPr>
+                          <a:rPr lang="en-US" altLang="zh-CN" b="0" i="0" smtClean="0">
+                            <a:latin typeface="Cambria Math" panose="02040503050406030204" pitchFamily="18" charset="0"/>
+                            <a:ea typeface="微软雅黑" panose="020B0503020204020204" pitchFamily="34" charset="-122"/>
+                          </a:rPr>
+                          <m:t>l</m:t>
+                        </m:r>
+                        <m:r>
+                          <a:rPr lang="en-US" altLang="zh-CN" b="0" i="0" smtClean="0">
+                            <a:latin typeface="Cambria Math" panose="02040503050406030204" pitchFamily="18" charset="0"/>
+                            <a:ea typeface="微软雅黑" panose="020B0503020204020204" pitchFamily="34" charset="-122"/>
+                          </a:rPr>
+                          <m:t>)</m:t>
+                        </m:r>
+                      </m:sup>
+                    </m:sSup>
+                    <m:r>
+                      <a:rPr lang="en-US" altLang="zh-CN" b="0" i="0" smtClean="0">
+                        <a:latin typeface="Cambria Math" panose="02040503050406030204" pitchFamily="18" charset="0"/>
+                        <a:ea typeface="微软雅黑" panose="020B0503020204020204" pitchFamily="34" charset="-122"/>
+                      </a:rPr>
+                      <m:t>=[</m:t>
+                    </m:r>
+                    <m:sSubSup>
+                      <m:sSubSupPr>
+                        <m:ctrlPr>
+                          <a:rPr lang="en-US" altLang="zh-CN" b="0" smtClean="0">
+                            <a:latin typeface="Cambria Math" panose="02040503050406030204" pitchFamily="18" charset="0"/>
+                            <a:ea typeface="微软雅黑" panose="020B0503020204020204" pitchFamily="34" charset="-122"/>
+                          </a:rPr>
+                        </m:ctrlPr>
+                      </m:sSubSupPr>
+                      <m:e>
+                        <m:r>
+                          <m:rPr>
+                            <m:sty m:val="p"/>
+                          </m:rPr>
+                          <a:rPr lang="en-US" altLang="zh-CN" b="0" i="0" smtClean="0">
+                            <a:latin typeface="Cambria Math" panose="02040503050406030204" pitchFamily="18" charset="0"/>
+                            <a:ea typeface="微软雅黑" panose="020B0503020204020204" pitchFamily="34" charset="-122"/>
+                          </a:rPr>
+                          <m:t>m</m:t>
+                        </m:r>
+                      </m:e>
+                      <m:sub>
+                        <m:r>
+                          <a:rPr lang="en-US" altLang="zh-CN" b="0" i="0" smtClean="0">
+                            <a:latin typeface="Cambria Math" panose="02040503050406030204" pitchFamily="18" charset="0"/>
+                            <a:ea typeface="微软雅黑" panose="020B0503020204020204" pitchFamily="34" charset="-122"/>
+                          </a:rPr>
+                          <m:t>1</m:t>
+                        </m:r>
+                      </m:sub>
+                      <m:sup>
+                        <m:d>
+                          <m:dPr>
+                            <m:ctrlPr>
+                              <a:rPr lang="en-US" altLang="zh-CN" b="0" smtClean="0">
+                                <a:latin typeface="Cambria Math" panose="02040503050406030204" pitchFamily="18" charset="0"/>
+                                <a:ea typeface="微软雅黑" panose="020B0503020204020204" pitchFamily="34" charset="-122"/>
+                              </a:rPr>
+                            </m:ctrlPr>
+                          </m:dPr>
+                          <m:e>
+                            <m:r>
+                              <m:rPr>
+                                <m:sty m:val="p"/>
+                              </m:rPr>
+                              <a:rPr lang="en-US" altLang="zh-CN" b="0" i="0" smtClean="0">
+                                <a:latin typeface="Cambria Math" panose="02040503050406030204" pitchFamily="18" charset="0"/>
+                                <a:ea typeface="微软雅黑" panose="020B0503020204020204" pitchFamily="34" charset="-122"/>
+                              </a:rPr>
+                              <m:t>l</m:t>
+                            </m:r>
+                          </m:e>
+                        </m:d>
+                      </m:sup>
+                    </m:sSubSup>
+                    <m:r>
+                      <a:rPr lang="en-US" altLang="zh-CN" b="0" i="0" smtClean="0">
+                        <a:latin typeface="Cambria Math" panose="02040503050406030204" pitchFamily="18" charset="0"/>
+                        <a:ea typeface="微软雅黑" panose="020B0503020204020204" pitchFamily="34" charset="-122"/>
+                      </a:rPr>
+                      <m:t>,</m:t>
+                    </m:r>
+                    <m:sSubSup>
+                      <m:sSubSupPr>
+                        <m:ctrlPr>
+                          <a:rPr lang="en-US" altLang="zh-CN">
+                            <a:latin typeface="Cambria Math" panose="02040503050406030204" pitchFamily="18" charset="0"/>
+                            <a:ea typeface="微软雅黑" panose="020B0503020204020204" pitchFamily="34" charset="-122"/>
+                          </a:rPr>
+                        </m:ctrlPr>
+                      </m:sSubSupPr>
+                      <m:e>
+                        <m:r>
+                          <m:rPr>
+                            <m:sty m:val="p"/>
+                          </m:rPr>
+                          <a:rPr lang="en-US" altLang="zh-CN" i="0">
+                            <a:latin typeface="Cambria Math" panose="02040503050406030204" pitchFamily="18" charset="0"/>
+                            <a:ea typeface="微软雅黑" panose="020B0503020204020204" pitchFamily="34" charset="-122"/>
+                          </a:rPr>
+                          <m:t>m</m:t>
+                        </m:r>
+                      </m:e>
+                      <m:sub>
+                        <m:r>
+                          <a:rPr lang="en-US" altLang="zh-CN" b="0" i="0" smtClean="0">
+                            <a:latin typeface="Cambria Math" panose="02040503050406030204" pitchFamily="18" charset="0"/>
+                            <a:ea typeface="微软雅黑" panose="020B0503020204020204" pitchFamily="34" charset="-122"/>
+                          </a:rPr>
+                          <m:t>2</m:t>
+                        </m:r>
+                      </m:sub>
+                      <m:sup>
+                        <m:d>
+                          <m:dPr>
+                            <m:ctrlPr>
+                              <a:rPr lang="en-US" altLang="zh-CN">
+                                <a:latin typeface="Cambria Math" panose="02040503050406030204" pitchFamily="18" charset="0"/>
+                                <a:ea typeface="微软雅黑" panose="020B0503020204020204" pitchFamily="34" charset="-122"/>
+                              </a:rPr>
+                            </m:ctrlPr>
+                          </m:dPr>
+                          <m:e>
+                            <m:r>
+                              <m:rPr>
+                                <m:sty m:val="p"/>
+                              </m:rPr>
+                              <a:rPr lang="en-US" altLang="zh-CN" i="0">
+                                <a:latin typeface="Cambria Math" panose="02040503050406030204" pitchFamily="18" charset="0"/>
+                                <a:ea typeface="微软雅黑" panose="020B0503020204020204" pitchFamily="34" charset="-122"/>
+                              </a:rPr>
+                              <m:t>l</m:t>
+                            </m:r>
+                          </m:e>
+                        </m:d>
+                      </m:sup>
+                    </m:sSubSup>
+                    <m:r>
+                      <a:rPr lang="en-US" altLang="zh-CN" b="0" i="0" smtClean="0">
+                        <a:latin typeface="Cambria Math" panose="02040503050406030204" pitchFamily="18" charset="0"/>
+                        <a:ea typeface="微软雅黑" panose="020B0503020204020204" pitchFamily="34" charset="-122"/>
+                      </a:rPr>
+                      <m:t>,…,</m:t>
+                    </m:r>
+                    <m:sSubSup>
+                      <m:sSubSupPr>
+                        <m:ctrlPr>
+                          <a:rPr lang="en-US" altLang="zh-CN">
+                            <a:latin typeface="Cambria Math" panose="02040503050406030204" pitchFamily="18" charset="0"/>
+                            <a:ea typeface="微软雅黑" panose="020B0503020204020204" pitchFamily="34" charset="-122"/>
+                          </a:rPr>
+                        </m:ctrlPr>
+                      </m:sSubSupPr>
+                      <m:e>
+                        <m:r>
+                          <m:rPr>
+                            <m:sty m:val="p"/>
+                          </m:rPr>
+                          <a:rPr lang="en-US" altLang="zh-CN" i="0">
+                            <a:latin typeface="Cambria Math" panose="02040503050406030204" pitchFamily="18" charset="0"/>
+                            <a:ea typeface="微软雅黑" panose="020B0503020204020204" pitchFamily="34" charset="-122"/>
+                          </a:rPr>
+                          <m:t>m</m:t>
+                        </m:r>
+                      </m:e>
+                      <m:sub>
+                        <m:sSub>
+                          <m:sSubPr>
+                            <m:ctrlPr>
+                              <a:rPr lang="en-US" altLang="zh-CN" b="0" smtClean="0">
+                                <a:latin typeface="Cambria Math" panose="02040503050406030204" pitchFamily="18" charset="0"/>
+                                <a:ea typeface="微软雅黑" panose="020B0503020204020204" pitchFamily="34" charset="-122"/>
+                              </a:rPr>
+                            </m:ctrlPr>
+                          </m:sSubPr>
+                          <m:e>
+                            <m:r>
+                              <m:rPr>
+                                <m:sty m:val="p"/>
+                              </m:rPr>
+                              <a:rPr lang="en-US" altLang="zh-CN" b="0" i="0" smtClean="0">
+                                <a:latin typeface="Cambria Math" panose="02040503050406030204" pitchFamily="18" charset="0"/>
+                                <a:ea typeface="微软雅黑" panose="020B0503020204020204" pitchFamily="34" charset="-122"/>
+                              </a:rPr>
+                              <m:t>N</m:t>
+                            </m:r>
+                          </m:e>
+                          <m:sub>
+                            <m:r>
+                              <m:rPr>
+                                <m:sty m:val="p"/>
+                              </m:rPr>
+                              <a:rPr lang="en-US" altLang="zh-CN" b="0" i="0" smtClean="0">
+                                <a:latin typeface="Cambria Math" panose="02040503050406030204" pitchFamily="18" charset="0"/>
+                                <a:ea typeface="微软雅黑" panose="020B0503020204020204" pitchFamily="34" charset="-122"/>
+                              </a:rPr>
+                              <m:t>l</m:t>
+                            </m:r>
+                          </m:sub>
+                        </m:sSub>
+                      </m:sub>
+                      <m:sup>
+                        <m:d>
+                          <m:dPr>
+                            <m:ctrlPr>
+                              <a:rPr lang="en-US" altLang="zh-CN">
+                                <a:latin typeface="Cambria Math" panose="02040503050406030204" pitchFamily="18" charset="0"/>
+                                <a:ea typeface="微软雅黑" panose="020B0503020204020204" pitchFamily="34" charset="-122"/>
+                              </a:rPr>
+                            </m:ctrlPr>
+                          </m:dPr>
+                          <m:e>
+                            <m:r>
+                              <m:rPr>
+                                <m:sty m:val="p"/>
+                              </m:rPr>
+                              <a:rPr lang="en-US" altLang="zh-CN" i="0">
+                                <a:latin typeface="Cambria Math" panose="02040503050406030204" pitchFamily="18" charset="0"/>
+                                <a:ea typeface="微软雅黑" panose="020B0503020204020204" pitchFamily="34" charset="-122"/>
+                              </a:rPr>
+                              <m:t>l</m:t>
+                            </m:r>
+                          </m:e>
+                        </m:d>
+                      </m:sup>
+                    </m:sSubSup>
+                    <m:r>
+                      <a:rPr lang="en-US" altLang="zh-CN" b="0" i="0" smtClean="0">
+                        <a:latin typeface="Cambria Math" panose="02040503050406030204" pitchFamily="18" charset="0"/>
+                        <a:ea typeface="微软雅黑" panose="020B0503020204020204" pitchFamily="34" charset="-122"/>
+                      </a:rPr>
+                      <m:t>]</m:t>
+                    </m:r>
+                  </m:oMath>
+                </a14:m>
+                <a:endParaRPr lang="en-US" altLang="zh-CN" dirty="0" smtClean="0">
+                  <a:latin typeface="Cambria Math" panose="02040503050406030204" pitchFamily="18" charset="0"/>
+                  <a:ea typeface="微软雅黑" panose="020B0503020204020204" pitchFamily="34" charset="-122"/>
+                </a:endParaRPr>
+              </a:p>
+              <a:p>
+                <a:pPr lvl="1"/>
+                <a14:m>
+                  <m:oMath xmlns:m="http://schemas.openxmlformats.org/officeDocument/2006/math">
+                    <m:sSubSup>
+                      <m:sSubSupPr>
+                        <m:ctrlPr>
+                          <a:rPr lang="en-US" altLang="zh-CN" smtClean="0">
+                            <a:latin typeface="Cambria Math" panose="02040503050406030204" pitchFamily="18" charset="0"/>
+                            <a:ea typeface="微软雅黑" panose="020B0503020204020204" pitchFamily="34" charset="-122"/>
+                          </a:rPr>
+                        </m:ctrlPr>
+                      </m:sSubSupPr>
+                      <m:e>
+                        <m:r>
+                          <m:rPr>
+                            <m:sty m:val="p"/>
+                          </m:rPr>
+                          <a:rPr lang="en-US" altLang="zh-CN" i="0">
+                            <a:latin typeface="Cambria Math" panose="02040503050406030204" pitchFamily="18" charset="0"/>
+                            <a:ea typeface="微软雅黑" panose="020B0503020204020204" pitchFamily="34" charset="-122"/>
+                          </a:rPr>
+                          <m:t>m</m:t>
+                        </m:r>
+                      </m:e>
+                      <m:sub>
+                        <m:r>
+                          <m:rPr>
+                            <m:sty m:val="p"/>
+                          </m:rPr>
+                          <a:rPr lang="en-US" altLang="zh-CN" b="0" i="0" smtClean="0">
+                            <a:latin typeface="Cambria Math" panose="02040503050406030204" pitchFamily="18" charset="0"/>
+                            <a:ea typeface="微软雅黑" panose="020B0503020204020204" pitchFamily="34" charset="-122"/>
+                          </a:rPr>
+                          <m:t>i</m:t>
+                        </m:r>
+                      </m:sub>
+                      <m:sup>
+                        <m:d>
+                          <m:dPr>
+                            <m:ctrlPr>
+                              <a:rPr lang="en-US" altLang="zh-CN">
+                                <a:latin typeface="Cambria Math" panose="02040503050406030204" pitchFamily="18" charset="0"/>
+                                <a:ea typeface="微软雅黑" panose="020B0503020204020204" pitchFamily="34" charset="-122"/>
+                              </a:rPr>
+                            </m:ctrlPr>
+                          </m:dPr>
+                          <m:e>
+                            <m:r>
+                              <m:rPr>
+                                <m:sty m:val="p"/>
+                              </m:rPr>
+                              <a:rPr lang="en-US" altLang="zh-CN" i="0">
+                                <a:latin typeface="Cambria Math" panose="02040503050406030204" pitchFamily="18" charset="0"/>
+                                <a:ea typeface="微软雅黑" panose="020B0503020204020204" pitchFamily="34" charset="-122"/>
+                              </a:rPr>
+                              <m:t>l</m:t>
+                            </m:r>
+                          </m:e>
+                        </m:d>
+                      </m:sup>
+                    </m:sSubSup>
+                    <m:r>
+                      <a:rPr lang="en-US" altLang="zh-CN" b="0" i="0" smtClean="0">
+                        <a:latin typeface="Cambria Math" panose="02040503050406030204" pitchFamily="18" charset="0"/>
+                        <a:ea typeface="微软雅黑" panose="020B0503020204020204" pitchFamily="34" charset="-122"/>
+                      </a:rPr>
+                      <m:t>=</m:t>
+                    </m:r>
+                    <m:d>
+                      <m:dPr>
+                        <m:begChr m:val="{"/>
+                        <m:endChr m:val=""/>
+                        <m:ctrlPr>
+                          <a:rPr lang="en-US" altLang="zh-CN" smtClean="0">
+                            <a:latin typeface="Cambria Math" panose="02040503050406030204" pitchFamily="18" charset="0"/>
+                            <a:ea typeface="微软雅黑" panose="020B0503020204020204" pitchFamily="34" charset="-122"/>
+                          </a:rPr>
+                        </m:ctrlPr>
+                      </m:dPr>
+                      <m:e>
+                        <m:eqArr>
+                          <m:eqArrPr>
+                            <m:ctrlPr>
+                              <a:rPr lang="en-US" altLang="zh-CN">
+                                <a:latin typeface="Cambria Math" panose="02040503050406030204" pitchFamily="18" charset="0"/>
+                                <a:ea typeface="微软雅黑" panose="020B0503020204020204" pitchFamily="34" charset="-122"/>
+                              </a:rPr>
+                            </m:ctrlPr>
+                          </m:eqArrPr>
+                          <m:e>
+                            <m:r>
+                              <a:rPr lang="en-US" altLang="zh-CN" i="0">
+                                <a:latin typeface="Cambria Math" panose="02040503050406030204" pitchFamily="18" charset="0"/>
+                                <a:ea typeface="微软雅黑" panose="020B0503020204020204" pitchFamily="34" charset="-122"/>
+                              </a:rPr>
+                              <m:t>1,     </m:t>
+                            </m:r>
+                            <m:r>
+                              <m:rPr>
+                                <m:sty m:val="p"/>
+                              </m:rPr>
+                              <a:rPr lang="en-US" altLang="zh-CN" b="0" i="0" smtClean="0">
+                                <a:latin typeface="Cambria Math" panose="02040503050406030204" pitchFamily="18" charset="0"/>
+                                <a:ea typeface="微软雅黑" panose="020B0503020204020204" pitchFamily="34" charset="-122"/>
+                              </a:rPr>
+                              <m:t>not</m:t>
+                            </m:r>
+                            <m:r>
+                              <a:rPr lang="en-US" altLang="zh-CN" b="0" i="0" smtClean="0">
+                                <a:latin typeface="Cambria Math" panose="02040503050406030204" pitchFamily="18" charset="0"/>
+                                <a:ea typeface="微软雅黑" panose="020B0503020204020204" pitchFamily="34" charset="-122"/>
+                              </a:rPr>
+                              <m:t> </m:t>
+                            </m:r>
+                            <m:r>
+                              <m:rPr>
+                                <m:sty m:val="p"/>
+                              </m:rPr>
+                              <a:rPr lang="en-US" altLang="zh-CN" b="0" i="0" smtClean="0">
+                                <a:latin typeface="Cambria Math" panose="02040503050406030204" pitchFamily="18" charset="0"/>
+                                <a:ea typeface="微软雅黑" panose="020B0503020204020204" pitchFamily="34" charset="-122"/>
+                              </a:rPr>
+                              <m:t>pruned</m:t>
+                            </m:r>
+                          </m:e>
+                          <m:e>
+                            <m:r>
+                              <a:rPr lang="en-US" altLang="zh-CN" i="0" smtClean="0">
+                                <a:latin typeface="Cambria Math" panose="02040503050406030204" pitchFamily="18" charset="0"/>
+                                <a:ea typeface="微软雅黑" panose="020B0503020204020204" pitchFamily="34" charset="-122"/>
+                              </a:rPr>
+                              <m:t>0,  </m:t>
+                            </m:r>
+                            <m:r>
+                              <m:rPr>
+                                <m:sty m:val="p"/>
+                              </m:rPr>
+                              <a:rPr lang="en-US" altLang="zh-CN" b="0" i="0" smtClean="0">
+                                <a:latin typeface="Cambria Math" panose="02040503050406030204" pitchFamily="18" charset="0"/>
+                                <a:ea typeface="微软雅黑" panose="020B0503020204020204" pitchFamily="34" charset="-122"/>
+                              </a:rPr>
+                              <m:t>pruned</m:t>
+                            </m:r>
+                          </m:e>
+                        </m:eqArr>
+                        <m:r>
+                          <a:rPr lang="en-US" altLang="zh-CN" b="0" i="0" smtClean="0">
+                            <a:latin typeface="Cambria Math" panose="02040503050406030204" pitchFamily="18" charset="0"/>
+                            <a:ea typeface="微软雅黑" panose="020B0503020204020204" pitchFamily="34" charset="-122"/>
+                          </a:rPr>
+                          <m:t>,</m:t>
+                        </m:r>
+                        <m:r>
+                          <m:rPr>
+                            <m:sty m:val="p"/>
+                          </m:rPr>
+                          <a:rPr lang="en-US" altLang="zh-CN" b="0" i="0" smtClean="0">
+                            <a:latin typeface="Cambria Math" panose="02040503050406030204" pitchFamily="18" charset="0"/>
+                            <a:ea typeface="微软雅黑" panose="020B0503020204020204" pitchFamily="34" charset="-122"/>
+                          </a:rPr>
+                          <m:t>i</m:t>
+                        </m:r>
+                        <m:r>
+                          <a:rPr lang="en-US" altLang="zh-CN" b="0" i="0" smtClean="0">
+                            <a:latin typeface="Cambria Math" panose="02040503050406030204" pitchFamily="18" charset="0"/>
+                            <a:ea typeface="微软雅黑" panose="020B0503020204020204" pitchFamily="34" charset="-122"/>
+                          </a:rPr>
+                          <m:t>∈[1,</m:t>
+                        </m:r>
+                        <m:sSub>
+                          <m:sSubPr>
+                            <m:ctrlPr>
+                              <a:rPr lang="en-US" altLang="zh-CN" b="0" smtClean="0">
+                                <a:latin typeface="Cambria Math" panose="02040503050406030204" pitchFamily="18" charset="0"/>
+                                <a:ea typeface="微软雅黑" panose="020B0503020204020204" pitchFamily="34" charset="-122"/>
+                              </a:rPr>
+                            </m:ctrlPr>
+                          </m:sSubPr>
+                          <m:e>
+                            <m:r>
+                              <m:rPr>
+                                <m:sty m:val="p"/>
+                              </m:rPr>
+                              <a:rPr lang="en-US" altLang="zh-CN" b="0" i="0" smtClean="0">
+                                <a:latin typeface="Cambria Math" panose="02040503050406030204" pitchFamily="18" charset="0"/>
+                                <a:ea typeface="微软雅黑" panose="020B0503020204020204" pitchFamily="34" charset="-122"/>
+                              </a:rPr>
+                              <m:t>N</m:t>
+                            </m:r>
+                          </m:e>
+                          <m:sub>
+                            <m:r>
+                              <m:rPr>
+                                <m:sty m:val="p"/>
+                              </m:rPr>
+                              <a:rPr lang="en-US" altLang="zh-CN" b="0" i="0" smtClean="0">
+                                <a:latin typeface="Cambria Math" panose="02040503050406030204" pitchFamily="18" charset="0"/>
+                                <a:ea typeface="微软雅黑" panose="020B0503020204020204" pitchFamily="34" charset="-122"/>
+                              </a:rPr>
+                              <m:t>l</m:t>
+                            </m:r>
+                          </m:sub>
+                        </m:sSub>
+                        <m:r>
+                          <a:rPr lang="en-US" altLang="zh-CN" b="0" i="0" smtClean="0">
+                            <a:latin typeface="Cambria Math" panose="02040503050406030204" pitchFamily="18" charset="0"/>
+                            <a:ea typeface="微软雅黑" panose="020B0503020204020204" pitchFamily="34" charset="-122"/>
+                          </a:rPr>
+                          <m:t>]</m:t>
+                        </m:r>
+                      </m:e>
+                    </m:d>
+                  </m:oMath>
+                </a14:m>
+                <a:endParaRPr lang="en-US" altLang="zh-CN" dirty="0" smtClean="0">
+                  <a:latin typeface="Cambria Math" panose="02040503050406030204" pitchFamily="18" charset="0"/>
+                  <a:ea typeface="微软雅黑" panose="020B0503020204020204" pitchFamily="34" charset="-122"/>
+                </a:endParaRPr>
+              </a:p>
+              <a:p>
+                <a:pPr marL="457200" lvl="1" indent="0">
+                  <a:buNone/>
+                </a:pPr>
+                <a:r>
+                  <a:rPr lang="zh-CN" altLang="en-US" dirty="0" smtClean="0">
+                    <a:latin typeface="Cambria Math" panose="02040503050406030204" pitchFamily="18" charset="0"/>
+                    <a:ea typeface="微软雅黑" panose="020B0503020204020204" pitchFamily="34" charset="-122"/>
+                  </a:rPr>
+                  <a:t>第</a:t>
+                </a:r>
+                <a:r>
+                  <a:rPr lang="en-US" altLang="zh-CN" dirty="0" smtClean="0">
+                    <a:latin typeface="Cambria Math" panose="02040503050406030204" pitchFamily="18" charset="0"/>
+                    <a:ea typeface="微软雅黑" panose="020B0503020204020204" pitchFamily="34" charset="-122"/>
+                  </a:rPr>
+                  <a:t>L</a:t>
+                </a:r>
+                <a:r>
+                  <a:rPr lang="zh-CN" altLang="en-US" dirty="0">
+                    <a:latin typeface="Cambria Math" panose="02040503050406030204" pitchFamily="18" charset="0"/>
+                    <a:ea typeface="微软雅黑" panose="020B0503020204020204" pitchFamily="34" charset="-122"/>
+                  </a:rPr>
+                  <a:t>层</a:t>
+                </a:r>
+                <a:r>
+                  <a:rPr lang="zh-CN" altLang="en-US" dirty="0" smtClean="0">
+                    <a:latin typeface="Cambria Math" panose="02040503050406030204" pitchFamily="18" charset="0"/>
+                    <a:ea typeface="微软雅黑" panose="020B0503020204020204" pitchFamily="34" charset="-122"/>
+                  </a:rPr>
+                  <a:t>的权重矩阵</a:t>
+                </a:r>
+                <a14:m>
+                  <m:oMath xmlns:m="http://schemas.openxmlformats.org/officeDocument/2006/math">
+                    <m:sSup>
+                      <m:sSupPr>
+                        <m:ctrlPr>
+                          <a:rPr lang="en-US" altLang="zh-CN">
+                            <a:latin typeface="Cambria Math" panose="02040503050406030204" pitchFamily="18" charset="0"/>
+                            <a:ea typeface="微软雅黑" panose="020B0503020204020204" pitchFamily="34" charset="-122"/>
+                          </a:rPr>
+                        </m:ctrlPr>
+                      </m:sSupPr>
+                      <m:e>
+                        <m:r>
+                          <a:rPr lang="en-US" altLang="zh-CN" b="0" i="0" smtClean="0">
+                            <a:latin typeface="Cambria Math" panose="02040503050406030204" pitchFamily="18" charset="0"/>
+                            <a:ea typeface="微软雅黑" panose="020B0503020204020204" pitchFamily="34" charset="-122"/>
+                          </a:rPr>
+                          <m:t> </m:t>
+                        </m:r>
+                        <m:r>
+                          <m:rPr>
+                            <m:sty m:val="p"/>
+                          </m:rPr>
+                          <a:rPr lang="en-US" altLang="zh-CN" i="0">
+                            <a:latin typeface="Cambria Math" panose="02040503050406030204" pitchFamily="18" charset="0"/>
+                            <a:ea typeface="微软雅黑" panose="020B0503020204020204" pitchFamily="34" charset="-122"/>
+                          </a:rPr>
+                          <m:t>W</m:t>
+                        </m:r>
+                      </m:e>
+                      <m:sup>
+                        <m:d>
+                          <m:dPr>
+                            <m:ctrlPr>
+                              <a:rPr lang="en-US" altLang="zh-CN">
+                                <a:latin typeface="Cambria Math" panose="02040503050406030204" pitchFamily="18" charset="0"/>
+                                <a:ea typeface="微软雅黑" panose="020B0503020204020204" pitchFamily="34" charset="-122"/>
+                              </a:rPr>
+                            </m:ctrlPr>
+                          </m:dPr>
+                          <m:e>
+                            <m:r>
+                              <m:rPr>
+                                <m:sty m:val="p"/>
+                              </m:rPr>
+                              <a:rPr lang="en-US" altLang="zh-CN" i="0">
+                                <a:latin typeface="Cambria Math" panose="02040503050406030204" pitchFamily="18" charset="0"/>
+                                <a:ea typeface="微软雅黑" panose="020B0503020204020204" pitchFamily="34" charset="-122"/>
+                              </a:rPr>
+                              <m:t>l</m:t>
+                            </m:r>
+                          </m:e>
+                        </m:d>
+                      </m:sup>
+                    </m:sSup>
+                  </m:oMath>
+                </a14:m>
+                <a:endParaRPr lang="en-US" altLang="zh-CN" dirty="0" smtClean="0">
+                  <a:latin typeface="Cambria Math" panose="02040503050406030204" pitchFamily="18" charset="0"/>
+                  <a:ea typeface="微软雅黑" panose="020B0503020204020204" pitchFamily="34" charset="-122"/>
+                </a:endParaRPr>
+              </a:p>
+              <a:p>
+                <a:pPr marL="457200" lvl="1" indent="0">
+                  <a:buNone/>
+                </a:pPr>
+                <a:r>
+                  <a:rPr lang="zh-CN" altLang="en-US" dirty="0" smtClean="0">
+                    <a:latin typeface="Cambria Math" panose="02040503050406030204" pitchFamily="18" charset="0"/>
+                    <a:ea typeface="微软雅黑" panose="020B0503020204020204" pitchFamily="34" charset="-122"/>
+                  </a:rPr>
+                  <a:t>定义第</a:t>
+                </a:r>
+                <a:r>
+                  <a:rPr lang="en-US" altLang="zh-CN" dirty="0" err="1">
+                    <a:latin typeface="Cambria Math" panose="02040503050406030204" pitchFamily="18" charset="0"/>
+                    <a:ea typeface="微软雅黑" panose="020B0503020204020204" pitchFamily="34" charset="-122"/>
+                  </a:rPr>
+                  <a:t>l</a:t>
+                </a:r>
+                <a:r>
+                  <a:rPr lang="zh-CN" altLang="en-US" dirty="0" smtClean="0">
+                    <a:latin typeface="Cambria Math" panose="02040503050406030204" pitchFamily="18" charset="0"/>
+                    <a:ea typeface="微软雅黑" panose="020B0503020204020204" pitchFamily="34" charset="-122"/>
+                  </a:rPr>
+                  <a:t>层</a:t>
+                </a:r>
+                <a:r>
+                  <a:rPr lang="zh-CN" altLang="en-US" dirty="0" smtClean="0">
+                    <a:latin typeface="Cambria Math" panose="02040503050406030204" pitchFamily="18" charset="0"/>
+                    <a:ea typeface="微软雅黑" panose="020B0503020204020204" pitchFamily="34" charset="-122"/>
+                  </a:rPr>
+                  <a:t>剪枝后的输出为</a:t>
+                </a:r>
+                <a:endParaRPr lang="en-US" altLang="zh-CN" b="0" dirty="0" smtClean="0">
+                  <a:latin typeface="Cambria Math" panose="02040503050406030204" pitchFamily="18" charset="0"/>
+                  <a:ea typeface="微软雅黑" panose="020B0503020204020204" pitchFamily="34" charset="-122"/>
+                </a:endParaRPr>
+              </a:p>
+              <a:p>
+                <a:pPr lvl="1"/>
+                <a14:m>
+                  <m:oMath xmlns:m="http://schemas.openxmlformats.org/officeDocument/2006/math">
+                    <m:sSup>
+                      <m:sSupPr>
+                        <m:ctrlPr>
+                          <a:rPr lang="en-US" altLang="zh-CN" b="0" i="1" smtClean="0">
+                            <a:latin typeface="Cambria Math" panose="02040503050406030204" pitchFamily="18" charset="0"/>
+                            <a:ea typeface="微软雅黑" panose="020B0503020204020204" pitchFamily="34" charset="-122"/>
+                          </a:rPr>
+                        </m:ctrlPr>
+                      </m:sSupPr>
+                      <m:e>
+                        <m:r>
+                          <a:rPr lang="en-US" altLang="zh-CN" i="1" smtClean="0">
+                            <a:latin typeface="Cambria Math" panose="02040503050406030204" pitchFamily="18" charset="0"/>
+                            <a:ea typeface="微软雅黑" panose="020B0503020204020204" pitchFamily="34" charset="-122"/>
+                          </a:rPr>
+                          <m:t>𝛼</m:t>
+                        </m:r>
+                      </m:e>
+                      <m:sup>
+                        <m:r>
+                          <a:rPr lang="en-US" altLang="zh-CN" b="0" i="1" smtClean="0">
+                            <a:latin typeface="Cambria Math" panose="02040503050406030204" pitchFamily="18" charset="0"/>
+                            <a:ea typeface="微软雅黑" panose="020B0503020204020204" pitchFamily="34" charset="-122"/>
+                          </a:rPr>
+                          <m:t>(</m:t>
+                        </m:r>
+                        <m:r>
+                          <a:rPr lang="en-US" altLang="zh-CN" b="0" i="1" smtClean="0">
+                            <a:latin typeface="Cambria Math" panose="02040503050406030204" pitchFamily="18" charset="0"/>
+                            <a:ea typeface="微软雅黑" panose="020B0503020204020204" pitchFamily="34" charset="-122"/>
+                          </a:rPr>
+                          <m:t>𝑙</m:t>
+                        </m:r>
+                        <m:r>
+                          <a:rPr lang="en-US" altLang="zh-CN" b="0" i="1" smtClean="0">
+                            <a:latin typeface="Cambria Math" panose="02040503050406030204" pitchFamily="18" charset="0"/>
+                            <a:ea typeface="微软雅黑" panose="020B0503020204020204" pitchFamily="34" charset="-122"/>
+                          </a:rPr>
+                          <m:t>)</m:t>
+                        </m:r>
+                      </m:sup>
+                    </m:sSup>
+                    <m:r>
+                      <a:rPr lang="en-US" altLang="zh-CN" b="0" i="1" smtClean="0">
+                        <a:latin typeface="Cambria Math" panose="02040503050406030204" pitchFamily="18" charset="0"/>
+                        <a:ea typeface="微软雅黑" panose="020B0503020204020204" pitchFamily="34" charset="-122"/>
+                      </a:rPr>
+                      <m:t>=</m:t>
+                    </m:r>
+                    <m:r>
+                      <a:rPr lang="en-US" altLang="zh-CN" b="0" i="1" smtClean="0">
+                        <a:latin typeface="Cambria Math" panose="02040503050406030204" pitchFamily="18" charset="0"/>
+                        <a:ea typeface="微软雅黑" panose="020B0503020204020204" pitchFamily="34" charset="-122"/>
+                      </a:rPr>
+                      <m:t>𝜎</m:t>
+                    </m:r>
+                    <m:r>
+                      <a:rPr lang="en-US" altLang="zh-CN" b="0" i="1" smtClean="0">
+                        <a:latin typeface="Cambria Math" panose="02040503050406030204" pitchFamily="18" charset="0"/>
+                        <a:ea typeface="微软雅黑" panose="020B0503020204020204" pitchFamily="34" charset="-122"/>
+                      </a:rPr>
+                      <m:t>(</m:t>
+                    </m:r>
+                    <m:sSup>
+                      <m:sSupPr>
+                        <m:ctrlPr>
+                          <a:rPr lang="en-US" altLang="zh-CN" b="0" i="1" smtClean="0">
+                            <a:latin typeface="Cambria Math" panose="02040503050406030204" pitchFamily="18" charset="0"/>
+                            <a:ea typeface="微软雅黑" panose="020B0503020204020204" pitchFamily="34" charset="-122"/>
+                          </a:rPr>
+                        </m:ctrlPr>
+                      </m:sSupPr>
+                      <m:e>
+                        <m:r>
+                          <a:rPr lang="en-US" altLang="zh-CN" b="0" i="1" smtClean="0">
+                            <a:latin typeface="Cambria Math" panose="02040503050406030204" pitchFamily="18" charset="0"/>
+                            <a:ea typeface="微软雅黑" panose="020B0503020204020204" pitchFamily="34" charset="-122"/>
+                          </a:rPr>
+                          <m:t>𝑊</m:t>
+                        </m:r>
+                      </m:e>
+                      <m:sup>
+                        <m:d>
+                          <m:dPr>
+                            <m:ctrlPr>
+                              <a:rPr lang="en-US" altLang="zh-CN" b="0" i="1" smtClean="0">
+                                <a:latin typeface="Cambria Math" panose="02040503050406030204" pitchFamily="18" charset="0"/>
+                                <a:ea typeface="微软雅黑" panose="020B0503020204020204" pitchFamily="34" charset="-122"/>
+                              </a:rPr>
+                            </m:ctrlPr>
+                          </m:dPr>
+                          <m:e>
+                            <m:r>
+                              <a:rPr lang="en-US" altLang="zh-CN" b="0" i="1" smtClean="0">
+                                <a:latin typeface="Cambria Math" panose="02040503050406030204" pitchFamily="18" charset="0"/>
+                                <a:ea typeface="微软雅黑" panose="020B0503020204020204" pitchFamily="34" charset="-122"/>
+                              </a:rPr>
+                              <m:t>𝑙</m:t>
+                            </m:r>
+                          </m:e>
+                        </m:d>
+                      </m:sup>
+                    </m:sSup>
+                    <m:r>
+                      <a:rPr lang="en-US" altLang="zh-CN" b="0" i="1" smtClean="0">
+                        <a:latin typeface="Cambria Math" panose="02040503050406030204" pitchFamily="18" charset="0"/>
+                        <a:ea typeface="微软雅黑" panose="020B0503020204020204" pitchFamily="34" charset="-122"/>
+                      </a:rPr>
+                      <m:t>(</m:t>
+                    </m:r>
+                    <m:sSup>
+                      <m:sSupPr>
+                        <m:ctrlPr>
+                          <a:rPr lang="en-US" altLang="zh-CN" b="0" i="1" smtClean="0">
+                            <a:latin typeface="Cambria Math" panose="02040503050406030204" pitchFamily="18" charset="0"/>
+                            <a:ea typeface="微软雅黑" panose="020B0503020204020204" pitchFamily="34" charset="-122"/>
+                          </a:rPr>
+                        </m:ctrlPr>
+                      </m:sSupPr>
+                      <m:e>
+                        <m:r>
+                          <a:rPr lang="en-US" altLang="zh-CN" b="0" i="1" smtClean="0">
+                            <a:latin typeface="Cambria Math" panose="02040503050406030204" pitchFamily="18" charset="0"/>
+                            <a:ea typeface="微软雅黑" panose="020B0503020204020204" pitchFamily="34" charset="-122"/>
+                          </a:rPr>
+                          <m:t>𝛼</m:t>
+                        </m:r>
+                      </m:e>
+                      <m:sup>
+                        <m:d>
+                          <m:dPr>
+                            <m:ctrlPr>
+                              <a:rPr lang="en-US" altLang="zh-CN" b="0" i="1" smtClean="0">
+                                <a:latin typeface="Cambria Math" panose="02040503050406030204" pitchFamily="18" charset="0"/>
+                                <a:ea typeface="微软雅黑" panose="020B0503020204020204" pitchFamily="34" charset="-122"/>
+                              </a:rPr>
+                            </m:ctrlPr>
+                          </m:dPr>
+                          <m:e>
+                            <m:r>
+                              <a:rPr lang="en-US" altLang="zh-CN" b="0" i="1" smtClean="0">
+                                <a:latin typeface="Cambria Math" panose="02040503050406030204" pitchFamily="18" charset="0"/>
+                                <a:ea typeface="微软雅黑" panose="020B0503020204020204" pitchFamily="34" charset="-122"/>
+                              </a:rPr>
+                              <m:t>𝑙</m:t>
+                            </m:r>
+                            <m:r>
+                              <a:rPr lang="en-US" altLang="zh-CN" b="0" i="1" smtClean="0">
+                                <a:latin typeface="Cambria Math" panose="02040503050406030204" pitchFamily="18" charset="0"/>
+                                <a:ea typeface="微软雅黑" panose="020B0503020204020204" pitchFamily="34" charset="-122"/>
+                              </a:rPr>
+                              <m:t>−1</m:t>
+                            </m:r>
+                          </m:e>
+                        </m:d>
+                      </m:sup>
+                    </m:sSup>
+                    <m:r>
+                      <a:rPr lang="en-US" altLang="zh-CN" b="0" i="1" smtClean="0">
+                        <a:latin typeface="Cambria Math" panose="02040503050406030204" pitchFamily="18" charset="0"/>
+                        <a:ea typeface="微软雅黑" panose="020B0503020204020204" pitchFamily="34" charset="-122"/>
+                      </a:rPr>
+                      <m:t>·</m:t>
+                    </m:r>
+                    <m:sSup>
+                      <m:sSupPr>
+                        <m:ctrlPr>
+                          <a:rPr lang="en-US" altLang="zh-CN" b="0" i="1" smtClean="0">
+                            <a:latin typeface="Cambria Math" panose="02040503050406030204" pitchFamily="18" charset="0"/>
+                            <a:ea typeface="微软雅黑" panose="020B0503020204020204" pitchFamily="34" charset="-122"/>
+                          </a:rPr>
+                        </m:ctrlPr>
+                      </m:sSupPr>
+                      <m:e>
+                        <m:r>
+                          <a:rPr lang="en-US" altLang="zh-CN" b="0" i="1" smtClean="0">
+                            <a:latin typeface="Cambria Math" panose="02040503050406030204" pitchFamily="18" charset="0"/>
+                            <a:ea typeface="微软雅黑" panose="020B0503020204020204" pitchFamily="34" charset="-122"/>
+                          </a:rPr>
+                          <m:t>𝑚</m:t>
+                        </m:r>
+                      </m:e>
+                      <m:sup>
+                        <m:r>
+                          <a:rPr lang="en-US" altLang="zh-CN" b="0" i="1" smtClean="0">
+                            <a:latin typeface="Cambria Math" panose="02040503050406030204" pitchFamily="18" charset="0"/>
+                            <a:ea typeface="微软雅黑" panose="020B0503020204020204" pitchFamily="34" charset="-122"/>
+                          </a:rPr>
+                          <m:t>(</m:t>
+                        </m:r>
+                        <m:r>
+                          <a:rPr lang="en-US" altLang="zh-CN" b="0" i="1" smtClean="0">
+                            <a:latin typeface="Cambria Math" panose="02040503050406030204" pitchFamily="18" charset="0"/>
+                            <a:ea typeface="微软雅黑" panose="020B0503020204020204" pitchFamily="34" charset="-122"/>
+                          </a:rPr>
+                          <m:t>𝑙</m:t>
+                        </m:r>
+                        <m:r>
+                          <a:rPr lang="en-US" altLang="zh-CN" b="0" i="1" smtClean="0">
+                            <a:latin typeface="Cambria Math" panose="02040503050406030204" pitchFamily="18" charset="0"/>
+                            <a:ea typeface="微软雅黑" panose="020B0503020204020204" pitchFamily="34" charset="-122"/>
+                          </a:rPr>
+                          <m:t>−1</m:t>
+                        </m:r>
+                        <m:r>
+                          <a:rPr lang="en-US" altLang="zh-CN" b="0" i="1" smtClean="0">
+                            <a:latin typeface="Cambria Math" panose="02040503050406030204" pitchFamily="18" charset="0"/>
+                            <a:ea typeface="微软雅黑" panose="020B0503020204020204" pitchFamily="34" charset="-122"/>
+                          </a:rPr>
+                          <m:t>)</m:t>
+                        </m:r>
+                      </m:sup>
+                    </m:sSup>
+                    <m:r>
+                      <a:rPr lang="en-US" altLang="zh-CN" b="0" i="1" smtClean="0">
+                        <a:latin typeface="Cambria Math" panose="02040503050406030204" pitchFamily="18" charset="0"/>
+                        <a:ea typeface="微软雅黑" panose="020B0503020204020204" pitchFamily="34" charset="-122"/>
+                      </a:rPr>
+                      <m:t>))</m:t>
+                    </m:r>
+                  </m:oMath>
+                </a14:m>
+                <a:endParaRPr lang="en-US" altLang="zh-CN" i="1" dirty="0" smtClean="0">
+                  <a:latin typeface="Cambria Math" panose="02040503050406030204" pitchFamily="18" charset="0"/>
+                  <a:ea typeface="微软雅黑" panose="020B0503020204020204" pitchFamily="34" charset="-122"/>
+                </a:endParaRPr>
+              </a:p>
+              <a:p>
+                <a:pPr marL="457200" lvl="1" indent="0">
+                  <a:buNone/>
+                </a:pPr>
+                <a:r>
+                  <a:rPr lang="zh-CN" altLang="en-US" dirty="0" smtClean="0">
+                    <a:latin typeface="Cambria Math" panose="02040503050406030204" pitchFamily="18" charset="0"/>
+                    <a:ea typeface="微软雅黑" panose="020B0503020204020204" pitchFamily="34" charset="-122"/>
+                  </a:rPr>
+                  <a:t>定义剪枝损失</a:t>
+                </a:r>
+                <a:r>
+                  <a:rPr lang="en-US" altLang="zh-CN" dirty="0" smtClean="0">
+                    <a:latin typeface="Cambria Math" panose="02040503050406030204" pitchFamily="18" charset="0"/>
+                    <a:ea typeface="微软雅黑" panose="020B0503020204020204" pitchFamily="34" charset="-122"/>
+                  </a:rPr>
+                  <a:t>(NRE, Nonlinear Reconstruction Error)</a:t>
+                </a:r>
+                <a:endParaRPr lang="en-US" altLang="zh-CN" dirty="0" smtClean="0">
+                  <a:latin typeface="Cambria Math" panose="02040503050406030204" pitchFamily="18" charset="0"/>
+                  <a:ea typeface="微软雅黑" panose="020B0503020204020204" pitchFamily="34" charset="-122"/>
+                </a:endParaRPr>
+              </a:p>
+              <a:p>
+                <a:pPr lvl="1"/>
+                <a14:m>
+                  <m:oMath xmlns:m="http://schemas.openxmlformats.org/officeDocument/2006/math">
+                    <m:sSup>
+                      <m:sSupPr>
+                        <m:ctrlPr>
+                          <a:rPr lang="en-US" altLang="zh-CN" b="0" i="1" smtClean="0">
+                            <a:latin typeface="Cambria Math" panose="02040503050406030204" pitchFamily="18" charset="0"/>
+                            <a:ea typeface="微软雅黑" panose="020B0503020204020204" pitchFamily="34" charset="-122"/>
+                          </a:rPr>
+                        </m:ctrlPr>
+                      </m:sSupPr>
+                      <m:e>
+                        <m:r>
+                          <a:rPr lang="en-US" altLang="zh-CN" b="0" i="1" smtClean="0">
+                            <a:latin typeface="Cambria Math" panose="02040503050406030204" pitchFamily="18" charset="0"/>
+                            <a:ea typeface="微软雅黑" panose="020B0503020204020204" pitchFamily="34" charset="-122"/>
+                          </a:rPr>
+                          <m:t>𝑝</m:t>
+                        </m:r>
+                      </m:e>
+                      <m:sup>
+                        <m:r>
+                          <a:rPr lang="en-US" altLang="zh-CN" b="0" i="1" smtClean="0">
+                            <a:latin typeface="Cambria Math" panose="02040503050406030204" pitchFamily="18" charset="0"/>
+                            <a:ea typeface="微软雅黑" panose="020B0503020204020204" pitchFamily="34" charset="-122"/>
+                          </a:rPr>
+                          <m:t>(</m:t>
+                        </m:r>
+                        <m:r>
+                          <a:rPr lang="en-US" altLang="zh-CN" b="0" i="1" smtClean="0">
+                            <a:latin typeface="Cambria Math" panose="02040503050406030204" pitchFamily="18" charset="0"/>
+                            <a:ea typeface="微软雅黑" panose="020B0503020204020204" pitchFamily="34" charset="-122"/>
+                          </a:rPr>
+                          <m:t>𝑙</m:t>
+                        </m:r>
+                        <m:r>
+                          <a:rPr lang="en-US" altLang="zh-CN" b="0" i="1" smtClean="0">
+                            <a:latin typeface="Cambria Math" panose="02040503050406030204" pitchFamily="18" charset="0"/>
+                            <a:ea typeface="微软雅黑" panose="020B0503020204020204" pitchFamily="34" charset="-122"/>
+                          </a:rPr>
+                          <m:t>)</m:t>
+                        </m:r>
+                      </m:sup>
+                    </m:sSup>
+                    <m:r>
+                      <a:rPr lang="en-US" altLang="zh-CN" b="0" i="1" smtClean="0">
+                        <a:latin typeface="Cambria Math" panose="02040503050406030204" pitchFamily="18" charset="0"/>
+                        <a:ea typeface="微软雅黑" panose="020B0503020204020204" pitchFamily="34" charset="-122"/>
+                      </a:rPr>
+                      <m:t>=</m:t>
+                    </m:r>
+                    <m:r>
+                      <m:rPr>
+                        <m:lit/>
+                      </m:rPr>
+                      <a:rPr lang="en-US" altLang="zh-CN" b="0" i="1" smtClean="0">
+                        <a:latin typeface="Cambria Math" panose="02040503050406030204" pitchFamily="18" charset="0"/>
+                        <a:ea typeface="微软雅黑" panose="020B0503020204020204" pitchFamily="34" charset="-122"/>
+                      </a:rPr>
+                      <m:t> </m:t>
+                    </m:r>
+                    <m:r>
+                      <a:rPr lang="en-US" altLang="zh-CN" b="0" i="1" smtClean="0">
+                        <a:latin typeface="Cambria Math" panose="02040503050406030204" pitchFamily="18" charset="0"/>
+                        <a:ea typeface="微软雅黑" panose="020B0503020204020204" pitchFamily="34" charset="-122"/>
+                      </a:rPr>
+                      <m:t>𝜆</m:t>
+                    </m:r>
+                    <m:r>
+                      <a:rPr lang="en-US" altLang="zh-CN" b="0" i="1" smtClean="0">
+                        <a:latin typeface="Cambria Math" panose="02040503050406030204" pitchFamily="18" charset="0"/>
+                        <a:ea typeface="微软雅黑" panose="020B0503020204020204" pitchFamily="34" charset="-122"/>
+                      </a:rPr>
+                      <m:t>/2</m:t>
+                    </m:r>
+                    <m:sSub>
+                      <m:sSubPr>
+                        <m:ctrlPr>
+                          <a:rPr lang="en-US" altLang="zh-CN" b="0" i="1" smtClean="0">
+                            <a:latin typeface="Cambria Math" panose="02040503050406030204" pitchFamily="18" charset="0"/>
+                            <a:ea typeface="微软雅黑" panose="020B0503020204020204" pitchFamily="34" charset="-122"/>
+                          </a:rPr>
+                        </m:ctrlPr>
+                      </m:sSubPr>
+                      <m:e>
+                        <m:r>
+                          <a:rPr lang="en-US" altLang="zh-CN" b="0" i="1" smtClean="0">
+                            <a:latin typeface="Cambria Math" panose="02040503050406030204" pitchFamily="18" charset="0"/>
+                            <a:ea typeface="微软雅黑" panose="020B0503020204020204" pitchFamily="34" charset="-122"/>
+                          </a:rPr>
+                          <m:t>𝑁</m:t>
+                        </m:r>
+                      </m:e>
+                      <m:sub>
+                        <m:r>
+                          <a:rPr lang="en-US" altLang="zh-CN" b="0" i="1" smtClean="0">
+                            <a:latin typeface="Cambria Math" panose="02040503050406030204" pitchFamily="18" charset="0"/>
+                            <a:ea typeface="微软雅黑" panose="020B0503020204020204" pitchFamily="34" charset="-122"/>
+                          </a:rPr>
+                          <m:t>𝑙</m:t>
+                        </m:r>
+                      </m:sub>
+                    </m:sSub>
+                    <m:sSubSup>
+                      <m:sSubSupPr>
+                        <m:ctrlPr>
+                          <a:rPr lang="en-US" altLang="zh-CN" b="0" i="1" smtClean="0">
+                            <a:latin typeface="Cambria Math" panose="02040503050406030204" pitchFamily="18" charset="0"/>
+                            <a:ea typeface="微软雅黑" panose="020B0503020204020204" pitchFamily="34" charset="-122"/>
+                          </a:rPr>
+                        </m:ctrlPr>
+                      </m:sSubSupPr>
+                      <m:e>
+                        <m:d>
+                          <m:dPr>
+                            <m:begChr m:val="|"/>
+                            <m:endChr m:val="|"/>
+                            <m:ctrlPr>
+                              <a:rPr lang="en-US" altLang="zh-CN" b="0" i="1" smtClean="0">
+                                <a:latin typeface="Cambria Math" panose="02040503050406030204" pitchFamily="18" charset="0"/>
+                                <a:ea typeface="微软雅黑" panose="020B0503020204020204" pitchFamily="34" charset="-122"/>
+                              </a:rPr>
+                            </m:ctrlPr>
+                          </m:dPr>
+                          <m:e>
+                            <m:d>
+                              <m:dPr>
+                                <m:begChr m:val="|"/>
+                                <m:endChr m:val="|"/>
+                                <m:ctrlPr>
+                                  <a:rPr lang="en-US" altLang="zh-CN" b="0" i="1" smtClean="0">
+                                    <a:latin typeface="Cambria Math" panose="02040503050406030204" pitchFamily="18" charset="0"/>
+                                    <a:ea typeface="微软雅黑" panose="020B0503020204020204" pitchFamily="34" charset="-122"/>
+                                  </a:rPr>
+                                </m:ctrlPr>
+                              </m:dPr>
+                              <m:e>
+                                <m:sSup>
+                                  <m:sSupPr>
+                                    <m:ctrlPr>
+                                      <a:rPr lang="en-US" altLang="zh-CN" b="0" i="1" smtClean="0">
+                                        <a:latin typeface="Cambria Math" panose="02040503050406030204" pitchFamily="18" charset="0"/>
+                                        <a:ea typeface="微软雅黑" panose="020B0503020204020204" pitchFamily="34" charset="-122"/>
+                                      </a:rPr>
+                                    </m:ctrlPr>
+                                  </m:sSupPr>
+                                  <m:e>
+                                    <m:r>
+                                      <a:rPr lang="en-US" altLang="zh-CN" b="0" i="1" smtClean="0">
+                                        <a:latin typeface="Cambria Math" panose="02040503050406030204" pitchFamily="18" charset="0"/>
+                                        <a:ea typeface="微软雅黑" panose="020B0503020204020204" pitchFamily="34" charset="-122"/>
+                                      </a:rPr>
+                                      <m:t>𝑜</m:t>
+                                    </m:r>
+                                  </m:e>
+                                  <m:sup>
+                                    <m:d>
+                                      <m:dPr>
+                                        <m:ctrlPr>
+                                          <a:rPr lang="en-US" altLang="zh-CN" b="0" i="1" smtClean="0">
+                                            <a:latin typeface="Cambria Math" panose="02040503050406030204" pitchFamily="18" charset="0"/>
+                                            <a:ea typeface="微软雅黑" panose="020B0503020204020204" pitchFamily="34" charset="-122"/>
+                                          </a:rPr>
+                                        </m:ctrlPr>
+                                      </m:dPr>
+                                      <m:e>
+                                        <m:r>
+                                          <a:rPr lang="en-US" altLang="zh-CN" b="0" i="1" smtClean="0">
+                                            <a:latin typeface="Cambria Math" panose="02040503050406030204" pitchFamily="18" charset="0"/>
+                                            <a:ea typeface="微软雅黑" panose="020B0503020204020204" pitchFamily="34" charset="-122"/>
+                                          </a:rPr>
+                                          <m:t>𝑙</m:t>
+                                        </m:r>
+                                      </m:e>
+                                    </m:d>
+                                  </m:sup>
+                                </m:sSup>
+                                <m:r>
+                                  <a:rPr lang="en-US" altLang="zh-CN" b="0" i="1" smtClean="0">
+                                    <a:latin typeface="Cambria Math" panose="02040503050406030204" pitchFamily="18" charset="0"/>
+                                    <a:ea typeface="微软雅黑" panose="020B0503020204020204" pitchFamily="34" charset="-122"/>
+                                  </a:rPr>
+                                  <m:t>−</m:t>
+                                </m:r>
+                                <m:sSup>
+                                  <m:sSupPr>
+                                    <m:ctrlPr>
+                                      <a:rPr lang="en-US" altLang="zh-CN" b="0" i="1" smtClean="0">
+                                        <a:latin typeface="Cambria Math" panose="02040503050406030204" pitchFamily="18" charset="0"/>
+                                        <a:ea typeface="微软雅黑" panose="020B0503020204020204" pitchFamily="34" charset="-122"/>
+                                      </a:rPr>
+                                    </m:ctrlPr>
+                                  </m:sSupPr>
+                                  <m:e>
+                                    <m:r>
+                                      <a:rPr lang="en-US" altLang="zh-CN" b="0" i="1" smtClean="0">
+                                        <a:latin typeface="Cambria Math" panose="02040503050406030204" pitchFamily="18" charset="0"/>
+                                        <a:ea typeface="微软雅黑" panose="020B0503020204020204" pitchFamily="34" charset="-122"/>
+                                      </a:rPr>
+                                      <m:t>𝛼</m:t>
+                                    </m:r>
+                                  </m:e>
+                                  <m:sup>
+                                    <m:d>
+                                      <m:dPr>
+                                        <m:ctrlPr>
+                                          <a:rPr lang="en-US" altLang="zh-CN" b="0" i="1" smtClean="0">
+                                            <a:latin typeface="Cambria Math" panose="02040503050406030204" pitchFamily="18" charset="0"/>
+                                            <a:ea typeface="微软雅黑" panose="020B0503020204020204" pitchFamily="34" charset="-122"/>
+                                          </a:rPr>
+                                        </m:ctrlPr>
+                                      </m:dPr>
+                                      <m:e>
+                                        <m:r>
+                                          <a:rPr lang="en-US" altLang="zh-CN" b="0" i="1" smtClean="0">
+                                            <a:latin typeface="Cambria Math" panose="02040503050406030204" pitchFamily="18" charset="0"/>
+                                            <a:ea typeface="微软雅黑" panose="020B0503020204020204" pitchFamily="34" charset="-122"/>
+                                          </a:rPr>
+                                          <m:t>𝑙</m:t>
+                                        </m:r>
+                                      </m:e>
+                                    </m:d>
+                                  </m:sup>
+                                </m:sSup>
+                              </m:e>
+                            </m:d>
+                          </m:e>
+                        </m:d>
+                      </m:e>
+                      <m:sub>
+                        <m:r>
+                          <a:rPr lang="en-US" altLang="zh-CN" b="0" i="1" smtClean="0">
+                            <a:latin typeface="Cambria Math" panose="02040503050406030204" pitchFamily="18" charset="0"/>
+                            <a:ea typeface="微软雅黑" panose="020B0503020204020204" pitchFamily="34" charset="-122"/>
+                          </a:rPr>
+                          <m:t>2</m:t>
+                        </m:r>
+                      </m:sub>
+                      <m:sup>
+                        <m:r>
+                          <a:rPr lang="en-US" altLang="zh-CN" b="0" i="1" smtClean="0">
+                            <a:latin typeface="Cambria Math" panose="02040503050406030204" pitchFamily="18" charset="0"/>
+                            <a:ea typeface="微软雅黑" panose="020B0503020204020204" pitchFamily="34" charset="-122"/>
+                          </a:rPr>
+                          <m:t>2</m:t>
+                        </m:r>
+                      </m:sup>
+                    </m:sSubSup>
+                  </m:oMath>
+                </a14:m>
+                <a:r>
+                  <a:rPr lang="en-US" altLang="zh-CN" i="1" dirty="0" smtClean="0">
+                    <a:latin typeface="Cambria Math" panose="02040503050406030204" pitchFamily="18" charset="0"/>
+                    <a:ea typeface="微软雅黑" panose="020B0503020204020204" pitchFamily="34" charset="-122"/>
+                  </a:rPr>
+                  <a:t>, </a:t>
+                </a:r>
+                <a:r>
+                  <a:rPr lang="zh-CN" altLang="en-US" dirty="0" smtClean="0">
+                    <a:latin typeface="Cambria Math" panose="02040503050406030204" pitchFamily="18" charset="0"/>
+                    <a:ea typeface="微软雅黑" panose="020B0503020204020204" pitchFamily="34" charset="-122"/>
+                  </a:rPr>
+                  <a:t>其中</a:t>
+                </a:r>
+                <a14:m>
+                  <m:oMath xmlns:m="http://schemas.openxmlformats.org/officeDocument/2006/math">
+                    <m:r>
+                      <m:rPr>
+                        <m:sty m:val="p"/>
+                      </m:rPr>
+                      <a:rPr lang="en-US" altLang="zh-CN" i="0">
+                        <a:latin typeface="Cambria Math" panose="02040503050406030204" pitchFamily="18" charset="0"/>
+                        <a:ea typeface="微软雅黑" panose="020B0503020204020204" pitchFamily="34" charset="-122"/>
+                      </a:rPr>
+                      <m:t>λ</m:t>
+                    </m:r>
+                  </m:oMath>
+                </a14:m>
+                <a:r>
+                  <a:rPr lang="zh-CN" altLang="en-US" dirty="0" smtClean="0">
+                    <a:latin typeface="Cambria Math" panose="02040503050406030204" pitchFamily="18" charset="0"/>
+                    <a:ea typeface="微软雅黑" panose="020B0503020204020204" pitchFamily="34" charset="-122"/>
+                  </a:rPr>
+                  <a:t>是 </a:t>
+                </a:r>
+                <a:r>
+                  <a:rPr lang="en-US" altLang="zh-CN" dirty="0" smtClean="0">
+                    <a:latin typeface="Cambria Math" panose="02040503050406030204" pitchFamily="18" charset="0"/>
+                    <a:ea typeface="微软雅黑" panose="020B0503020204020204" pitchFamily="34" charset="-122"/>
+                  </a:rPr>
+                  <a:t>scaling factor, </a:t>
+                </a:r>
+                <a14:m>
+                  <m:oMath xmlns:m="http://schemas.openxmlformats.org/officeDocument/2006/math">
+                    <m:sSub>
+                      <m:sSubPr>
+                        <m:ctrlPr>
+                          <a:rPr lang="en-US" altLang="zh-CN" b="0" i="1" dirty="0" smtClean="0">
+                            <a:latin typeface="Cambria Math" panose="02040503050406030204" pitchFamily="18" charset="0"/>
+                            <a:ea typeface="微软雅黑" panose="020B0503020204020204" pitchFamily="34" charset="-122"/>
+                          </a:rPr>
+                        </m:ctrlPr>
+                      </m:sSubPr>
+                      <m:e>
+                        <m:r>
+                          <m:rPr>
+                            <m:sty m:val="p"/>
+                          </m:rPr>
+                          <a:rPr lang="en-US" altLang="zh-CN" i="1" dirty="0">
+                            <a:latin typeface="Cambria Math" panose="02040503050406030204" pitchFamily="18" charset="0"/>
+                            <a:ea typeface="微软雅黑" panose="020B0503020204020204" pitchFamily="34" charset="-122"/>
+                          </a:rPr>
+                          <m:t>N</m:t>
+                        </m:r>
+                      </m:e>
+                      <m:sub>
+                        <m:r>
+                          <a:rPr lang="en-US" altLang="zh-CN" b="0" i="1" dirty="0" smtClean="0">
+                            <a:latin typeface="Cambria Math" panose="02040503050406030204" pitchFamily="18" charset="0"/>
+                            <a:ea typeface="微软雅黑" panose="020B0503020204020204" pitchFamily="34" charset="-122"/>
+                          </a:rPr>
+                          <m:t>𝑙</m:t>
+                        </m:r>
+                      </m:sub>
+                    </m:sSub>
+                  </m:oMath>
+                </a14:m>
+                <a:r>
+                  <a:rPr lang="zh-CN" altLang="en-US" dirty="0" smtClean="0">
+                    <a:latin typeface="Cambria Math" panose="02040503050406030204" pitchFamily="18" charset="0"/>
+                    <a:ea typeface="微软雅黑" panose="020B0503020204020204" pitchFamily="34" charset="-122"/>
+                  </a:rPr>
+                  <a:t>是</a:t>
+                </a:r>
+                <a:r>
+                  <a:rPr lang="en-US" altLang="zh-CN" dirty="0" smtClean="0">
+                    <a:latin typeface="Cambria Math" panose="02040503050406030204" pitchFamily="18" charset="0"/>
+                    <a:ea typeface="微软雅黑" panose="020B0503020204020204" pitchFamily="34" charset="-122"/>
+                  </a:rPr>
+                  <a:t>l</a:t>
+                </a:r>
+                <a:r>
+                  <a:rPr lang="zh-CN" altLang="en-US" dirty="0" smtClean="0">
+                    <a:latin typeface="Cambria Math" panose="02040503050406030204" pitchFamily="18" charset="0"/>
+                    <a:ea typeface="微软雅黑" panose="020B0503020204020204" pitchFamily="34" charset="-122"/>
+                  </a:rPr>
+                  <a:t>层</a:t>
+                </a:r>
+                <a:r>
+                  <a:rPr lang="zh-CN" altLang="en-US" dirty="0" smtClean="0">
+                    <a:latin typeface="Cambria Math" panose="02040503050406030204" pitchFamily="18" charset="0"/>
+                    <a:ea typeface="微软雅黑" panose="020B0503020204020204" pitchFamily="34" charset="-122"/>
+                  </a:rPr>
+                  <a:t>神经元</a:t>
+                </a:r>
+                <a:r>
+                  <a:rPr lang="zh-CN" altLang="en-US" dirty="0">
+                    <a:latin typeface="Cambria Math" panose="02040503050406030204" pitchFamily="18" charset="0"/>
+                    <a:ea typeface="微软雅黑" panose="020B0503020204020204" pitchFamily="34" charset="-122"/>
+                  </a:rPr>
+                  <a:t>个数</a:t>
+                </a:r>
+                <a:endParaRPr lang="en-US" altLang="zh-CN" dirty="0" smtClean="0">
+                  <a:latin typeface="Cambria Math" panose="02040503050406030204" pitchFamily="18" charset="0"/>
+                  <a:ea typeface="微软雅黑" panose="020B0503020204020204" pitchFamily="34" charset="-122"/>
+                </a:endParaRPr>
+              </a:p>
+            </p:txBody>
+          </p:sp>
+        </mc:Choice>
+        <mc:Fallback>
+          <p:sp>
+            <p:nvSpPr>
+              <p:cNvPr id="7" name="内容占位符 2"/>
+              <p:cNvSpPr>
+                <a:spLocks noGrp="1" noRot="1" noChangeAspect="1" noMove="1" noResize="1" noEditPoints="1" noAdjustHandles="1" noChangeArrowheads="1" noChangeShapeType="1" noTextEdit="1"/>
+              </p:cNvSpPr>
+              <p:nvPr>
+                <p:ph idx="1"/>
+              </p:nvPr>
+            </p:nvSpPr>
+            <p:spPr>
+              <a:xfrm>
+                <a:off x="577850" y="1260974"/>
+                <a:ext cx="11077856" cy="4698005"/>
+              </a:xfrm>
+              <a:blipFill rotWithShape="0">
+                <a:blip r:embed="rId3"/>
+                <a:stretch>
+                  <a:fillRect t="-2205"/>
+                </a:stretch>
+              </a:blipFill>
+            </p:spPr>
+            <p:txBody>
+              <a:bodyPr/>
+              <a:lstStyle/>
+              <a:p>
+                <a:r>
+                  <a:rPr lang="zh-CN" altLang="en-US">
+                    <a:noFill/>
+                  </a:rPr>
+                  <a:t> </a:t>
+                </a:r>
+              </a:p>
+            </p:txBody>
+          </p:sp>
+        </mc:Fallback>
+      </mc:AlternateContent>
       <p:sp>
         <p:nvSpPr>
           <p:cNvPr id="2" name="标题 1"/>
@@ -15584,7 +17921,7 @@
           <p:nvPr/>
         </p:nvPicPr>
         <p:blipFill>
-          <a:blip r:embed="rId3">
+          <a:blip r:embed="rId4">
             <a:extLst>
               <a:ext uri="{96DAC541-7B7A-43D3-8B79-37D633B846F1}">
                 <asvg:svgBlip xmlns:asvg="http://schemas.microsoft.com/office/drawing/2016/SVG/main" xmlns="" r:embed="rId5"/>
@@ -15614,7 +17951,7 @@
           <p:nvPr/>
         </p:nvPicPr>
         <p:blipFill>
-          <a:blip r:embed="rId3">
+          <a:blip r:embed="rId4">
             <a:extLst>
               <a:ext uri="{96DAC541-7B7A-43D3-8B79-37D633B846F1}">
                 <asvg:svgBlip xmlns:asvg="http://schemas.microsoft.com/office/drawing/2016/SVG/main" xmlns="" r:embed="rId5"/>
@@ -15644,7 +17981,7 @@
         <p:spPr>
           <a:xfrm>
             <a:off x="797074" y="5499665"/>
-            <a:ext cx="10013146" cy="646331"/>
+            <a:ext cx="10013146" cy="461665"/>
           </a:xfrm>
           <a:prstGeom prst="rect">
             <a:avLst/>
@@ -15666,89 +18003,91 @@
             </a:r>
             <a:r>
               <a:rPr lang="en-US" altLang="zh-CN" sz="1200" dirty="0" smtClean="0"/>
-              <a:t>] </a:t>
+              <a:t>]</a:t>
             </a:r>
             <a:r>
-              <a:rPr lang="en-US" altLang="zh-CN" sz="1200" dirty="0" err="1" smtClean="0"/>
-              <a:t>Jiantao</a:t>
+              <a:rPr lang="en-US" altLang="zh-CN" sz="1200" i="1" dirty="0"/>
+              <a:t> Chunhui Jiang, </a:t>
             </a:r>
             <a:r>
-              <a:rPr lang="en-US" altLang="zh-CN" sz="1200" dirty="0" smtClean="0"/>
-              <a:t> </a:t>
+              <a:rPr lang="en-US" altLang="zh-CN" sz="1200" i="1" dirty="0" err="1"/>
+              <a:t>Guiying</a:t>
             </a:r>
             <a:r>
-              <a:rPr lang="en-US" altLang="zh-CN" sz="1200" dirty="0" err="1"/>
-              <a:t>Qiu</a:t>
+              <a:rPr lang="en-US" altLang="zh-CN" sz="1200" i="1" dirty="0"/>
+              <a:t> Li, Chao Qian, and </a:t>
             </a:r>
             <a:r>
-              <a:rPr lang="en-US" altLang="zh-CN" sz="1200" dirty="0"/>
-              <a:t>, </a:t>
+              <a:rPr lang="en-US" altLang="zh-CN" sz="1200" i="1" dirty="0" err="1"/>
+              <a:t>Ke</a:t>
             </a:r>
             <a:r>
-              <a:rPr lang="en-US" altLang="zh-CN" sz="1200" dirty="0" err="1"/>
-              <a:t>Jie</a:t>
+              <a:rPr lang="en-US" altLang="zh-CN" sz="1200" i="1" dirty="0"/>
+              <a:t> Tang. 2018. Efficient DNN neuron pruning by minimizing layer-wise nonlinear reconstruction error. In Proceedings of the 27th International Joint Conference on Artificial Intelligence (IJCAI'18). AAAI Press, 2298–2304.</a:t>
+            </a:r>
+            <a:endParaRPr lang="zh-CN" altLang="en-US" sz="1200" dirty="0"/>
+          </a:p>
+        </p:txBody>
+      </p:sp>
+      <p:pic>
+        <p:nvPicPr>
+          <p:cNvPr id="8" name="图片 7"/>
+          <p:cNvPicPr>
+            <a:picLocks noChangeAspect="1"/>
+          </p:cNvPicPr>
+          <p:nvPr/>
+        </p:nvPicPr>
+        <p:blipFill>
+          <a:blip r:embed="rId6"/>
+          <a:stretch>
+            <a:fillRect/>
+          </a:stretch>
+        </p:blipFill>
+        <p:spPr>
+          <a:xfrm>
+            <a:off x="7417436" y="2186207"/>
+            <a:ext cx="4526672" cy="1440305"/>
+          </a:xfrm>
+          <a:prstGeom prst="rect">
+            <a:avLst/>
+          </a:prstGeom>
+        </p:spPr>
+      </p:pic>
+      <p:sp>
+        <p:nvSpPr>
+          <p:cNvPr id="10" name="文本框 9"/>
+          <p:cNvSpPr txBox="1"/>
+          <p:nvPr/>
+        </p:nvSpPr>
+        <p:spPr>
+          <a:xfrm>
+            <a:off x="8053706" y="3657325"/>
+            <a:ext cx="3368578" cy="369332"/>
+          </a:xfrm>
+          <a:prstGeom prst="rect">
+            <a:avLst/>
+          </a:prstGeom>
+          <a:noFill/>
+        </p:spPr>
+        <p:txBody>
+          <a:bodyPr wrap="square" rtlCol="0">
+            <a:spAutoFit/>
+          </a:bodyPr>
+          <a:lstStyle/>
+          <a:p>
+            <a:r>
+              <a:rPr lang="en-US" altLang="zh-CN" dirty="0" smtClean="0"/>
+              <a:t>Fig. </a:t>
             </a:r>
             <a:r>
-              <a:rPr lang="en-US" altLang="zh-CN" sz="1200" dirty="0"/>
-              <a:t> Wang, Song Yao, </a:t>
+              <a:rPr lang="en-US" altLang="zh-CN" dirty="0" smtClean="0"/>
+              <a:t>layer-wise </a:t>
             </a:r>
             <a:r>
-              <a:rPr lang="en-US" altLang="zh-CN" sz="1200" dirty="0" err="1"/>
-              <a:t>Kaiyuan</a:t>
+              <a:rPr lang="en-US" altLang="zh-CN" dirty="0" smtClean="0"/>
+              <a:t>network pruning</a:t>
             </a:r>
-            <a:r>
-              <a:rPr lang="en-US" altLang="zh-CN" sz="1200" dirty="0"/>
-              <a:t> </a:t>
-            </a:r>
-            <a:r>
-              <a:rPr lang="en-US" altLang="zh-CN" sz="1200" dirty="0" err="1"/>
-              <a:t>Guo</a:t>
-            </a:r>
-            <a:r>
-              <a:rPr lang="en-US" altLang="zh-CN" sz="1200" dirty="0"/>
-              <a:t>, </a:t>
-            </a:r>
-            <a:r>
-              <a:rPr lang="en-US" altLang="zh-CN" sz="1200" dirty="0" err="1"/>
-              <a:t>Boxun</a:t>
-            </a:r>
-            <a:r>
-              <a:rPr lang="en-US" altLang="zh-CN" sz="1200" dirty="0"/>
-              <a:t> Li, </a:t>
-            </a:r>
-            <a:r>
-              <a:rPr lang="en-US" altLang="zh-CN" sz="1200" dirty="0" err="1"/>
-              <a:t>Erjin</a:t>
-            </a:r>
-            <a:r>
-              <a:rPr lang="en-US" altLang="zh-CN" sz="1200" dirty="0"/>
-              <a:t> Zhou, Jincheng Yu, </a:t>
-            </a:r>
-            <a:r>
-              <a:rPr lang="en-US" altLang="zh-CN" sz="1200" dirty="0" err="1"/>
-              <a:t>Tianqi</a:t>
-            </a:r>
-            <a:r>
-              <a:rPr lang="en-US" altLang="zh-CN" sz="1200" dirty="0"/>
-              <a:t> Tang, </a:t>
-            </a:r>
-            <a:r>
-              <a:rPr lang="en-US" altLang="zh-CN" sz="1200" dirty="0" err="1"/>
-              <a:t>Ningyi</a:t>
-            </a:r>
-            <a:r>
-              <a:rPr lang="en-US" altLang="zh-CN" sz="1200" dirty="0"/>
-              <a:t> Xu, Sen Song, Yu Wang, and </a:t>
-            </a:r>
-            <a:r>
-              <a:rPr lang="en-US" altLang="zh-CN" sz="1200" dirty="0" err="1"/>
-              <a:t>Huazhong</a:t>
-            </a:r>
-            <a:r>
-              <a:rPr lang="en-US" altLang="zh-CN" sz="1200" dirty="0"/>
-              <a:t> Yang. 2016. Going Deeper with Embedded FPGA Platform for Convolutional Neural Network. Association for Computing Machinery, New York, NY, USA, 26–35. </a:t>
-            </a:r>
-            <a:endParaRPr lang="zh-CN" altLang="en-US" sz="1200" dirty="0"/>
+            <a:endParaRPr lang="zh-CN" altLang="en-US" dirty="0"/>
           </a:p>
         </p:txBody>
       </p:sp>
@@ -18147,8 +20486,8 @@
           <a:chExt cx="0" cy="0"/>
         </a:xfrm>
       </p:grpSpPr>
-      <mc:AlternateContent xmlns:mc="http://schemas.openxmlformats.org/markup-compatibility/2006" xmlns:a14="http://schemas.microsoft.com/office/drawing/2010/main">
-        <mc:Choice Requires="a14">
+      <mc:AlternateContent xmlns:mc="http://schemas.openxmlformats.org/markup-compatibility/2006">
+        <mc:Choice xmlns:a14="http://schemas.microsoft.com/office/drawing/2010/main" Requires="a14">
           <p:sp>
             <p:nvSpPr>
               <p:cNvPr id="15" name="内容占位符 2"/>
@@ -19247,23 +21586,23 @@
                       </m:sSubPr>
                       <m:e>
                         <m:r>
-                          <a:rPr lang="en-US" altLang="zh-CN" i="1" smtClean="0">
+                          <a:rPr lang="en-US" altLang="zh-CN" b="0" i="1" smtClean="0">
                             <a:latin typeface="Cambria Math" panose="02040503050406030204" pitchFamily="18" charset="0"/>
                             <a:cs typeface="Cambria Math" panose="02040503050406030204" pitchFamily="18" charset="0"/>
                           </a:rPr>
-                          <m:t>𝑔</m:t>
-                        </m:r>
-                        <m:r>
-                          <a:rPr lang="en-US" altLang="zh-CN" i="1" smtClean="0">
+                          <m:t>𝑉</m:t>
+                        </m:r>
+                        <m:r>
+                          <a:rPr lang="en-US" altLang="zh-CN" b="0" i="1" smtClean="0">
                             <a:latin typeface="Cambria Math" panose="02040503050406030204" pitchFamily="18" charset="0"/>
                             <a:cs typeface="Cambria Math" panose="02040503050406030204" pitchFamily="18" charset="0"/>
                           </a:rPr>
-                          <m:t>(</m:t>
+                          <m:t>∗</m:t>
                         </m:r>
                         <m:sSub>
                           <m:sSubPr>
                             <m:ctrlPr>
-                              <a:rPr lang="en-US" altLang="zh-CN" i="1" smtClean="0">
+                              <a:rPr lang="en-US" altLang="zh-CN" b="0" i="1" smtClean="0">
                                 <a:latin typeface="Cambria Math" panose="02040503050406030204" pitchFamily="18" charset="0"/>
                                 <a:cs typeface="Cambria Math" panose="02040503050406030204" pitchFamily="18" charset="0"/>
                               </a:rPr>
@@ -19278,48 +21617,52 @@
                                 <a:latin typeface="Cambria Math" panose="02040503050406030204" pitchFamily="18" charset="0"/>
                                 <a:cs typeface="Cambria Math" panose="02040503050406030204" pitchFamily="18" charset="0"/>
                               </a:rPr>
-                              <m:t>G</m:t>
+                              <m:t>l</m:t>
                             </m:r>
                           </m:e>
                           <m:sub>
                             <m:r>
-                              <a:rPr lang="en-US" altLang="zh-CN" i="1" smtClean="0">
+                              <a:rPr lang="en-US" altLang="zh-CN" b="0" i="1" smtClean="0">
                                 <a:latin typeface="Cambria Math" panose="02040503050406030204" pitchFamily="18" charset="0"/>
                                 <a:cs typeface="Cambria Math" panose="02040503050406030204" pitchFamily="18" charset="0"/>
                               </a:rPr>
-                              <m:t>𝐻</m:t>
+                              <m:t>0</m:t>
                             </m:r>
                           </m:sub>
                         </m:sSub>
-                        <m:r>
-                          <a:rPr lang="en-US" altLang="zh-CN" i="1" smtClean="0">
-                            <a:latin typeface="Cambria Math" panose="02040503050406030204" pitchFamily="18" charset="0"/>
-                            <a:cs typeface="Cambria Math" panose="02040503050406030204" pitchFamily="18" charset="0"/>
-                          </a:rPr>
-                          <m:t>,</m:t>
-                        </m:r>
-                        <m:r>
-                          <m:rPr>
-                            <m:sty m:val="p"/>
-                          </m:rPr>
-                          <a:rPr lang="en-US" altLang="zh-CN" i="1">
-                            <a:latin typeface="Cambria Math" panose="02040503050406030204" pitchFamily="18" charset="0"/>
-                            <a:cs typeface="Cambria Math" panose="02040503050406030204" pitchFamily="18" charset="0"/>
-                          </a:rPr>
-                          <m:t>b</m:t>
-                        </m:r>
-                        <m:r>
-                          <a:rPr lang="en-US" altLang="zh-CN" i="1" smtClean="0">
-                            <a:latin typeface="Cambria Math" panose="02040503050406030204" pitchFamily="18" charset="0"/>
-                            <a:cs typeface="Cambria Math" panose="02040503050406030204" pitchFamily="18" charset="0"/>
-                          </a:rPr>
-                          <m:t>)</m:t>
-                        </m:r>
                       </m:e>
                       <m:sub/>
                     </m:sSub>
                   </m:oMath>
                 </a14:m>
+                <a:r>
+                  <a:rPr lang="en-US" altLang="zh-CN" dirty="0" smtClean="0">
+                    <a:latin typeface="Cambria Math" panose="02040503050406030204" pitchFamily="18" charset="0"/>
+                    <a:cs typeface="Cambria Math" panose="02040503050406030204" pitchFamily="18" charset="0"/>
+                  </a:rPr>
+                  <a:t>,l0</a:t>
+                </a:r>
+                <a:r>
+                  <a:rPr lang="zh-CN" altLang="en-US" dirty="0" smtClean="0">
+                    <a:latin typeface="Cambria Math" panose="02040503050406030204" pitchFamily="18" charset="0"/>
+                    <a:cs typeface="Cambria Math" panose="02040503050406030204" pitchFamily="18" charset="0"/>
+                  </a:rPr>
+                  <a:t>是单位</a:t>
+                </a:r>
+                <a:r>
+                  <a:rPr lang="en-US" altLang="zh-CN" dirty="0" smtClean="0">
+                    <a:latin typeface="Cambria Math" panose="02040503050406030204" pitchFamily="18" charset="0"/>
+                    <a:cs typeface="Cambria Math" panose="02040503050406030204" pitchFamily="18" charset="0"/>
+                  </a:rPr>
+                  <a:t>bit</a:t>
+                </a:r>
+                <a:r>
+                  <a:rPr lang="zh-CN" altLang="en-US" dirty="0" smtClean="0">
+                    <a:latin typeface="Cambria Math" panose="02040503050406030204" pitchFamily="18" charset="0"/>
+                    <a:cs typeface="Cambria Math" panose="02040503050406030204" pitchFamily="18" charset="0"/>
+                  </a:rPr>
+                  <a:t>传输时间</a:t>
+                </a:r>
                 <a:endParaRPr lang="en-US" altLang="zh-CN" dirty="0">
                   <a:latin typeface="Cambria Math" panose="02040503050406030204" pitchFamily="18" charset="0"/>
                   <a:cs typeface="Cambria Math" panose="02040503050406030204" pitchFamily="18" charset="0"/>
@@ -19938,7 +22281,7 @@
             </p:txBody>
           </p:sp>
         </mc:Choice>
-        <mc:Fallback xmlns="">
+        <mc:Fallback>
           <p:sp>
             <p:nvSpPr>
               <p:cNvPr id="15" name="内容占位符 2"/>
@@ -24843,46 +27186,6 @@
           <a:chExt cx="0" cy="0"/>
         </a:xfrm>
       </p:grpSpPr>
-      <p:sp>
-        <p:nvSpPr>
-          <p:cNvPr id="2" name="矩形 1"/>
-          <p:cNvSpPr/>
-          <p:nvPr/>
-        </p:nvSpPr>
-        <p:spPr>
-          <a:xfrm>
-            <a:off x="684297" y="5550893"/>
-            <a:ext cx="6096000" cy="923330"/>
-          </a:xfrm>
-          <a:prstGeom prst="rect">
-            <a:avLst/>
-          </a:prstGeom>
-        </p:spPr>
-        <p:txBody>
-          <a:bodyPr>
-            <a:spAutoFit/>
-          </a:bodyPr>
-          <a:lstStyle/>
-          <a:p>
-            <a:r>
-              <a:rPr lang="zh-CN" altLang="en-US" dirty="0"/>
-              <a:t>PS：问题</a:t>
-            </a:r>
-          </a:p>
-          <a:p>
-            <a:r>
-              <a:rPr lang="zh-CN" altLang="en-US" dirty="0"/>
-              <a:t>1. 关于任务图的生成方式</a:t>
-            </a:r>
-          </a:p>
-          <a:p>
-            <a:r>
-              <a:rPr lang="zh-CN" altLang="en-US" dirty="0"/>
-              <a:t>2. 关于搜索算法：遗传算法，RL，其他启发式搜索算法</a:t>
-            </a:r>
-          </a:p>
-        </p:txBody>
-      </p:sp>
     </p:spTree>
     <p:extLst>
       <p:ext uri="{BB962C8B-B14F-4D97-AF65-F5344CB8AC3E}">
